--- a/Syllabus/Lecture04/Lec04.pptx
+++ b/Syllabus/Lecture04/Lec04.pptx
@@ -279,7 +279,7 @@
           <a:p>
             <a:fld id="{DF9C6931-D0F6-AB40-9D7F-95567148A5C2}" type="datetimeFigureOut">
               <a:rPr lang="en-US" smtClean="0"/>
-              <a:t>8/29/22</a:t>
+              <a:t>9/6/22</a:t>
             </a:fld>
             <a:endParaRPr lang="en-US"/>
           </a:p>
@@ -456,7 +456,7 @@
           <a:p>
             <a:fld id="{736C18F2-6801-5147-A332-A6E1C7D69D18}" type="datetimeFigureOut">
               <a:rPr lang="en-US" smtClean="0"/>
-              <a:t>8/29/22</a:t>
+              <a:t>9/6/22</a:t>
             </a:fld>
             <a:endParaRPr lang="en-US"/>
           </a:p>
@@ -14703,7 +14703,7 @@
                 </a:solidFill>
                 <a:latin typeface="MinionPro-Regular"/>
               </a:rPr>
-              <a:t>Stochastic GD. Batch GD,, Mini-batch GD left for self-study.</a:t>
+              <a:t>Stochastic GD. Batch GD, Mini-batch GD left for self-study.</a:t>
             </a:r>
             <a:endParaRPr sz="3200" dirty="0"/>
           </a:p>
@@ -16870,56 +16870,6 @@
           </a:p>
         </p:txBody>
       </p:sp>
-      <p:sp>
-        <p:nvSpPr>
-          <p:cNvPr id="17" name="TextBox 16">
-            <a:extLst>
-              <a:ext uri="{FF2B5EF4-FFF2-40B4-BE49-F238E27FC236}">
-                <a16:creationId xmlns:a16="http://schemas.microsoft.com/office/drawing/2014/main" id="{A51925A6-451E-4D86-8E83-95877AF30EE5}"/>
-              </a:ext>
-            </a:extLst>
-          </p:cNvPr>
-          <p:cNvSpPr txBox="1"/>
-          <p:nvPr/>
-        </p:nvSpPr>
-        <p:spPr>
-          <a:xfrm>
-            <a:off x="8078589" y="4000703"/>
-            <a:ext cx="3283757" cy="830997"/>
-          </a:xfrm>
-          <a:prstGeom prst="rect">
-            <a:avLst/>
-          </a:prstGeom>
-          <a:noFill/>
-          <a:ln>
-            <a:solidFill>
-              <a:srgbClr val="D95E00"/>
-            </a:solidFill>
-          </a:ln>
-        </p:spPr>
-        <p:txBody>
-          <a:bodyPr wrap="square" rtlCol="0">
-            <a:spAutoFit/>
-          </a:bodyPr>
-          <a:lstStyle/>
-          <a:p>
-            <a:pPr algn="ctr"/>
-            <a:r>
-              <a:rPr lang="en-US" dirty="0">
-                <a:ln>
-                  <a:solidFill>
-                    <a:srgbClr val="D95E00"/>
-                  </a:solidFill>
-                </a:ln>
-                <a:solidFill>
-                  <a:srgbClr val="E46102"/>
-                </a:solidFill>
-              </a:rPr>
-              <a:t>Another name for bias?</a:t>
-            </a:r>
-          </a:p>
-        </p:txBody>
-      </p:sp>
     </p:spTree>
     <p:extLst>
       <p:ext uri="{BB962C8B-B14F-4D97-AF65-F5344CB8AC3E}">
@@ -17345,51 +17295,6 @@
                                           </p:stCondLst>
                                         </p:cTn>
                                         <p:tgtEl>
-                                          <p:spTgt spid="17"/>
-                                        </p:tgtEl>
-                                        <p:attrNameLst>
-                                          <p:attrName>style.visibility</p:attrName>
-                                        </p:attrNameLst>
-                                      </p:cBhvr>
-                                      <p:to>
-                                        <p:strVal val="visible"/>
-                                      </p:to>
-                                    </p:set>
-                                  </p:childTnLst>
-                                </p:cTn>
-                              </p:par>
-                            </p:childTnLst>
-                          </p:cTn>
-                        </p:par>
-                      </p:childTnLst>
-                    </p:cTn>
-                  </p:par>
-                  <p:par>
-                    <p:cTn id="39" fill="hold">
-                      <p:stCondLst>
-                        <p:cond delay="indefinite"/>
-                      </p:stCondLst>
-                      <p:childTnLst>
-                        <p:par>
-                          <p:cTn id="40" fill="hold">
-                            <p:stCondLst>
-                              <p:cond delay="0"/>
-                            </p:stCondLst>
-                            <p:childTnLst>
-                              <p:par>
-                                <p:cTn id="41" presetID="1" presetClass="entr" presetSubtype="0" fill="hold" grpId="0" nodeType="clickEffect">
-                                  <p:stCondLst>
-                                    <p:cond delay="0"/>
-                                  </p:stCondLst>
-                                  <p:childTnLst>
-                                    <p:set>
-                                      <p:cBhvr>
-                                        <p:cTn id="42" dur="1" fill="hold">
-                                          <p:stCondLst>
-                                            <p:cond delay="0"/>
-                                          </p:stCondLst>
-                                        </p:cTn>
-                                        <p:tgtEl>
                                           <p:spTgt spid="16"/>
                                         </p:tgtEl>
                                         <p:attrNameLst>
@@ -17404,14 +17309,14 @@
                                 </p:cTn>
                               </p:par>
                               <p:par>
-                                <p:cTn id="43" presetID="1" presetClass="entr" presetSubtype="0" fill="hold" nodeType="withEffect">
+                                <p:cTn id="39" presetID="1" presetClass="entr" presetSubtype="0" fill="hold" nodeType="withEffect">
                                   <p:stCondLst>
                                     <p:cond delay="0"/>
                                   </p:stCondLst>
                                   <p:childTnLst>
                                     <p:set>
                                       <p:cBhvr>
-                                        <p:cTn id="44" dur="1" fill="hold">
+                                        <p:cTn id="40" dur="1" fill="hold">
                                           <p:stCondLst>
                                             <p:cond delay="0"/>
                                           </p:stCondLst>
@@ -17431,14 +17336,14 @@
                                 </p:cTn>
                               </p:par>
                               <p:par>
-                                <p:cTn id="45" presetID="1" presetClass="entr" presetSubtype="0" fill="hold" grpId="0" nodeType="withEffect">
+                                <p:cTn id="41" presetID="1" presetClass="entr" presetSubtype="0" fill="hold" grpId="0" nodeType="withEffect">
                                   <p:stCondLst>
                                     <p:cond delay="0"/>
                                   </p:stCondLst>
                                   <p:childTnLst>
                                     <p:set>
                                       <p:cBhvr>
-                                        <p:cTn id="46" dur="1" fill="hold">
+                                        <p:cTn id="42" dur="1" fill="hold">
                                           <p:stCondLst>
                                             <p:cond delay="0"/>
                                           </p:stCondLst>
@@ -17493,7 +17398,6 @@
       <p:bldP spid="10" grpId="0"/>
       <p:bldP spid="15" grpId="0"/>
       <p:bldP spid="16" grpId="0" animBg="1"/>
-      <p:bldP spid="17" grpId="0" animBg="1"/>
     </p:bldLst>
   </p:timing>
 </p:sld>

--- a/Syllabus/Lecture04/Lec04.pptx
+++ b/Syllabus/Lecture04/Lec04.pptx
@@ -5,10 +5,10 @@
     <p:sldMasterId id="2147483664" r:id="rId1"/>
   </p:sldMasterIdLst>
   <p:notesMasterIdLst>
-    <p:notesMasterId r:id="rId25"/>
+    <p:notesMasterId r:id="rId27"/>
   </p:notesMasterIdLst>
   <p:handoutMasterIdLst>
-    <p:handoutMasterId r:id="rId26"/>
+    <p:handoutMasterId r:id="rId28"/>
   </p:handoutMasterIdLst>
   <p:sldIdLst>
     <p:sldId id="266" r:id="rId2"/>
@@ -16,24 +16,26 @@
     <p:sldId id="298" r:id="rId4"/>
     <p:sldId id="313" r:id="rId5"/>
     <p:sldId id="315" r:id="rId6"/>
-    <p:sldId id="317" r:id="rId7"/>
-    <p:sldId id="341" r:id="rId8"/>
-    <p:sldId id="342" r:id="rId9"/>
-    <p:sldId id="318" r:id="rId10"/>
-    <p:sldId id="344" r:id="rId11"/>
-    <p:sldId id="343" r:id="rId12"/>
-    <p:sldId id="319" r:id="rId13"/>
-    <p:sldId id="320" r:id="rId14"/>
-    <p:sldId id="321" r:id="rId15"/>
-    <p:sldId id="345" r:id="rId16"/>
-    <p:sldId id="323" r:id="rId17"/>
-    <p:sldId id="324" r:id="rId18"/>
-    <p:sldId id="325" r:id="rId19"/>
-    <p:sldId id="346" r:id="rId20"/>
-    <p:sldId id="326" r:id="rId21"/>
-    <p:sldId id="327" r:id="rId22"/>
-    <p:sldId id="347" r:id="rId23"/>
-    <p:sldId id="328" r:id="rId24"/>
+    <p:sldId id="348" r:id="rId7"/>
+    <p:sldId id="317" r:id="rId8"/>
+    <p:sldId id="341" r:id="rId9"/>
+    <p:sldId id="342" r:id="rId10"/>
+    <p:sldId id="318" r:id="rId11"/>
+    <p:sldId id="344" r:id="rId12"/>
+    <p:sldId id="343" r:id="rId13"/>
+    <p:sldId id="319" r:id="rId14"/>
+    <p:sldId id="320" r:id="rId15"/>
+    <p:sldId id="321" r:id="rId16"/>
+    <p:sldId id="345" r:id="rId17"/>
+    <p:sldId id="323" r:id="rId18"/>
+    <p:sldId id="349" r:id="rId19"/>
+    <p:sldId id="324" r:id="rId20"/>
+    <p:sldId id="325" r:id="rId21"/>
+    <p:sldId id="346" r:id="rId22"/>
+    <p:sldId id="326" r:id="rId23"/>
+    <p:sldId id="327" r:id="rId24"/>
+    <p:sldId id="347" r:id="rId25"/>
+    <p:sldId id="328" r:id="rId26"/>
   </p:sldIdLst>
   <p:sldSz cx="12192000" cy="6858000"/>
   <p:notesSz cx="6858000" cy="9144000"/>
@@ -142,6 +144,7 @@
             <p14:sldId id="298"/>
             <p14:sldId id="313"/>
             <p14:sldId id="315"/>
+            <p14:sldId id="348"/>
             <p14:sldId id="317"/>
             <p14:sldId id="341"/>
             <p14:sldId id="342"/>
@@ -153,6 +156,7 @@
             <p14:sldId id="321"/>
             <p14:sldId id="345"/>
             <p14:sldId id="323"/>
+            <p14:sldId id="349"/>
             <p14:sldId id="324"/>
             <p14:sldId id="325"/>
             <p14:sldId id="346"/>
@@ -934,7 +938,7 @@
     </p:spTree>
     <p:extLst>
       <p:ext uri="{BB962C8B-B14F-4D97-AF65-F5344CB8AC3E}">
-        <p14:creationId xmlns:p14="http://schemas.microsoft.com/office/powerpoint/2010/main" val="2256552407"/>
+        <p14:creationId xmlns:p14="http://schemas.microsoft.com/office/powerpoint/2010/main" val="1081759357"/>
       </p:ext>
     </p:extLst>
   </p:cSld>
@@ -1046,7 +1050,7 @@
     </p:spTree>
     <p:extLst>
       <p:ext uri="{BB962C8B-B14F-4D97-AF65-F5344CB8AC3E}">
-        <p14:creationId xmlns:p14="http://schemas.microsoft.com/office/powerpoint/2010/main" val="4125329748"/>
+        <p14:creationId xmlns:p14="http://schemas.microsoft.com/office/powerpoint/2010/main" val="2256552407"/>
       </p:ext>
     </p:extLst>
   </p:cSld>
@@ -1158,7 +1162,7 @@
     </p:spTree>
     <p:extLst>
       <p:ext uri="{BB962C8B-B14F-4D97-AF65-F5344CB8AC3E}">
-        <p14:creationId xmlns:p14="http://schemas.microsoft.com/office/powerpoint/2010/main" val="1844981859"/>
+        <p14:creationId xmlns:p14="http://schemas.microsoft.com/office/powerpoint/2010/main" val="4125329748"/>
       </p:ext>
     </p:extLst>
   </p:cSld>
@@ -1270,7 +1274,7 @@
     </p:spTree>
     <p:extLst>
       <p:ext uri="{BB962C8B-B14F-4D97-AF65-F5344CB8AC3E}">
-        <p14:creationId xmlns:p14="http://schemas.microsoft.com/office/powerpoint/2010/main" val="2057564126"/>
+        <p14:creationId xmlns:p14="http://schemas.microsoft.com/office/powerpoint/2010/main" val="1844981859"/>
       </p:ext>
     </p:extLst>
   </p:cSld>
@@ -1382,7 +1386,7 @@
     </p:spTree>
     <p:extLst>
       <p:ext uri="{BB962C8B-B14F-4D97-AF65-F5344CB8AC3E}">
-        <p14:creationId xmlns:p14="http://schemas.microsoft.com/office/powerpoint/2010/main" val="2409460087"/>
+        <p14:creationId xmlns:p14="http://schemas.microsoft.com/office/powerpoint/2010/main" val="2057564126"/>
       </p:ext>
     </p:extLst>
   </p:cSld>
@@ -1494,7 +1498,7 @@
     </p:spTree>
     <p:extLst>
       <p:ext uri="{BB962C8B-B14F-4D97-AF65-F5344CB8AC3E}">
-        <p14:creationId xmlns:p14="http://schemas.microsoft.com/office/powerpoint/2010/main" val="1640240175"/>
+        <p14:creationId xmlns:p14="http://schemas.microsoft.com/office/powerpoint/2010/main" val="2409460087"/>
       </p:ext>
     </p:extLst>
   </p:cSld>
@@ -1606,7 +1610,7 @@
     </p:spTree>
     <p:extLst>
       <p:ext uri="{BB962C8B-B14F-4D97-AF65-F5344CB8AC3E}">
-        <p14:creationId xmlns:p14="http://schemas.microsoft.com/office/powerpoint/2010/main" val="1863711989"/>
+        <p14:creationId xmlns:p14="http://schemas.microsoft.com/office/powerpoint/2010/main" val="3555463224"/>
       </p:ext>
     </p:extLst>
   </p:cSld>
@@ -1718,7 +1722,7 @@
     </p:spTree>
     <p:extLst>
       <p:ext uri="{BB962C8B-B14F-4D97-AF65-F5344CB8AC3E}">
-        <p14:creationId xmlns:p14="http://schemas.microsoft.com/office/powerpoint/2010/main" val="3061397864"/>
+        <p14:creationId xmlns:p14="http://schemas.microsoft.com/office/powerpoint/2010/main" val="1640240175"/>
       </p:ext>
     </p:extLst>
   </p:cSld>
@@ -1830,7 +1834,7 @@
     </p:spTree>
     <p:extLst>
       <p:ext uri="{BB962C8B-B14F-4D97-AF65-F5344CB8AC3E}">
-        <p14:creationId xmlns:p14="http://schemas.microsoft.com/office/powerpoint/2010/main" val="2731261743"/>
+        <p14:creationId xmlns:p14="http://schemas.microsoft.com/office/powerpoint/2010/main" val="1863711989"/>
       </p:ext>
     </p:extLst>
   </p:cSld>
@@ -1942,7 +1946,7 @@
     </p:spTree>
     <p:extLst>
       <p:ext uri="{BB962C8B-B14F-4D97-AF65-F5344CB8AC3E}">
-        <p14:creationId xmlns:p14="http://schemas.microsoft.com/office/powerpoint/2010/main" val="2539779817"/>
+        <p14:creationId xmlns:p14="http://schemas.microsoft.com/office/powerpoint/2010/main" val="3061397864"/>
       </p:ext>
     </p:extLst>
   </p:cSld>
@@ -2166,6 +2170,230 @@
     </p:spTree>
     <p:extLst>
       <p:ext uri="{BB962C8B-B14F-4D97-AF65-F5344CB8AC3E}">
+        <p14:creationId xmlns:p14="http://schemas.microsoft.com/office/powerpoint/2010/main" val="2731261743"/>
+      </p:ext>
+    </p:extLst>
+  </p:cSld>
+  <p:clrMapOvr>
+    <a:masterClrMapping/>
+  </p:clrMapOvr>
+</p:notes>
+</file>
+
+<file path=ppt/notesSlides/notesSlide21.xml><?xml version="1.0" encoding="utf-8"?>
+<p:notes xmlns:a="http://schemas.openxmlformats.org/drawingml/2006/main" xmlns:r="http://schemas.openxmlformats.org/officeDocument/2006/relationships" xmlns:p="http://schemas.openxmlformats.org/presentationml/2006/main" showMasterSp="0" showMasterPhAnim="0">
+  <p:cSld>
+    <p:spTree>
+      <p:nvGrpSpPr>
+        <p:cNvPr id="1" name="Shape 91"/>
+        <p:cNvGrpSpPr/>
+        <p:nvPr/>
+      </p:nvGrpSpPr>
+      <p:grpSpPr>
+        <a:xfrm>
+          <a:off x="0" y="0"/>
+          <a:ext cx="0" cy="0"/>
+          <a:chOff x="0" y="0"/>
+          <a:chExt cx="0" cy="0"/>
+        </a:xfrm>
+      </p:grpSpPr>
+      <p:sp>
+        <p:nvSpPr>
+          <p:cNvPr id="92" name="Google Shape;92;g921be16503_9_0:notes"/>
+          <p:cNvSpPr>
+            <a:spLocks noGrp="1" noRot="1" noChangeAspect="1"/>
+          </p:cNvSpPr>
+          <p:nvPr>
+            <p:ph type="sldImg" idx="2"/>
+          </p:nvPr>
+        </p:nvSpPr>
+        <p:spPr>
+          <a:xfrm>
+            <a:off x="381000" y="685800"/>
+            <a:ext cx="6096000" cy="3429000"/>
+          </a:xfrm>
+          <a:custGeom>
+            <a:avLst/>
+            <a:gdLst/>
+            <a:ahLst/>
+            <a:cxnLst/>
+            <a:rect l="l" t="t" r="r" b="b"/>
+            <a:pathLst>
+              <a:path w="120000" h="120000" extrusionOk="0">
+                <a:moveTo>
+                  <a:pt x="0" y="0"/>
+                </a:moveTo>
+                <a:lnTo>
+                  <a:pt x="120000" y="0"/>
+                </a:lnTo>
+                <a:lnTo>
+                  <a:pt x="120000" y="120000"/>
+                </a:lnTo>
+                <a:lnTo>
+                  <a:pt x="0" y="120000"/>
+                </a:lnTo>
+                <a:close/>
+              </a:path>
+            </a:pathLst>
+          </a:custGeom>
+        </p:spPr>
+      </p:sp>
+      <p:sp>
+        <p:nvSpPr>
+          <p:cNvPr id="93" name="Google Shape;93;g921be16503_9_0:notes"/>
+          <p:cNvSpPr txBox="1">
+            <a:spLocks noGrp="1"/>
+          </p:cNvSpPr>
+          <p:nvPr>
+            <p:ph type="body" idx="1"/>
+          </p:nvPr>
+        </p:nvSpPr>
+        <p:spPr>
+          <a:xfrm>
+            <a:off x="685800" y="4343400"/>
+            <a:ext cx="5486400" cy="4114800"/>
+          </a:xfrm>
+          <a:prstGeom prst="rect">
+            <a:avLst/>
+          </a:prstGeom>
+        </p:spPr>
+        <p:txBody>
+          <a:bodyPr spcFirstLastPara="1" wrap="square" lIns="91425" tIns="91425" rIns="91425" bIns="91425" anchor="t" anchorCtr="0">
+            <a:noAutofit/>
+          </a:bodyPr>
+          <a:lstStyle/>
+          <a:p>
+            <a:pPr marL="0" lvl="0" indent="0" algn="l" rtl="0">
+              <a:spcBef>
+                <a:spcPts val="0"/>
+              </a:spcBef>
+              <a:spcAft>
+                <a:spcPts val="0"/>
+              </a:spcAft>
+              <a:buNone/>
+            </a:pPr>
+            <a:r>
+              <a:rPr lang="en-US" dirty="0"/>
+              <a:t>Hello World of machine learning.</a:t>
+            </a:r>
+          </a:p>
+        </p:txBody>
+      </p:sp>
+    </p:spTree>
+    <p:extLst>
+      <p:ext uri="{BB962C8B-B14F-4D97-AF65-F5344CB8AC3E}">
+        <p14:creationId xmlns:p14="http://schemas.microsoft.com/office/powerpoint/2010/main" val="2539779817"/>
+      </p:ext>
+    </p:extLst>
+  </p:cSld>
+  <p:clrMapOvr>
+    <a:masterClrMapping/>
+  </p:clrMapOvr>
+</p:notes>
+</file>
+
+<file path=ppt/notesSlides/notesSlide22.xml><?xml version="1.0" encoding="utf-8"?>
+<p:notes xmlns:a="http://schemas.openxmlformats.org/drawingml/2006/main" xmlns:r="http://schemas.openxmlformats.org/officeDocument/2006/relationships" xmlns:p="http://schemas.openxmlformats.org/presentationml/2006/main" showMasterSp="0" showMasterPhAnim="0">
+  <p:cSld>
+    <p:spTree>
+      <p:nvGrpSpPr>
+        <p:cNvPr id="1" name="Shape 91"/>
+        <p:cNvGrpSpPr/>
+        <p:nvPr/>
+      </p:nvGrpSpPr>
+      <p:grpSpPr>
+        <a:xfrm>
+          <a:off x="0" y="0"/>
+          <a:ext cx="0" cy="0"/>
+          <a:chOff x="0" y="0"/>
+          <a:chExt cx="0" cy="0"/>
+        </a:xfrm>
+      </p:grpSpPr>
+      <p:sp>
+        <p:nvSpPr>
+          <p:cNvPr id="92" name="Google Shape;92;g921be16503_9_0:notes"/>
+          <p:cNvSpPr>
+            <a:spLocks noGrp="1" noRot="1" noChangeAspect="1"/>
+          </p:cNvSpPr>
+          <p:nvPr>
+            <p:ph type="sldImg" idx="2"/>
+          </p:nvPr>
+        </p:nvSpPr>
+        <p:spPr>
+          <a:xfrm>
+            <a:off x="381000" y="685800"/>
+            <a:ext cx="6096000" cy="3429000"/>
+          </a:xfrm>
+          <a:custGeom>
+            <a:avLst/>
+            <a:gdLst/>
+            <a:ahLst/>
+            <a:cxnLst/>
+            <a:rect l="l" t="t" r="r" b="b"/>
+            <a:pathLst>
+              <a:path w="120000" h="120000" extrusionOk="0">
+                <a:moveTo>
+                  <a:pt x="0" y="0"/>
+                </a:moveTo>
+                <a:lnTo>
+                  <a:pt x="120000" y="0"/>
+                </a:lnTo>
+                <a:lnTo>
+                  <a:pt x="120000" y="120000"/>
+                </a:lnTo>
+                <a:lnTo>
+                  <a:pt x="0" y="120000"/>
+                </a:lnTo>
+                <a:close/>
+              </a:path>
+            </a:pathLst>
+          </a:custGeom>
+        </p:spPr>
+      </p:sp>
+      <p:sp>
+        <p:nvSpPr>
+          <p:cNvPr id="93" name="Google Shape;93;g921be16503_9_0:notes"/>
+          <p:cNvSpPr txBox="1">
+            <a:spLocks noGrp="1"/>
+          </p:cNvSpPr>
+          <p:nvPr>
+            <p:ph type="body" idx="1"/>
+          </p:nvPr>
+        </p:nvSpPr>
+        <p:spPr>
+          <a:xfrm>
+            <a:off x="685800" y="4343400"/>
+            <a:ext cx="5486400" cy="4114800"/>
+          </a:xfrm>
+          <a:prstGeom prst="rect">
+            <a:avLst/>
+          </a:prstGeom>
+        </p:spPr>
+        <p:txBody>
+          <a:bodyPr spcFirstLastPara="1" wrap="square" lIns="91425" tIns="91425" rIns="91425" bIns="91425" anchor="t" anchorCtr="0">
+            <a:noAutofit/>
+          </a:bodyPr>
+          <a:lstStyle/>
+          <a:p>
+            <a:pPr marL="0" lvl="0" indent="0" algn="l" rtl="0">
+              <a:spcBef>
+                <a:spcPts val="0"/>
+              </a:spcBef>
+              <a:spcAft>
+                <a:spcPts val="0"/>
+              </a:spcAft>
+              <a:buNone/>
+            </a:pPr>
+            <a:r>
+              <a:rPr lang="en-US" dirty="0"/>
+              <a:t>Hello World of machine learning.</a:t>
+            </a:r>
+          </a:p>
+        </p:txBody>
+      </p:sp>
+    </p:spTree>
+    <p:extLst>
+      <p:ext uri="{BB962C8B-B14F-4D97-AF65-F5344CB8AC3E}">
         <p14:creationId xmlns:p14="http://schemas.microsoft.com/office/powerpoint/2010/main" val="1294302123"/>
       </p:ext>
     </p:extLst>
@@ -2176,7 +2404,7 @@
 </p:notes>
 </file>
 
-<file path=ppt/notesSlides/notesSlide21.xml><?xml version="1.0" encoding="utf-8"?>
+<file path=ppt/notesSlides/notesSlide23.xml><?xml version="1.0" encoding="utf-8"?>
 <p:notes xmlns:a="http://schemas.openxmlformats.org/drawingml/2006/main" xmlns:r="http://schemas.openxmlformats.org/officeDocument/2006/relationships" xmlns:p="http://schemas.openxmlformats.org/presentationml/2006/main" showMasterSp="0" showMasterPhAnim="0">
   <p:cSld>
     <p:spTree>
@@ -2502,7 +2730,7 @@
     </p:spTree>
     <p:extLst>
       <p:ext uri="{BB962C8B-B14F-4D97-AF65-F5344CB8AC3E}">
-        <p14:creationId xmlns:p14="http://schemas.microsoft.com/office/powerpoint/2010/main" val="3614600750"/>
+        <p14:creationId xmlns:p14="http://schemas.microsoft.com/office/powerpoint/2010/main" val="1274600665"/>
       </p:ext>
     </p:extLst>
   </p:cSld>
@@ -2614,7 +2842,7 @@
     </p:spTree>
     <p:extLst>
       <p:ext uri="{BB962C8B-B14F-4D97-AF65-F5344CB8AC3E}">
-        <p14:creationId xmlns:p14="http://schemas.microsoft.com/office/powerpoint/2010/main" val="2844394651"/>
+        <p14:creationId xmlns:p14="http://schemas.microsoft.com/office/powerpoint/2010/main" val="3614600750"/>
       </p:ext>
     </p:extLst>
   </p:cSld>
@@ -2726,7 +2954,7 @@
     </p:spTree>
     <p:extLst>
       <p:ext uri="{BB962C8B-B14F-4D97-AF65-F5344CB8AC3E}">
-        <p14:creationId xmlns:p14="http://schemas.microsoft.com/office/powerpoint/2010/main" val="3754496111"/>
+        <p14:creationId xmlns:p14="http://schemas.microsoft.com/office/powerpoint/2010/main" val="2844394651"/>
       </p:ext>
     </p:extLst>
   </p:cSld>
@@ -2838,7 +3066,7 @@
     </p:spTree>
     <p:extLst>
       <p:ext uri="{BB962C8B-B14F-4D97-AF65-F5344CB8AC3E}">
-        <p14:creationId xmlns:p14="http://schemas.microsoft.com/office/powerpoint/2010/main" val="88077277"/>
+        <p14:creationId xmlns:p14="http://schemas.microsoft.com/office/powerpoint/2010/main" val="3754496111"/>
       </p:ext>
     </p:extLst>
   </p:cSld>
@@ -2950,7 +3178,7 @@
     </p:spTree>
     <p:extLst>
       <p:ext uri="{BB962C8B-B14F-4D97-AF65-F5344CB8AC3E}">
-        <p14:creationId xmlns:p14="http://schemas.microsoft.com/office/powerpoint/2010/main" val="1244677765"/>
+        <p14:creationId xmlns:p14="http://schemas.microsoft.com/office/powerpoint/2010/main" val="88077277"/>
       </p:ext>
     </p:extLst>
   </p:cSld>
@@ -3062,7 +3290,7 @@
     </p:spTree>
     <p:extLst>
       <p:ext uri="{BB962C8B-B14F-4D97-AF65-F5344CB8AC3E}">
-        <p14:creationId xmlns:p14="http://schemas.microsoft.com/office/powerpoint/2010/main" val="1081759357"/>
+        <p14:creationId xmlns:p14="http://schemas.microsoft.com/office/powerpoint/2010/main" val="1244677765"/>
       </p:ext>
     </p:extLst>
   </p:cSld>
@@ -6142,6 +6370,314 @@
                   <a:srgbClr val="E46102"/>
                 </a:solidFill>
               </a:rPr>
+              <a:t>Linear regression training</a:t>
+            </a:r>
+            <a:endParaRPr sz="4000" b="1" dirty="0">
+              <a:solidFill>
+                <a:srgbClr val="E46102"/>
+              </a:solidFill>
+            </a:endParaRPr>
+          </a:p>
+        </p:txBody>
+      </p:sp>
+      <p:sp>
+        <p:nvSpPr>
+          <p:cNvPr id="96" name="Google Shape;96;p14"/>
+          <p:cNvSpPr txBox="1"/>
+          <p:nvPr/>
+        </p:nvSpPr>
+        <p:spPr>
+          <a:xfrm>
+            <a:off x="521776" y="1382233"/>
+            <a:ext cx="11277600" cy="4176000"/>
+          </a:xfrm>
+          <a:prstGeom prst="rect">
+            <a:avLst/>
+          </a:prstGeom>
+          <a:noFill/>
+          <a:ln>
+            <a:noFill/>
+          </a:ln>
+        </p:spPr>
+        <p:txBody>
+          <a:bodyPr spcFirstLastPara="1" wrap="square" lIns="121900" tIns="121900" rIns="121900" bIns="121900" anchor="t" anchorCtr="0">
+            <a:noAutofit/>
+          </a:bodyPr>
+          <a:lstStyle/>
+          <a:p>
+            <a:pPr marL="457200" indent="-457200">
+              <a:buFont typeface="Arial" panose="020B0604020202020204" pitchFamily="34" charset="0"/>
+              <a:buChar char="•"/>
+            </a:pPr>
+            <a:r>
+              <a:rPr lang="en-US" dirty="0"/>
+              <a:t>GOAL: Training a model means setting its parameters so that the model BEST fits the training set. </a:t>
+            </a:r>
+          </a:p>
+          <a:p>
+            <a:pPr marL="457200" indent="-457200">
+              <a:buFont typeface="Arial" panose="020B0604020202020204" pitchFamily="34" charset="0"/>
+              <a:buChar char="•"/>
+            </a:pPr>
+            <a:endParaRPr lang="en-US" dirty="0"/>
+          </a:p>
+          <a:p>
+            <a:pPr marL="457200" indent="-457200">
+              <a:buFont typeface="Arial" panose="020B0604020202020204" pitchFamily="34" charset="0"/>
+              <a:buChar char="•"/>
+            </a:pPr>
+            <a:r>
+              <a:rPr lang="en-US" dirty="0"/>
+              <a:t>Q</a:t>
+            </a:r>
+            <a:r>
+              <a:rPr lang="en-US" i="1" dirty="0"/>
+              <a:t>uality</a:t>
+            </a:r>
+            <a:r>
+              <a:rPr lang="en-US" dirty="0"/>
+              <a:t> : how well predictions match up against actual values</a:t>
+            </a:r>
+          </a:p>
+          <a:p>
+            <a:pPr marL="457200" indent="-457200">
+              <a:buFont typeface="Arial" panose="020B0604020202020204" pitchFamily="34" charset="0"/>
+              <a:buChar char="•"/>
+            </a:pPr>
+            <a:endParaRPr lang="en-US" dirty="0"/>
+          </a:p>
+          <a:p>
+            <a:pPr marL="457200" indent="-457200">
+              <a:buFont typeface="Arial" panose="020B0604020202020204" pitchFamily="34" charset="0"/>
+              <a:buChar char="•"/>
+            </a:pPr>
+            <a:r>
+              <a:rPr lang="en-US" dirty="0"/>
+              <a:t>Graphically, find a line that minimizes the prediction error of all the data points</a:t>
+            </a:r>
+          </a:p>
+          <a:p>
+            <a:pPr marL="457200" indent="-457200">
+              <a:buFont typeface="Arial" panose="020B0604020202020204" pitchFamily="34" charset="0"/>
+              <a:buChar char="•"/>
+            </a:pPr>
+            <a:endParaRPr lang="en-US" dirty="0"/>
+          </a:p>
+        </p:txBody>
+      </p:sp>
+      <p:pic>
+        <p:nvPicPr>
+          <p:cNvPr id="1026" name="Picture 2" descr="https://qph.fs.quoracdn.net/main-qimg-bb8279567778d3e87812d66b60dd0656">
+            <a:extLst>
+              <a:ext uri="{FF2B5EF4-FFF2-40B4-BE49-F238E27FC236}">
+                <a16:creationId xmlns:a16="http://schemas.microsoft.com/office/drawing/2014/main" id="{0E298701-4860-4DAF-A001-86C26FABEE3A}"/>
+              </a:ext>
+            </a:extLst>
+          </p:cNvPr>
+          <p:cNvPicPr>
+            <a:picLocks noChangeAspect="1" noChangeArrowheads="1"/>
+          </p:cNvPicPr>
+          <p:nvPr/>
+        </p:nvPicPr>
+        <p:blipFill>
+          <a:blip r:embed="rId3">
+            <a:extLst>
+              <a:ext uri="{28A0092B-C50C-407E-A947-70E740481C1C}">
+                <a14:useLocalDpi xmlns:a14="http://schemas.microsoft.com/office/drawing/2010/main" val="0"/>
+              </a:ext>
+            </a:extLst>
+          </a:blip>
+          <a:srcRect/>
+          <a:stretch>
+            <a:fillRect/>
+          </a:stretch>
+        </p:blipFill>
+        <p:spPr bwMode="auto">
+          <a:xfrm>
+            <a:off x="4071548" y="3842950"/>
+            <a:ext cx="2977988" cy="2690854"/>
+          </a:xfrm>
+          <a:prstGeom prst="rect">
+            <a:avLst/>
+          </a:prstGeom>
+          <a:noFill/>
+          <a:extLst>
+            <a:ext uri="{909E8E84-426E-40DD-AFC4-6F175D3DCCD1}">
+              <a14:hiddenFill xmlns:a14="http://schemas.microsoft.com/office/drawing/2010/main">
+                <a:solidFill>
+                  <a:srgbClr val="FFFFFF"/>
+                </a:solidFill>
+              </a14:hiddenFill>
+            </a:ext>
+          </a:extLst>
+        </p:spPr>
+      </p:pic>
+    </p:spTree>
+    <p:extLst>
+      <p:ext uri="{BB962C8B-B14F-4D97-AF65-F5344CB8AC3E}">
+        <p14:creationId xmlns:p14="http://schemas.microsoft.com/office/powerpoint/2010/main" val="871376942"/>
+      </p:ext>
+    </p:extLst>
+  </p:cSld>
+  <p:clrMapOvr>
+    <a:masterClrMapping/>
+  </p:clrMapOvr>
+  <p:timing>
+    <p:tnLst>
+      <p:par>
+        <p:cTn id="1" dur="indefinite" restart="never" nodeType="tmRoot">
+          <p:childTnLst>
+            <p:seq concurrent="1" nextAc="seek">
+              <p:cTn id="2" dur="indefinite" nodeType="mainSeq">
+                <p:childTnLst>
+                  <p:par>
+                    <p:cTn id="3" fill="hold">
+                      <p:stCondLst>
+                        <p:cond delay="indefinite"/>
+                      </p:stCondLst>
+                      <p:childTnLst>
+                        <p:par>
+                          <p:cTn id="4" fill="hold">
+                            <p:stCondLst>
+                              <p:cond delay="0"/>
+                            </p:stCondLst>
+                            <p:childTnLst>
+                              <p:par>
+                                <p:cTn id="5" presetID="1" presetClass="entr" presetSubtype="0" fill="hold" grpId="0" nodeType="clickEffect">
+                                  <p:stCondLst>
+                                    <p:cond delay="0"/>
+                                  </p:stCondLst>
+                                  <p:childTnLst>
+                                    <p:set>
+                                      <p:cBhvr>
+                                        <p:cTn id="6" dur="1" fill="hold">
+                                          <p:stCondLst>
+                                            <p:cond delay="0"/>
+                                          </p:stCondLst>
+                                        </p:cTn>
+                                        <p:tgtEl>
+                                          <p:spTgt spid="96"/>
+                                        </p:tgtEl>
+                                        <p:attrNameLst>
+                                          <p:attrName>style.visibility</p:attrName>
+                                        </p:attrNameLst>
+                                      </p:cBhvr>
+                                      <p:to>
+                                        <p:strVal val="visible"/>
+                                      </p:to>
+                                    </p:set>
+                                  </p:childTnLst>
+                                </p:cTn>
+                              </p:par>
+                              <p:par>
+                                <p:cTn id="7" presetID="1" presetClass="entr" presetSubtype="0" fill="hold" nodeType="withEffect">
+                                  <p:stCondLst>
+                                    <p:cond delay="0"/>
+                                  </p:stCondLst>
+                                  <p:childTnLst>
+                                    <p:set>
+                                      <p:cBhvr>
+                                        <p:cTn id="8" dur="1" fill="hold">
+                                          <p:stCondLst>
+                                            <p:cond delay="0"/>
+                                          </p:stCondLst>
+                                        </p:cTn>
+                                        <p:tgtEl>
+                                          <p:spTgt spid="1026"/>
+                                        </p:tgtEl>
+                                        <p:attrNameLst>
+                                          <p:attrName>style.visibility</p:attrName>
+                                        </p:attrNameLst>
+                                      </p:cBhvr>
+                                      <p:to>
+                                        <p:strVal val="visible"/>
+                                      </p:to>
+                                    </p:set>
+                                  </p:childTnLst>
+                                </p:cTn>
+                              </p:par>
+                            </p:childTnLst>
+                          </p:cTn>
+                        </p:par>
+                      </p:childTnLst>
+                    </p:cTn>
+                  </p:par>
+                </p:childTnLst>
+              </p:cTn>
+              <p:prevCondLst>
+                <p:cond evt="onPrev" delay="0">
+                  <p:tgtEl>
+                    <p:sldTgt/>
+                  </p:tgtEl>
+                </p:cond>
+              </p:prevCondLst>
+              <p:nextCondLst>
+                <p:cond evt="onNext" delay="0">
+                  <p:tgtEl>
+                    <p:sldTgt/>
+                  </p:tgtEl>
+                </p:cond>
+              </p:nextCondLst>
+            </p:seq>
+          </p:childTnLst>
+        </p:cTn>
+      </p:par>
+    </p:tnLst>
+    <p:bldLst>
+      <p:bldP spid="96" grpId="0"/>
+    </p:bldLst>
+  </p:timing>
+</p:sld>
+</file>
+
+<file path=ppt/slides/slide11.xml><?xml version="1.0" encoding="utf-8"?>
+<p:sld xmlns:a="http://schemas.openxmlformats.org/drawingml/2006/main" xmlns:r="http://schemas.openxmlformats.org/officeDocument/2006/relationships" xmlns:p="http://schemas.openxmlformats.org/presentationml/2006/main">
+  <p:cSld>
+    <p:spTree>
+      <p:nvGrpSpPr>
+        <p:cNvPr id="1" name="Shape 94"/>
+        <p:cNvGrpSpPr/>
+        <p:nvPr/>
+      </p:nvGrpSpPr>
+      <p:grpSpPr>
+        <a:xfrm>
+          <a:off x="0" y="0"/>
+          <a:ext cx="0" cy="0"/>
+          <a:chOff x="0" y="0"/>
+          <a:chExt cx="0" cy="0"/>
+        </a:xfrm>
+      </p:grpSpPr>
+      <p:sp>
+        <p:nvSpPr>
+          <p:cNvPr id="95" name="Google Shape;95;p14"/>
+          <p:cNvSpPr txBox="1">
+            <a:spLocks noGrp="1"/>
+          </p:cNvSpPr>
+          <p:nvPr>
+            <p:ph type="title" idx="4294967295"/>
+          </p:nvPr>
+        </p:nvSpPr>
+        <p:spPr>
+          <a:xfrm>
+            <a:off x="717173" y="696913"/>
+            <a:ext cx="10972800" cy="506789"/>
+          </a:xfrm>
+          <a:prstGeom prst="rect">
+            <a:avLst/>
+          </a:prstGeom>
+        </p:spPr>
+        <p:txBody>
+          <a:bodyPr spcFirstLastPara="1" wrap="square" lIns="121900" tIns="121900" rIns="121900" bIns="121900" anchor="ctr" anchorCtr="0">
+            <a:noAutofit/>
+          </a:bodyPr>
+          <a:lstStyle/>
+          <a:p>
+            <a:r>
+              <a:rPr lang="en-US" sz="4000" b="1" dirty="0">
+                <a:solidFill>
+                  <a:srgbClr val="E46102"/>
+                </a:solidFill>
+              </a:rPr>
               <a:t>Linear regression performance measure</a:t>
             </a:r>
             <a:endParaRPr sz="4000" b="1" dirty="0">
@@ -6525,7 +7061,7 @@
 </p:sld>
 </file>
 
-<file path=ppt/slides/slide11.xml><?xml version="1.0" encoding="utf-8"?>
+<file path=ppt/slides/slide12.xml><?xml version="1.0" encoding="utf-8"?>
 <p:sld xmlns:a="http://schemas.openxmlformats.org/drawingml/2006/main" xmlns:r="http://schemas.openxmlformats.org/officeDocument/2006/relationships" xmlns:p="http://schemas.openxmlformats.org/presentationml/2006/main">
   <p:cSld>
     <p:spTree>
@@ -7046,7 +7582,7 @@
 </p:sld>
 </file>
 
-<file path=ppt/slides/slide12.xml><?xml version="1.0" encoding="utf-8"?>
+<file path=ppt/slides/slide13.xml><?xml version="1.0" encoding="utf-8"?>
 <p:sld xmlns:a="http://schemas.openxmlformats.org/drawingml/2006/main" xmlns:r="http://schemas.openxmlformats.org/officeDocument/2006/relationships" xmlns:p="http://schemas.openxmlformats.org/presentationml/2006/main">
   <p:cSld>
     <p:spTree>
@@ -7548,7 +8084,7 @@
 </p:sld>
 </file>
 
-<file path=ppt/slides/slide13.xml><?xml version="1.0" encoding="utf-8"?>
+<file path=ppt/slides/slide14.xml><?xml version="1.0" encoding="utf-8"?>
 <p:sld xmlns:a="http://schemas.openxmlformats.org/drawingml/2006/main" xmlns:r="http://schemas.openxmlformats.org/officeDocument/2006/relationships" xmlns:p="http://schemas.openxmlformats.org/presentationml/2006/main">
   <p:cSld>
     <p:spTree>
@@ -7874,7 +8410,7 @@
 </p:sld>
 </file>
 
-<file path=ppt/slides/slide14.xml><?xml version="1.0" encoding="utf-8"?>
+<file path=ppt/slides/slide15.xml><?xml version="1.0" encoding="utf-8"?>
 <p:sld xmlns:a="http://schemas.openxmlformats.org/drawingml/2006/main" xmlns:r="http://schemas.openxmlformats.org/officeDocument/2006/relationships" xmlns:p="http://schemas.openxmlformats.org/presentationml/2006/main">
   <p:cSld>
     <p:spTree>
@@ -8668,7 +9204,7 @@
 </p:sld>
 </file>
 
-<file path=ppt/slides/slide15.xml><?xml version="1.0" encoding="utf-8"?>
+<file path=ppt/slides/slide16.xml><?xml version="1.0" encoding="utf-8"?>
 <p:sld xmlns:a="http://schemas.openxmlformats.org/drawingml/2006/main" xmlns:r="http://schemas.openxmlformats.org/officeDocument/2006/relationships" xmlns:p="http://schemas.openxmlformats.org/presentationml/2006/main">
   <p:cSld>
     <p:spTree>
@@ -8769,7 +9305,7 @@
 </p:sld>
 </file>
 
-<file path=ppt/slides/slide16.xml><?xml version="1.0" encoding="utf-8"?>
+<file path=ppt/slides/slide17.xml><?xml version="1.0" encoding="utf-8"?>
 <p:sld xmlns:a="http://schemas.openxmlformats.org/drawingml/2006/main" xmlns:r="http://schemas.openxmlformats.org/officeDocument/2006/relationships" xmlns:p="http://schemas.openxmlformats.org/presentationml/2006/main">
   <p:cSld>
     <p:spTree>
@@ -9250,7 +9786,7 @@
 </p:sld>
 </file>
 
-<file path=ppt/slides/slide17.xml><?xml version="1.0" encoding="utf-8"?>
+<file path=ppt/slides/slide18.xml><?xml version="1.0" encoding="utf-8"?>
 <p:sld xmlns:a="http://schemas.openxmlformats.org/drawingml/2006/main" xmlns:r="http://schemas.openxmlformats.org/officeDocument/2006/relationships" xmlns:p="http://schemas.openxmlformats.org/presentationml/2006/main">
   <p:cSld>
     <p:spTree>
@@ -9298,7 +9834,587 @@
                   <a:srgbClr val="E46102"/>
                 </a:solidFill>
               </a:rPr>
-              <a:t>Gradient Descent</a:t>
+              <a:t>Linear Regression Model</a:t>
+            </a:r>
+            <a:endParaRPr sz="4000" b="1" dirty="0">
+              <a:solidFill>
+                <a:srgbClr val="E46102"/>
+              </a:solidFill>
+            </a:endParaRPr>
+          </a:p>
+        </p:txBody>
+      </p:sp>
+      <p:sp>
+        <p:nvSpPr>
+          <p:cNvPr id="96" name="Google Shape;96;p14"/>
+          <p:cNvSpPr txBox="1"/>
+          <p:nvPr/>
+        </p:nvSpPr>
+        <p:spPr>
+          <a:xfrm>
+            <a:off x="190500" y="1382233"/>
+            <a:ext cx="11658600" cy="4176000"/>
+          </a:xfrm>
+          <a:prstGeom prst="rect">
+            <a:avLst/>
+          </a:prstGeom>
+          <a:noFill/>
+          <a:ln>
+            <a:noFill/>
+          </a:ln>
+        </p:spPr>
+        <p:txBody>
+          <a:bodyPr spcFirstLastPara="1" wrap="square" lIns="121900" tIns="121900" rIns="121900" bIns="121900" anchor="t" anchorCtr="0">
+            <a:noAutofit/>
+          </a:bodyPr>
+          <a:lstStyle/>
+          <a:p>
+            <a:pPr marL="342900" indent="-342900">
+              <a:buFont typeface="Arial" panose="020B0604020202020204" pitchFamily="34" charset="0"/>
+              <a:buChar char="•"/>
+            </a:pPr>
+            <a:r>
+              <a:rPr lang="en-US" sz="2800" dirty="0"/>
+              <a:t>One of the simplest model. Teaches how to identify patterns in data. </a:t>
+            </a:r>
+            <a:endParaRPr lang="en-US" sz="3200" dirty="0"/>
+          </a:p>
+          <a:p>
+            <a:pPr marL="457200" indent="-457200">
+              <a:buFont typeface="Arial" panose="020B0604020202020204" pitchFamily="34" charset="0"/>
+              <a:buChar char="•"/>
+            </a:pPr>
+            <a:r>
+              <a:rPr lang="en-US" sz="2800" dirty="0"/>
+              <a:t>2 ways to train model:</a:t>
+            </a:r>
+          </a:p>
+          <a:p>
+            <a:pPr lvl="1"/>
+            <a:r>
+              <a:rPr lang="en-US" sz="2800" dirty="0">
+                <a:solidFill>
+                  <a:schemeClr val="bg1">
+                    <a:lumMod val="85000"/>
+                  </a:schemeClr>
+                </a:solidFill>
+                <a:latin typeface="MinionPro-Regular"/>
+              </a:rPr>
+              <a:t>1. using a direct “closed-form” equation called normal equation</a:t>
+            </a:r>
+          </a:p>
+          <a:p>
+            <a:pPr marL="952485" lvl="1" indent="-342900">
+              <a:buFont typeface="Arial" panose="020B0604020202020204" pitchFamily="34" charset="0"/>
+              <a:buChar char="•"/>
+            </a:pPr>
+            <a:r>
+              <a:rPr lang="en-US" sz="2800" dirty="0">
+                <a:solidFill>
+                  <a:schemeClr val="bg1">
+                    <a:lumMod val="85000"/>
+                  </a:schemeClr>
+                </a:solidFill>
+                <a:latin typeface="MinionPro-Regular"/>
+              </a:rPr>
+              <a:t>directly computes model parameters that best fit model to training set (model parameters that minimize cost function over the training set)</a:t>
+            </a:r>
+          </a:p>
+          <a:p>
+            <a:pPr lvl="1"/>
+            <a:endParaRPr lang="en-US" sz="2800" dirty="0">
+              <a:solidFill>
+                <a:schemeClr val="bg1">
+                  <a:lumMod val="85000"/>
+                </a:schemeClr>
+              </a:solidFill>
+              <a:latin typeface="MinionPro-Regular"/>
+            </a:endParaRPr>
+          </a:p>
+          <a:p>
+            <a:pPr lvl="1"/>
+            <a:r>
+              <a:rPr lang="en-US" sz="2800" dirty="0">
+                <a:solidFill>
+                  <a:srgbClr val="000000"/>
+                </a:solidFill>
+                <a:latin typeface="MinionPro-Regular"/>
+              </a:rPr>
+              <a:t>2. using iterative optimization approach, called Gradient Descent (GD)</a:t>
+            </a:r>
+          </a:p>
+          <a:p>
+            <a:pPr marL="952485" lvl="1" indent="-342900">
+              <a:buFont typeface="Arial" panose="020B0604020202020204" pitchFamily="34" charset="0"/>
+              <a:buChar char="•"/>
+            </a:pPr>
+            <a:r>
+              <a:rPr lang="en-US" sz="2800" dirty="0">
+                <a:solidFill>
+                  <a:srgbClr val="000000"/>
+                </a:solidFill>
+                <a:latin typeface="MinionPro-Regular"/>
+              </a:rPr>
+              <a:t>gradually tweaks the model parameters to minimize the cost function over the training set</a:t>
+            </a:r>
+          </a:p>
+          <a:p>
+            <a:pPr marL="952485" lvl="1" indent="-342900">
+              <a:buFont typeface="Arial" panose="020B0604020202020204" pitchFamily="34" charset="0"/>
+              <a:buChar char="•"/>
+            </a:pPr>
+            <a:r>
+              <a:rPr lang="en-US" sz="2800" dirty="0">
+                <a:solidFill>
+                  <a:srgbClr val="000000"/>
+                </a:solidFill>
+                <a:latin typeface="MinionPro-Regular"/>
+              </a:rPr>
+              <a:t>eventually converging to same set of parameters as first method. </a:t>
+            </a:r>
+          </a:p>
+          <a:p>
+            <a:pPr marL="952485" lvl="1" indent="-342900">
+              <a:buFont typeface="Arial" panose="020B0604020202020204" pitchFamily="34" charset="0"/>
+              <a:buChar char="•"/>
+            </a:pPr>
+            <a:r>
+              <a:rPr lang="en-US" sz="2800" dirty="0">
+                <a:solidFill>
+                  <a:srgbClr val="000000"/>
+                </a:solidFill>
+                <a:latin typeface="MinionPro-Regular"/>
+              </a:rPr>
+              <a:t>Stochastic GD. Batch GD, Mini-batch GD left for self-study.</a:t>
+            </a:r>
+            <a:endParaRPr sz="3200" dirty="0"/>
+          </a:p>
+        </p:txBody>
+      </p:sp>
+    </p:spTree>
+    <p:extLst>
+      <p:ext uri="{BB962C8B-B14F-4D97-AF65-F5344CB8AC3E}">
+        <p14:creationId xmlns:p14="http://schemas.microsoft.com/office/powerpoint/2010/main" val="2021849008"/>
+      </p:ext>
+    </p:extLst>
+  </p:cSld>
+  <p:clrMapOvr>
+    <a:masterClrMapping/>
+  </p:clrMapOvr>
+  <p:timing>
+    <p:tnLst>
+      <p:par>
+        <p:cTn id="1" dur="indefinite" restart="never" nodeType="tmRoot">
+          <p:childTnLst>
+            <p:seq concurrent="1" nextAc="seek">
+              <p:cTn id="2" dur="indefinite" nodeType="mainSeq">
+                <p:childTnLst>
+                  <p:par>
+                    <p:cTn id="3" fill="hold">
+                      <p:stCondLst>
+                        <p:cond delay="indefinite"/>
+                      </p:stCondLst>
+                      <p:childTnLst>
+                        <p:par>
+                          <p:cTn id="4" fill="hold">
+                            <p:stCondLst>
+                              <p:cond delay="0"/>
+                            </p:stCondLst>
+                            <p:childTnLst>
+                              <p:par>
+                                <p:cTn id="5" presetID="1" presetClass="entr" presetSubtype="0" fill="hold" grpId="0" nodeType="clickEffect">
+                                  <p:stCondLst>
+                                    <p:cond delay="0"/>
+                                  </p:stCondLst>
+                                  <p:childTnLst>
+                                    <p:set>
+                                      <p:cBhvr>
+                                        <p:cTn id="6" dur="1" fill="hold">
+                                          <p:stCondLst>
+                                            <p:cond delay="0"/>
+                                          </p:stCondLst>
+                                        </p:cTn>
+                                        <p:tgtEl>
+                                          <p:spTgt spid="96"/>
+                                        </p:tgtEl>
+                                        <p:attrNameLst>
+                                          <p:attrName>style.visibility</p:attrName>
+                                        </p:attrNameLst>
+                                      </p:cBhvr>
+                                      <p:to>
+                                        <p:strVal val="visible"/>
+                                      </p:to>
+                                    </p:set>
+                                  </p:childTnLst>
+                                </p:cTn>
+                              </p:par>
+                              <p:par>
+                                <p:cTn id="7" presetID="1" presetClass="entr" presetSubtype="0" fill="hold" nodeType="withEffect">
+                                  <p:stCondLst>
+                                    <p:cond delay="0"/>
+                                  </p:stCondLst>
+                                  <p:childTnLst>
+                                    <p:set>
+                                      <p:cBhvr>
+                                        <p:cTn id="8" dur="1" fill="hold">
+                                          <p:stCondLst>
+                                            <p:cond delay="0"/>
+                                          </p:stCondLst>
+                                        </p:cTn>
+                                        <p:tgtEl>
+                                          <p:spTgt spid="96">
+                                            <p:txEl>
+                                              <p:pRg st="0" end="0"/>
+                                            </p:txEl>
+                                          </p:spTgt>
+                                        </p:tgtEl>
+                                        <p:attrNameLst>
+                                          <p:attrName>style.visibility</p:attrName>
+                                        </p:attrNameLst>
+                                      </p:cBhvr>
+                                      <p:to>
+                                        <p:strVal val="visible"/>
+                                      </p:to>
+                                    </p:set>
+                                  </p:childTnLst>
+                                </p:cTn>
+                              </p:par>
+                            </p:childTnLst>
+                          </p:cTn>
+                        </p:par>
+                      </p:childTnLst>
+                    </p:cTn>
+                  </p:par>
+                  <p:par>
+                    <p:cTn id="9" fill="hold">
+                      <p:stCondLst>
+                        <p:cond delay="indefinite"/>
+                      </p:stCondLst>
+                      <p:childTnLst>
+                        <p:par>
+                          <p:cTn id="10" fill="hold">
+                            <p:stCondLst>
+                              <p:cond delay="0"/>
+                            </p:stCondLst>
+                            <p:childTnLst>
+                              <p:par>
+                                <p:cTn id="11" presetID="1" presetClass="entr" presetSubtype="0" fill="hold" nodeType="clickEffect">
+                                  <p:stCondLst>
+                                    <p:cond delay="0"/>
+                                  </p:stCondLst>
+                                  <p:childTnLst>
+                                    <p:set>
+                                      <p:cBhvr>
+                                        <p:cTn id="12" dur="1" fill="hold">
+                                          <p:stCondLst>
+                                            <p:cond delay="0"/>
+                                          </p:stCondLst>
+                                        </p:cTn>
+                                        <p:tgtEl>
+                                          <p:spTgt spid="96">
+                                            <p:txEl>
+                                              <p:pRg st="1" end="1"/>
+                                            </p:txEl>
+                                          </p:spTgt>
+                                        </p:tgtEl>
+                                        <p:attrNameLst>
+                                          <p:attrName>style.visibility</p:attrName>
+                                        </p:attrNameLst>
+                                      </p:cBhvr>
+                                      <p:to>
+                                        <p:strVal val="visible"/>
+                                      </p:to>
+                                    </p:set>
+                                  </p:childTnLst>
+                                </p:cTn>
+                              </p:par>
+                              <p:par>
+                                <p:cTn id="13" presetID="1" presetClass="entr" presetSubtype="0" fill="hold" nodeType="withEffect">
+                                  <p:stCondLst>
+                                    <p:cond delay="0"/>
+                                  </p:stCondLst>
+                                  <p:childTnLst>
+                                    <p:set>
+                                      <p:cBhvr>
+                                        <p:cTn id="14" dur="1" fill="hold">
+                                          <p:stCondLst>
+                                            <p:cond delay="0"/>
+                                          </p:stCondLst>
+                                        </p:cTn>
+                                        <p:tgtEl>
+                                          <p:spTgt spid="96">
+                                            <p:txEl>
+                                              <p:pRg st="2" end="2"/>
+                                            </p:txEl>
+                                          </p:spTgt>
+                                        </p:tgtEl>
+                                        <p:attrNameLst>
+                                          <p:attrName>style.visibility</p:attrName>
+                                        </p:attrNameLst>
+                                      </p:cBhvr>
+                                      <p:to>
+                                        <p:strVal val="visible"/>
+                                      </p:to>
+                                    </p:set>
+                                  </p:childTnLst>
+                                </p:cTn>
+                              </p:par>
+                              <p:par>
+                                <p:cTn id="15" presetID="1" presetClass="entr" presetSubtype="0" fill="hold" nodeType="withEffect">
+                                  <p:stCondLst>
+                                    <p:cond delay="0"/>
+                                  </p:stCondLst>
+                                  <p:childTnLst>
+                                    <p:set>
+                                      <p:cBhvr>
+                                        <p:cTn id="16" dur="1" fill="hold">
+                                          <p:stCondLst>
+                                            <p:cond delay="0"/>
+                                          </p:stCondLst>
+                                        </p:cTn>
+                                        <p:tgtEl>
+                                          <p:spTgt spid="96">
+                                            <p:txEl>
+                                              <p:pRg st="3" end="3"/>
+                                            </p:txEl>
+                                          </p:spTgt>
+                                        </p:tgtEl>
+                                        <p:attrNameLst>
+                                          <p:attrName>style.visibility</p:attrName>
+                                        </p:attrNameLst>
+                                      </p:cBhvr>
+                                      <p:to>
+                                        <p:strVal val="visible"/>
+                                      </p:to>
+                                    </p:set>
+                                  </p:childTnLst>
+                                </p:cTn>
+                              </p:par>
+                            </p:childTnLst>
+                          </p:cTn>
+                        </p:par>
+                      </p:childTnLst>
+                    </p:cTn>
+                  </p:par>
+                  <p:par>
+                    <p:cTn id="17" fill="hold">
+                      <p:stCondLst>
+                        <p:cond delay="indefinite"/>
+                      </p:stCondLst>
+                      <p:childTnLst>
+                        <p:par>
+                          <p:cTn id="18" fill="hold">
+                            <p:stCondLst>
+                              <p:cond delay="0"/>
+                            </p:stCondLst>
+                            <p:childTnLst>
+                              <p:par>
+                                <p:cTn id="19" presetID="1" presetClass="entr" presetSubtype="0" fill="hold" nodeType="clickEffect">
+                                  <p:stCondLst>
+                                    <p:cond delay="0"/>
+                                  </p:stCondLst>
+                                  <p:childTnLst>
+                                    <p:set>
+                                      <p:cBhvr>
+                                        <p:cTn id="20" dur="1" fill="hold">
+                                          <p:stCondLst>
+                                            <p:cond delay="0"/>
+                                          </p:stCondLst>
+                                        </p:cTn>
+                                        <p:tgtEl>
+                                          <p:spTgt spid="96">
+                                            <p:txEl>
+                                              <p:pRg st="5" end="5"/>
+                                            </p:txEl>
+                                          </p:spTgt>
+                                        </p:tgtEl>
+                                        <p:attrNameLst>
+                                          <p:attrName>style.visibility</p:attrName>
+                                        </p:attrNameLst>
+                                      </p:cBhvr>
+                                      <p:to>
+                                        <p:strVal val="visible"/>
+                                      </p:to>
+                                    </p:set>
+                                  </p:childTnLst>
+                                </p:cTn>
+                              </p:par>
+                              <p:par>
+                                <p:cTn id="21" presetID="1" presetClass="entr" presetSubtype="0" fill="hold" nodeType="withEffect">
+                                  <p:stCondLst>
+                                    <p:cond delay="0"/>
+                                  </p:stCondLst>
+                                  <p:childTnLst>
+                                    <p:set>
+                                      <p:cBhvr>
+                                        <p:cTn id="22" dur="1" fill="hold">
+                                          <p:stCondLst>
+                                            <p:cond delay="0"/>
+                                          </p:stCondLst>
+                                        </p:cTn>
+                                        <p:tgtEl>
+                                          <p:spTgt spid="96">
+                                            <p:txEl>
+                                              <p:pRg st="6" end="6"/>
+                                            </p:txEl>
+                                          </p:spTgt>
+                                        </p:tgtEl>
+                                        <p:attrNameLst>
+                                          <p:attrName>style.visibility</p:attrName>
+                                        </p:attrNameLst>
+                                      </p:cBhvr>
+                                      <p:to>
+                                        <p:strVal val="visible"/>
+                                      </p:to>
+                                    </p:set>
+                                  </p:childTnLst>
+                                </p:cTn>
+                              </p:par>
+                              <p:par>
+                                <p:cTn id="23" presetID="1" presetClass="entr" presetSubtype="0" fill="hold" nodeType="withEffect">
+                                  <p:stCondLst>
+                                    <p:cond delay="0"/>
+                                  </p:stCondLst>
+                                  <p:childTnLst>
+                                    <p:set>
+                                      <p:cBhvr>
+                                        <p:cTn id="24" dur="1" fill="hold">
+                                          <p:stCondLst>
+                                            <p:cond delay="0"/>
+                                          </p:stCondLst>
+                                        </p:cTn>
+                                        <p:tgtEl>
+                                          <p:spTgt spid="96">
+                                            <p:txEl>
+                                              <p:pRg st="7" end="7"/>
+                                            </p:txEl>
+                                          </p:spTgt>
+                                        </p:tgtEl>
+                                        <p:attrNameLst>
+                                          <p:attrName>style.visibility</p:attrName>
+                                        </p:attrNameLst>
+                                      </p:cBhvr>
+                                      <p:to>
+                                        <p:strVal val="visible"/>
+                                      </p:to>
+                                    </p:set>
+                                  </p:childTnLst>
+                                </p:cTn>
+                              </p:par>
+                              <p:par>
+                                <p:cTn id="25" presetID="1" presetClass="entr" presetSubtype="0" fill="hold" nodeType="withEffect">
+                                  <p:stCondLst>
+                                    <p:cond delay="0"/>
+                                  </p:stCondLst>
+                                  <p:childTnLst>
+                                    <p:set>
+                                      <p:cBhvr>
+                                        <p:cTn id="26" dur="1" fill="hold">
+                                          <p:stCondLst>
+                                            <p:cond delay="0"/>
+                                          </p:stCondLst>
+                                        </p:cTn>
+                                        <p:tgtEl>
+                                          <p:spTgt spid="96">
+                                            <p:txEl>
+                                              <p:pRg st="8" end="8"/>
+                                            </p:txEl>
+                                          </p:spTgt>
+                                        </p:tgtEl>
+                                        <p:attrNameLst>
+                                          <p:attrName>style.visibility</p:attrName>
+                                        </p:attrNameLst>
+                                      </p:cBhvr>
+                                      <p:to>
+                                        <p:strVal val="visible"/>
+                                      </p:to>
+                                    </p:set>
+                                  </p:childTnLst>
+                                </p:cTn>
+                              </p:par>
+                            </p:childTnLst>
+                          </p:cTn>
+                        </p:par>
+                      </p:childTnLst>
+                    </p:cTn>
+                  </p:par>
+                </p:childTnLst>
+              </p:cTn>
+              <p:prevCondLst>
+                <p:cond evt="onPrev" delay="0">
+                  <p:tgtEl>
+                    <p:sldTgt/>
+                  </p:tgtEl>
+                </p:cond>
+              </p:prevCondLst>
+              <p:nextCondLst>
+                <p:cond evt="onNext" delay="0">
+                  <p:tgtEl>
+                    <p:sldTgt/>
+                  </p:tgtEl>
+                </p:cond>
+              </p:nextCondLst>
+            </p:seq>
+          </p:childTnLst>
+        </p:cTn>
+      </p:par>
+    </p:tnLst>
+    <p:bldLst>
+      <p:bldP spid="96" grpId="0"/>
+    </p:bldLst>
+  </p:timing>
+</p:sld>
+</file>
+
+<file path=ppt/slides/slide19.xml><?xml version="1.0" encoding="utf-8"?>
+<p:sld xmlns:a="http://schemas.openxmlformats.org/drawingml/2006/main" xmlns:r="http://schemas.openxmlformats.org/officeDocument/2006/relationships" xmlns:p="http://schemas.openxmlformats.org/presentationml/2006/main">
+  <p:cSld>
+    <p:spTree>
+      <p:nvGrpSpPr>
+        <p:cNvPr id="1" name="Shape 94"/>
+        <p:cNvGrpSpPr/>
+        <p:nvPr/>
+      </p:nvGrpSpPr>
+      <p:grpSpPr>
+        <a:xfrm>
+          <a:off x="0" y="0"/>
+          <a:ext cx="0" cy="0"/>
+          <a:chOff x="0" y="0"/>
+          <a:chExt cx="0" cy="0"/>
+        </a:xfrm>
+      </p:grpSpPr>
+      <p:sp>
+        <p:nvSpPr>
+          <p:cNvPr id="95" name="Google Shape;95;p14"/>
+          <p:cNvSpPr txBox="1">
+            <a:spLocks noGrp="1"/>
+          </p:cNvSpPr>
+          <p:nvPr>
+            <p:ph type="title" idx="4294967295"/>
+          </p:nvPr>
+        </p:nvSpPr>
+        <p:spPr>
+          <a:xfrm>
+            <a:off x="717173" y="696913"/>
+            <a:ext cx="10972800" cy="506789"/>
+          </a:xfrm>
+          <a:prstGeom prst="rect">
+            <a:avLst/>
+          </a:prstGeom>
+        </p:spPr>
+        <p:txBody>
+          <a:bodyPr spcFirstLastPara="1" wrap="square" lIns="121900" tIns="121900" rIns="121900" bIns="121900" anchor="ctr" anchorCtr="0">
+            <a:noAutofit/>
+          </a:bodyPr>
+          <a:lstStyle/>
+          <a:p>
+            <a:r>
+              <a:rPr lang="en-US" sz="4000" b="1" dirty="0">
+                <a:solidFill>
+                  <a:srgbClr val="E46102"/>
+                </a:solidFill>
+              </a:rPr>
+              <a:t>Gradient Descent (GD)</a:t>
             </a:r>
             <a:endParaRPr sz="4000" b="1" dirty="0">
               <a:solidFill>
@@ -9838,8 +10954,8 @@
         </p:nvSpPr>
         <p:spPr>
           <a:xfrm>
-            <a:off x="5294601" y="3463788"/>
-            <a:ext cx="6269577" cy="2308324"/>
+            <a:off x="5509753" y="3517576"/>
+            <a:ext cx="6504775" cy="2308324"/>
           </a:xfrm>
           <a:prstGeom prst="rect">
             <a:avLst/>
@@ -10807,7 +11923,224 @@
 </p:sld>
 </file>
 
-<file path=ppt/slides/slide18.xml><?xml version="1.0" encoding="utf-8"?>
+<file path=ppt/slides/slide2.xml><?xml version="1.0" encoding="utf-8"?>
+<p:sld xmlns:a="http://schemas.openxmlformats.org/drawingml/2006/main" xmlns:r="http://schemas.openxmlformats.org/officeDocument/2006/relationships" xmlns:p="http://schemas.openxmlformats.org/presentationml/2006/main">
+  <p:cSld>
+    <p:spTree>
+      <p:nvGrpSpPr>
+        <p:cNvPr id="1" name=""/>
+        <p:cNvGrpSpPr/>
+        <p:nvPr/>
+      </p:nvGrpSpPr>
+      <p:grpSpPr>
+        <a:xfrm>
+          <a:off x="0" y="0"/>
+          <a:ext cx="0" cy="0"/>
+          <a:chOff x="0" y="0"/>
+          <a:chExt cx="0" cy="0"/>
+        </a:xfrm>
+      </p:grpSpPr>
+      <p:sp>
+        <p:nvSpPr>
+          <p:cNvPr id="4" name="Google Shape;95;p14">
+            <a:extLst>
+              <a:ext uri="{FF2B5EF4-FFF2-40B4-BE49-F238E27FC236}">
+                <a16:creationId xmlns:a16="http://schemas.microsoft.com/office/drawing/2014/main" id="{F510D98E-5D08-45D0-94BE-70EBCB426A1D}"/>
+              </a:ext>
+            </a:extLst>
+          </p:cNvPr>
+          <p:cNvSpPr txBox="1">
+            <a:spLocks/>
+          </p:cNvSpPr>
+          <p:nvPr/>
+        </p:nvSpPr>
+        <p:spPr>
+          <a:xfrm>
+            <a:off x="717173" y="696913"/>
+            <a:ext cx="10972800" cy="1068387"/>
+          </a:xfrm>
+          <a:prstGeom prst="rect">
+            <a:avLst/>
+          </a:prstGeom>
+        </p:spPr>
+        <p:txBody>
+          <a:bodyPr spcFirstLastPara="1" wrap="square" lIns="121900" tIns="121900" rIns="121900" bIns="121900" anchor="ctr" anchorCtr="0">
+            <a:noAutofit/>
+          </a:bodyPr>
+          <a:lstStyle>
+            <a:lvl1pPr algn="ctr" defTabSz="609585" rtl="0" eaLnBrk="1" latinLnBrk="0" hangingPunct="1">
+              <a:spcBef>
+                <a:spcPct val="0"/>
+              </a:spcBef>
+              <a:buNone/>
+              <a:defRPr sz="5867" kern="1200">
+                <a:solidFill>
+                  <a:schemeClr val="tx1"/>
+                </a:solidFill>
+                <a:latin typeface="+mj-lt"/>
+                <a:ea typeface="+mj-ea"/>
+                <a:cs typeface="+mj-cs"/>
+              </a:defRPr>
+            </a:lvl1pPr>
+          </a:lstStyle>
+          <a:p>
+            <a:r>
+              <a:rPr lang="en-US" sz="4400" b="1" dirty="0">
+                <a:solidFill>
+                  <a:srgbClr val="E46102"/>
+                </a:solidFill>
+              </a:rPr>
+              <a:t>Course Information</a:t>
+            </a:r>
+          </a:p>
+        </p:txBody>
+      </p:sp>
+      <p:sp>
+        <p:nvSpPr>
+          <p:cNvPr id="5" name="Google Shape;96;p14">
+            <a:extLst>
+              <a:ext uri="{FF2B5EF4-FFF2-40B4-BE49-F238E27FC236}">
+                <a16:creationId xmlns:a16="http://schemas.microsoft.com/office/drawing/2014/main" id="{9AF559A4-0F1F-4BB7-9370-E97582222A3B}"/>
+              </a:ext>
+            </a:extLst>
+          </p:cNvPr>
+          <p:cNvSpPr txBox="1"/>
+          <p:nvPr/>
+        </p:nvSpPr>
+        <p:spPr>
+          <a:xfrm>
+            <a:off x="591671" y="1749025"/>
+            <a:ext cx="10668001" cy="4176000"/>
+          </a:xfrm>
+          <a:prstGeom prst="rect">
+            <a:avLst/>
+          </a:prstGeom>
+          <a:noFill/>
+          <a:ln>
+            <a:noFill/>
+          </a:ln>
+        </p:spPr>
+        <p:txBody>
+          <a:bodyPr spcFirstLastPara="1" wrap="square" lIns="121900" tIns="121900" rIns="121900" bIns="121900" anchor="t" anchorCtr="0">
+            <a:noAutofit/>
+          </a:bodyPr>
+          <a:lstStyle/>
+          <a:p>
+            <a:pPr marL="444498" indent="-342900">
+              <a:buSzPts val="2400"/>
+              <a:buFont typeface="Arial" panose="020B0604020202020204" pitchFamily="34" charset="0"/>
+              <a:buChar char="•"/>
+            </a:pPr>
+            <a:r>
+              <a:rPr lang="en-US" dirty="0"/>
+              <a:t>HW2 will go live today.</a:t>
+            </a:r>
+          </a:p>
+          <a:p>
+            <a:pPr marL="444498" indent="-342900">
+              <a:buSzPts val="2400"/>
+              <a:buFont typeface="Arial" panose="020B0604020202020204" pitchFamily="34" charset="0"/>
+              <a:buChar char="•"/>
+            </a:pPr>
+            <a:r>
+              <a:rPr lang="en-US" dirty="0"/>
+              <a:t>Grades for HW1 will be posted by end of week.</a:t>
+            </a:r>
+          </a:p>
+        </p:txBody>
+      </p:sp>
+    </p:spTree>
+    <p:extLst>
+      <p:ext uri="{BB962C8B-B14F-4D97-AF65-F5344CB8AC3E}">
+        <p14:creationId xmlns:p14="http://schemas.microsoft.com/office/powerpoint/2010/main" val="1336086052"/>
+      </p:ext>
+    </p:extLst>
+  </p:cSld>
+  <p:clrMapOvr>
+    <a:masterClrMapping/>
+  </p:clrMapOvr>
+  <p:timing>
+    <p:tnLst>
+      <p:par>
+        <p:cTn id="1" dur="indefinite" restart="never" nodeType="tmRoot">
+          <p:childTnLst>
+            <p:seq concurrent="1" nextAc="seek">
+              <p:cTn id="2" dur="indefinite" nodeType="mainSeq">
+                <p:childTnLst>
+                  <p:par>
+                    <p:cTn id="3" fill="hold">
+                      <p:stCondLst>
+                        <p:cond delay="indefinite"/>
+                      </p:stCondLst>
+                      <p:childTnLst>
+                        <p:par>
+                          <p:cTn id="4" fill="hold">
+                            <p:stCondLst>
+                              <p:cond delay="0"/>
+                            </p:stCondLst>
+                            <p:childTnLst>
+                              <p:par>
+                                <p:cTn id="5" presetID="1" presetClass="entr" presetSubtype="0" fill="hold" grpId="0" nodeType="clickEffect">
+                                  <p:stCondLst>
+                                    <p:cond delay="0"/>
+                                  </p:stCondLst>
+                                  <p:childTnLst>
+                                    <p:set>
+                                      <p:cBhvr>
+                                        <p:cTn id="6" dur="1" fill="hold">
+                                          <p:stCondLst>
+                                            <p:cond delay="0"/>
+                                          </p:stCondLst>
+                                        </p:cTn>
+                                        <p:tgtEl>
+                                          <p:spTgt spid="5"/>
+                                        </p:tgtEl>
+                                        <p:attrNameLst>
+                                          <p:attrName>style.visibility</p:attrName>
+                                        </p:attrNameLst>
+                                      </p:cBhvr>
+                                      <p:to>
+                                        <p:strVal val="visible"/>
+                                      </p:to>
+                                    </p:set>
+                                  </p:childTnLst>
+                                </p:cTn>
+                              </p:par>
+                            </p:childTnLst>
+                          </p:cTn>
+                        </p:par>
+                      </p:childTnLst>
+                    </p:cTn>
+                  </p:par>
+                </p:childTnLst>
+              </p:cTn>
+              <p:prevCondLst>
+                <p:cond evt="onPrev" delay="0">
+                  <p:tgtEl>
+                    <p:sldTgt/>
+                  </p:tgtEl>
+                </p:cond>
+              </p:prevCondLst>
+              <p:nextCondLst>
+                <p:cond evt="onNext" delay="0">
+                  <p:tgtEl>
+                    <p:sldTgt/>
+                  </p:tgtEl>
+                </p:cond>
+              </p:nextCondLst>
+            </p:seq>
+          </p:childTnLst>
+        </p:cTn>
+      </p:par>
+    </p:tnLst>
+    <p:bldLst>
+      <p:bldP spid="5" grpId="0"/>
+    </p:bldLst>
+  </p:timing>
+</p:sld>
+</file>
+
+<file path=ppt/slides/slide20.xml><?xml version="1.0" encoding="utf-8"?>
 <p:sld xmlns:a="http://schemas.openxmlformats.org/drawingml/2006/main" xmlns:r="http://schemas.openxmlformats.org/officeDocument/2006/relationships" xmlns:p="http://schemas.openxmlformats.org/presentationml/2006/main">
   <p:cSld>
     <p:spTree>
@@ -11419,7 +12752,7 @@
 </p:sld>
 </file>
 
-<file path=ppt/slides/slide19.xml><?xml version="1.0" encoding="utf-8"?>
+<file path=ppt/slides/slide21.xml><?xml version="1.0" encoding="utf-8"?>
 <p:sld xmlns:a="http://schemas.openxmlformats.org/drawingml/2006/main" xmlns:r="http://schemas.openxmlformats.org/officeDocument/2006/relationships" xmlns:p="http://schemas.openxmlformats.org/presentationml/2006/main">
   <p:cSld>
     <p:spTree>
@@ -12029,224 +13362,7 @@
 </p:sld>
 </file>
 
-<file path=ppt/slides/slide2.xml><?xml version="1.0" encoding="utf-8"?>
-<p:sld xmlns:a="http://schemas.openxmlformats.org/drawingml/2006/main" xmlns:r="http://schemas.openxmlformats.org/officeDocument/2006/relationships" xmlns:p="http://schemas.openxmlformats.org/presentationml/2006/main">
-  <p:cSld>
-    <p:spTree>
-      <p:nvGrpSpPr>
-        <p:cNvPr id="1" name=""/>
-        <p:cNvGrpSpPr/>
-        <p:nvPr/>
-      </p:nvGrpSpPr>
-      <p:grpSpPr>
-        <a:xfrm>
-          <a:off x="0" y="0"/>
-          <a:ext cx="0" cy="0"/>
-          <a:chOff x="0" y="0"/>
-          <a:chExt cx="0" cy="0"/>
-        </a:xfrm>
-      </p:grpSpPr>
-      <p:sp>
-        <p:nvSpPr>
-          <p:cNvPr id="4" name="Google Shape;95;p14">
-            <a:extLst>
-              <a:ext uri="{FF2B5EF4-FFF2-40B4-BE49-F238E27FC236}">
-                <a16:creationId xmlns:a16="http://schemas.microsoft.com/office/drawing/2014/main" id="{F510D98E-5D08-45D0-94BE-70EBCB426A1D}"/>
-              </a:ext>
-            </a:extLst>
-          </p:cNvPr>
-          <p:cNvSpPr txBox="1">
-            <a:spLocks/>
-          </p:cNvSpPr>
-          <p:nvPr/>
-        </p:nvSpPr>
-        <p:spPr>
-          <a:xfrm>
-            <a:off x="717173" y="696913"/>
-            <a:ext cx="10972800" cy="1068387"/>
-          </a:xfrm>
-          <a:prstGeom prst="rect">
-            <a:avLst/>
-          </a:prstGeom>
-        </p:spPr>
-        <p:txBody>
-          <a:bodyPr spcFirstLastPara="1" wrap="square" lIns="121900" tIns="121900" rIns="121900" bIns="121900" anchor="ctr" anchorCtr="0">
-            <a:noAutofit/>
-          </a:bodyPr>
-          <a:lstStyle>
-            <a:lvl1pPr algn="ctr" defTabSz="609585" rtl="0" eaLnBrk="1" latinLnBrk="0" hangingPunct="1">
-              <a:spcBef>
-                <a:spcPct val="0"/>
-              </a:spcBef>
-              <a:buNone/>
-              <a:defRPr sz="5867" kern="1200">
-                <a:solidFill>
-                  <a:schemeClr val="tx1"/>
-                </a:solidFill>
-                <a:latin typeface="+mj-lt"/>
-                <a:ea typeface="+mj-ea"/>
-                <a:cs typeface="+mj-cs"/>
-              </a:defRPr>
-            </a:lvl1pPr>
-          </a:lstStyle>
-          <a:p>
-            <a:r>
-              <a:rPr lang="en-US" sz="4400" b="1" dirty="0">
-                <a:solidFill>
-                  <a:srgbClr val="E46102"/>
-                </a:solidFill>
-              </a:rPr>
-              <a:t>Course Information</a:t>
-            </a:r>
-          </a:p>
-        </p:txBody>
-      </p:sp>
-      <p:sp>
-        <p:nvSpPr>
-          <p:cNvPr id="5" name="Google Shape;96;p14">
-            <a:extLst>
-              <a:ext uri="{FF2B5EF4-FFF2-40B4-BE49-F238E27FC236}">
-                <a16:creationId xmlns:a16="http://schemas.microsoft.com/office/drawing/2014/main" id="{9AF559A4-0F1F-4BB7-9370-E97582222A3B}"/>
-              </a:ext>
-            </a:extLst>
-          </p:cNvPr>
-          <p:cNvSpPr txBox="1"/>
-          <p:nvPr/>
-        </p:nvSpPr>
-        <p:spPr>
-          <a:xfrm>
-            <a:off x="591671" y="1749025"/>
-            <a:ext cx="10668001" cy="4176000"/>
-          </a:xfrm>
-          <a:prstGeom prst="rect">
-            <a:avLst/>
-          </a:prstGeom>
-          <a:noFill/>
-          <a:ln>
-            <a:noFill/>
-          </a:ln>
-        </p:spPr>
-        <p:txBody>
-          <a:bodyPr spcFirstLastPara="1" wrap="square" lIns="121900" tIns="121900" rIns="121900" bIns="121900" anchor="t" anchorCtr="0">
-            <a:noAutofit/>
-          </a:bodyPr>
-          <a:lstStyle/>
-          <a:p>
-            <a:pPr marL="444498" indent="-342900">
-              <a:buSzPts val="2400"/>
-              <a:buFont typeface="Arial" panose="020B0604020202020204" pitchFamily="34" charset="0"/>
-              <a:buChar char="•"/>
-            </a:pPr>
-            <a:r>
-              <a:rPr lang="en-US" dirty="0"/>
-              <a:t>HW2 will go live today.</a:t>
-            </a:r>
-          </a:p>
-          <a:p>
-            <a:pPr marL="444498" indent="-342900">
-              <a:buSzPts val="2400"/>
-              <a:buFont typeface="Arial" panose="020B0604020202020204" pitchFamily="34" charset="0"/>
-              <a:buChar char="•"/>
-            </a:pPr>
-            <a:r>
-              <a:rPr lang="en-US" dirty="0"/>
-              <a:t>Grades for HW1 will be posted by end of week.</a:t>
-            </a:r>
-          </a:p>
-        </p:txBody>
-      </p:sp>
-    </p:spTree>
-    <p:extLst>
-      <p:ext uri="{BB962C8B-B14F-4D97-AF65-F5344CB8AC3E}">
-        <p14:creationId xmlns:p14="http://schemas.microsoft.com/office/powerpoint/2010/main" val="1336086052"/>
-      </p:ext>
-    </p:extLst>
-  </p:cSld>
-  <p:clrMapOvr>
-    <a:masterClrMapping/>
-  </p:clrMapOvr>
-  <p:timing>
-    <p:tnLst>
-      <p:par>
-        <p:cTn id="1" dur="indefinite" restart="never" nodeType="tmRoot">
-          <p:childTnLst>
-            <p:seq concurrent="1" nextAc="seek">
-              <p:cTn id="2" dur="indefinite" nodeType="mainSeq">
-                <p:childTnLst>
-                  <p:par>
-                    <p:cTn id="3" fill="hold">
-                      <p:stCondLst>
-                        <p:cond delay="indefinite"/>
-                      </p:stCondLst>
-                      <p:childTnLst>
-                        <p:par>
-                          <p:cTn id="4" fill="hold">
-                            <p:stCondLst>
-                              <p:cond delay="0"/>
-                            </p:stCondLst>
-                            <p:childTnLst>
-                              <p:par>
-                                <p:cTn id="5" presetID="1" presetClass="entr" presetSubtype="0" fill="hold" grpId="0" nodeType="clickEffect">
-                                  <p:stCondLst>
-                                    <p:cond delay="0"/>
-                                  </p:stCondLst>
-                                  <p:childTnLst>
-                                    <p:set>
-                                      <p:cBhvr>
-                                        <p:cTn id="6" dur="1" fill="hold">
-                                          <p:stCondLst>
-                                            <p:cond delay="0"/>
-                                          </p:stCondLst>
-                                        </p:cTn>
-                                        <p:tgtEl>
-                                          <p:spTgt spid="5"/>
-                                        </p:tgtEl>
-                                        <p:attrNameLst>
-                                          <p:attrName>style.visibility</p:attrName>
-                                        </p:attrNameLst>
-                                      </p:cBhvr>
-                                      <p:to>
-                                        <p:strVal val="visible"/>
-                                      </p:to>
-                                    </p:set>
-                                  </p:childTnLst>
-                                </p:cTn>
-                              </p:par>
-                            </p:childTnLst>
-                          </p:cTn>
-                        </p:par>
-                      </p:childTnLst>
-                    </p:cTn>
-                  </p:par>
-                </p:childTnLst>
-              </p:cTn>
-              <p:prevCondLst>
-                <p:cond evt="onPrev" delay="0">
-                  <p:tgtEl>
-                    <p:sldTgt/>
-                  </p:tgtEl>
-                </p:cond>
-              </p:prevCondLst>
-              <p:nextCondLst>
-                <p:cond evt="onNext" delay="0">
-                  <p:tgtEl>
-                    <p:sldTgt/>
-                  </p:tgtEl>
-                </p:cond>
-              </p:nextCondLst>
-            </p:seq>
-          </p:childTnLst>
-        </p:cTn>
-      </p:par>
-    </p:tnLst>
-    <p:bldLst>
-      <p:bldP spid="5" grpId="0"/>
-    </p:bldLst>
-  </p:timing>
-</p:sld>
-</file>
-
-<file path=ppt/slides/slide20.xml><?xml version="1.0" encoding="utf-8"?>
+<file path=ppt/slides/slide22.xml><?xml version="1.0" encoding="utf-8"?>
 <p:sld xmlns:a="http://schemas.openxmlformats.org/drawingml/2006/main" xmlns:r="http://schemas.openxmlformats.org/officeDocument/2006/relationships" xmlns:p="http://schemas.openxmlformats.org/presentationml/2006/main">
   <p:cSld>
     <p:spTree>
@@ -12463,7 +13579,7 @@
 </p:sld>
 </file>
 
-<file path=ppt/slides/slide21.xml><?xml version="1.0" encoding="utf-8"?>
+<file path=ppt/slides/slide23.xml><?xml version="1.0" encoding="utf-8"?>
 <p:sld xmlns:a="http://schemas.openxmlformats.org/drawingml/2006/main" xmlns:r="http://schemas.openxmlformats.org/officeDocument/2006/relationships" xmlns:p="http://schemas.openxmlformats.org/presentationml/2006/main">
   <p:cSld>
     <p:spTree>
@@ -13006,7 +14122,7 @@
 </p:sld>
 </file>
 
-<file path=ppt/slides/slide22.xml><?xml version="1.0" encoding="utf-8"?>
+<file path=ppt/slides/slide24.xml><?xml version="1.0" encoding="utf-8"?>
 <p:sld xmlns:a="http://schemas.openxmlformats.org/drawingml/2006/main" xmlns:r="http://schemas.openxmlformats.org/officeDocument/2006/relationships" xmlns:p="http://schemas.openxmlformats.org/presentationml/2006/main">
   <p:cSld>
     <p:spTree>
@@ -13215,7 +14331,7 @@
 </p:sld>
 </file>
 
-<file path=ppt/slides/slide23.xml><?xml version="1.0" encoding="utf-8"?>
+<file path=ppt/slides/slide25.xml><?xml version="1.0" encoding="utf-8"?>
 <p:sld xmlns:a="http://schemas.openxmlformats.org/drawingml/2006/main" xmlns:r="http://schemas.openxmlformats.org/officeDocument/2006/relationships" xmlns:p="http://schemas.openxmlformats.org/presentationml/2006/main">
   <p:cSld>
     <p:spTree>
@@ -15132,6 +16248,594 @@
                   <a:srgbClr val="E46102"/>
                 </a:solidFill>
               </a:rPr>
+              <a:t>Linear Regression Model</a:t>
+            </a:r>
+            <a:endParaRPr sz="4000" b="1" dirty="0">
+              <a:solidFill>
+                <a:srgbClr val="E46102"/>
+              </a:solidFill>
+            </a:endParaRPr>
+          </a:p>
+        </p:txBody>
+      </p:sp>
+      <p:sp>
+        <p:nvSpPr>
+          <p:cNvPr id="96" name="Google Shape;96;p14"/>
+          <p:cNvSpPr txBox="1"/>
+          <p:nvPr/>
+        </p:nvSpPr>
+        <p:spPr>
+          <a:xfrm>
+            <a:off x="190500" y="1382233"/>
+            <a:ext cx="11658600" cy="4176000"/>
+          </a:xfrm>
+          <a:prstGeom prst="rect">
+            <a:avLst/>
+          </a:prstGeom>
+          <a:noFill/>
+          <a:ln>
+            <a:noFill/>
+          </a:ln>
+        </p:spPr>
+        <p:txBody>
+          <a:bodyPr spcFirstLastPara="1" wrap="square" lIns="121900" tIns="121900" rIns="121900" bIns="121900" anchor="t" anchorCtr="0">
+            <a:noAutofit/>
+          </a:bodyPr>
+          <a:lstStyle/>
+          <a:p>
+            <a:pPr marL="342900" indent="-342900">
+              <a:buFont typeface="Arial" panose="020B0604020202020204" pitchFamily="34" charset="0"/>
+              <a:buChar char="•"/>
+            </a:pPr>
+            <a:r>
+              <a:rPr lang="en-US" sz="2800" dirty="0"/>
+              <a:t>One of the simplest model. Teaches how to identify patterns in data. </a:t>
+            </a:r>
+            <a:endParaRPr lang="en-US" sz="3200" dirty="0"/>
+          </a:p>
+          <a:p>
+            <a:pPr marL="457200" indent="-457200">
+              <a:buFont typeface="Arial" panose="020B0604020202020204" pitchFamily="34" charset="0"/>
+              <a:buChar char="•"/>
+            </a:pPr>
+            <a:r>
+              <a:rPr lang="en-US" sz="2800" dirty="0"/>
+              <a:t>2 ways to train model:</a:t>
+            </a:r>
+          </a:p>
+          <a:p>
+            <a:pPr lvl="1"/>
+            <a:r>
+              <a:rPr lang="en-US" sz="2800" dirty="0">
+                <a:solidFill>
+                  <a:srgbClr val="000000"/>
+                </a:solidFill>
+                <a:latin typeface="MinionPro-Regular"/>
+              </a:rPr>
+              <a:t>1. using a direct “closed-form” equation called normal equation</a:t>
+            </a:r>
+          </a:p>
+          <a:p>
+            <a:pPr marL="952485" lvl="1" indent="-342900">
+              <a:buFont typeface="Arial" panose="020B0604020202020204" pitchFamily="34" charset="0"/>
+              <a:buChar char="•"/>
+            </a:pPr>
+            <a:r>
+              <a:rPr lang="en-US" sz="2800" dirty="0">
+                <a:solidFill>
+                  <a:srgbClr val="000000"/>
+                </a:solidFill>
+                <a:latin typeface="MinionPro-Regular"/>
+              </a:rPr>
+              <a:t>directly computes model parameters that best fit model to training set (model parameters that minimize cost function over the training set)</a:t>
+            </a:r>
+          </a:p>
+          <a:p>
+            <a:pPr lvl="1"/>
+            <a:endParaRPr lang="en-US" sz="2800" dirty="0">
+              <a:solidFill>
+                <a:srgbClr val="000000"/>
+              </a:solidFill>
+              <a:latin typeface="MinionPro-Regular"/>
+            </a:endParaRPr>
+          </a:p>
+          <a:p>
+            <a:pPr lvl="1"/>
+            <a:r>
+              <a:rPr lang="en-US" sz="2800" dirty="0">
+                <a:solidFill>
+                  <a:schemeClr val="bg1">
+                    <a:lumMod val="85000"/>
+                  </a:schemeClr>
+                </a:solidFill>
+                <a:latin typeface="MinionPro-Regular"/>
+              </a:rPr>
+              <a:t>2. using iterative optimization approach, called Gradient Descent (GD)</a:t>
+            </a:r>
+          </a:p>
+          <a:p>
+            <a:pPr marL="952485" lvl="1" indent="-342900">
+              <a:buFont typeface="Arial" panose="020B0604020202020204" pitchFamily="34" charset="0"/>
+              <a:buChar char="•"/>
+            </a:pPr>
+            <a:r>
+              <a:rPr lang="en-US" sz="2800" dirty="0">
+                <a:solidFill>
+                  <a:schemeClr val="bg1">
+                    <a:lumMod val="85000"/>
+                  </a:schemeClr>
+                </a:solidFill>
+                <a:latin typeface="MinionPro-Regular"/>
+              </a:rPr>
+              <a:t>gradually tweaks the model parameters to minimize the cost function over the training set</a:t>
+            </a:r>
+          </a:p>
+          <a:p>
+            <a:pPr marL="952485" lvl="1" indent="-342900">
+              <a:buFont typeface="Arial" panose="020B0604020202020204" pitchFamily="34" charset="0"/>
+              <a:buChar char="•"/>
+            </a:pPr>
+            <a:r>
+              <a:rPr lang="en-US" sz="2800" dirty="0">
+                <a:solidFill>
+                  <a:schemeClr val="bg1">
+                    <a:lumMod val="85000"/>
+                  </a:schemeClr>
+                </a:solidFill>
+                <a:latin typeface="MinionPro-Regular"/>
+              </a:rPr>
+              <a:t>eventually converging to same set of parameters as first method. </a:t>
+            </a:r>
+          </a:p>
+          <a:p>
+            <a:pPr marL="952485" lvl="1" indent="-342900">
+              <a:buFont typeface="Arial" panose="020B0604020202020204" pitchFamily="34" charset="0"/>
+              <a:buChar char="•"/>
+            </a:pPr>
+            <a:r>
+              <a:rPr lang="en-US" sz="2800" dirty="0">
+                <a:solidFill>
+                  <a:schemeClr val="bg1">
+                    <a:lumMod val="85000"/>
+                  </a:schemeClr>
+                </a:solidFill>
+                <a:latin typeface="MinionPro-Regular"/>
+              </a:rPr>
+              <a:t>Stochastic GD. Batch GD, Mini-batch GD left for self-study.</a:t>
+            </a:r>
+            <a:endParaRPr sz="3200" dirty="0">
+              <a:solidFill>
+                <a:schemeClr val="bg1">
+                  <a:lumMod val="85000"/>
+                </a:schemeClr>
+              </a:solidFill>
+            </a:endParaRPr>
+          </a:p>
+        </p:txBody>
+      </p:sp>
+    </p:spTree>
+    <p:extLst>
+      <p:ext uri="{BB962C8B-B14F-4D97-AF65-F5344CB8AC3E}">
+        <p14:creationId xmlns:p14="http://schemas.microsoft.com/office/powerpoint/2010/main" val="325871674"/>
+      </p:ext>
+    </p:extLst>
+  </p:cSld>
+  <p:clrMapOvr>
+    <a:masterClrMapping/>
+  </p:clrMapOvr>
+  <p:timing>
+    <p:tnLst>
+      <p:par>
+        <p:cTn id="1" dur="indefinite" restart="never" nodeType="tmRoot">
+          <p:childTnLst>
+            <p:seq concurrent="1" nextAc="seek">
+              <p:cTn id="2" dur="indefinite" nodeType="mainSeq">
+                <p:childTnLst>
+                  <p:par>
+                    <p:cTn id="3" fill="hold">
+                      <p:stCondLst>
+                        <p:cond delay="indefinite"/>
+                      </p:stCondLst>
+                      <p:childTnLst>
+                        <p:par>
+                          <p:cTn id="4" fill="hold">
+                            <p:stCondLst>
+                              <p:cond delay="0"/>
+                            </p:stCondLst>
+                            <p:childTnLst>
+                              <p:par>
+                                <p:cTn id="5" presetID="1" presetClass="entr" presetSubtype="0" fill="hold" grpId="0" nodeType="clickEffect">
+                                  <p:stCondLst>
+                                    <p:cond delay="0"/>
+                                  </p:stCondLst>
+                                  <p:childTnLst>
+                                    <p:set>
+                                      <p:cBhvr>
+                                        <p:cTn id="6" dur="1" fill="hold">
+                                          <p:stCondLst>
+                                            <p:cond delay="0"/>
+                                          </p:stCondLst>
+                                        </p:cTn>
+                                        <p:tgtEl>
+                                          <p:spTgt spid="96"/>
+                                        </p:tgtEl>
+                                        <p:attrNameLst>
+                                          <p:attrName>style.visibility</p:attrName>
+                                        </p:attrNameLst>
+                                      </p:cBhvr>
+                                      <p:to>
+                                        <p:strVal val="visible"/>
+                                      </p:to>
+                                    </p:set>
+                                  </p:childTnLst>
+                                </p:cTn>
+                              </p:par>
+                              <p:par>
+                                <p:cTn id="7" presetID="1" presetClass="entr" presetSubtype="0" fill="hold" nodeType="withEffect">
+                                  <p:stCondLst>
+                                    <p:cond delay="0"/>
+                                  </p:stCondLst>
+                                  <p:childTnLst>
+                                    <p:set>
+                                      <p:cBhvr>
+                                        <p:cTn id="8" dur="1" fill="hold">
+                                          <p:stCondLst>
+                                            <p:cond delay="0"/>
+                                          </p:stCondLst>
+                                        </p:cTn>
+                                        <p:tgtEl>
+                                          <p:spTgt spid="96">
+                                            <p:txEl>
+                                              <p:pRg st="0" end="0"/>
+                                            </p:txEl>
+                                          </p:spTgt>
+                                        </p:tgtEl>
+                                        <p:attrNameLst>
+                                          <p:attrName>style.visibility</p:attrName>
+                                        </p:attrNameLst>
+                                      </p:cBhvr>
+                                      <p:to>
+                                        <p:strVal val="visible"/>
+                                      </p:to>
+                                    </p:set>
+                                  </p:childTnLst>
+                                </p:cTn>
+                              </p:par>
+                            </p:childTnLst>
+                          </p:cTn>
+                        </p:par>
+                      </p:childTnLst>
+                    </p:cTn>
+                  </p:par>
+                  <p:par>
+                    <p:cTn id="9" fill="hold">
+                      <p:stCondLst>
+                        <p:cond delay="indefinite"/>
+                      </p:stCondLst>
+                      <p:childTnLst>
+                        <p:par>
+                          <p:cTn id="10" fill="hold">
+                            <p:stCondLst>
+                              <p:cond delay="0"/>
+                            </p:stCondLst>
+                            <p:childTnLst>
+                              <p:par>
+                                <p:cTn id="11" presetID="1" presetClass="entr" presetSubtype="0" fill="hold" nodeType="clickEffect">
+                                  <p:stCondLst>
+                                    <p:cond delay="0"/>
+                                  </p:stCondLst>
+                                  <p:childTnLst>
+                                    <p:set>
+                                      <p:cBhvr>
+                                        <p:cTn id="12" dur="1" fill="hold">
+                                          <p:stCondLst>
+                                            <p:cond delay="0"/>
+                                          </p:stCondLst>
+                                        </p:cTn>
+                                        <p:tgtEl>
+                                          <p:spTgt spid="96">
+                                            <p:txEl>
+                                              <p:pRg st="1" end="1"/>
+                                            </p:txEl>
+                                          </p:spTgt>
+                                        </p:tgtEl>
+                                        <p:attrNameLst>
+                                          <p:attrName>style.visibility</p:attrName>
+                                        </p:attrNameLst>
+                                      </p:cBhvr>
+                                      <p:to>
+                                        <p:strVal val="visible"/>
+                                      </p:to>
+                                    </p:set>
+                                  </p:childTnLst>
+                                </p:cTn>
+                              </p:par>
+                              <p:par>
+                                <p:cTn id="13" presetID="1" presetClass="entr" presetSubtype="0" fill="hold" nodeType="withEffect">
+                                  <p:stCondLst>
+                                    <p:cond delay="0"/>
+                                  </p:stCondLst>
+                                  <p:childTnLst>
+                                    <p:set>
+                                      <p:cBhvr>
+                                        <p:cTn id="14" dur="1" fill="hold">
+                                          <p:stCondLst>
+                                            <p:cond delay="0"/>
+                                          </p:stCondLst>
+                                        </p:cTn>
+                                        <p:tgtEl>
+                                          <p:spTgt spid="96">
+                                            <p:txEl>
+                                              <p:pRg st="2" end="2"/>
+                                            </p:txEl>
+                                          </p:spTgt>
+                                        </p:tgtEl>
+                                        <p:attrNameLst>
+                                          <p:attrName>style.visibility</p:attrName>
+                                        </p:attrNameLst>
+                                      </p:cBhvr>
+                                      <p:to>
+                                        <p:strVal val="visible"/>
+                                      </p:to>
+                                    </p:set>
+                                  </p:childTnLst>
+                                </p:cTn>
+                              </p:par>
+                              <p:par>
+                                <p:cTn id="15" presetID="1" presetClass="entr" presetSubtype="0" fill="hold" nodeType="withEffect">
+                                  <p:stCondLst>
+                                    <p:cond delay="0"/>
+                                  </p:stCondLst>
+                                  <p:childTnLst>
+                                    <p:set>
+                                      <p:cBhvr>
+                                        <p:cTn id="16" dur="1" fill="hold">
+                                          <p:stCondLst>
+                                            <p:cond delay="0"/>
+                                          </p:stCondLst>
+                                        </p:cTn>
+                                        <p:tgtEl>
+                                          <p:spTgt spid="96">
+                                            <p:txEl>
+                                              <p:pRg st="3" end="3"/>
+                                            </p:txEl>
+                                          </p:spTgt>
+                                        </p:tgtEl>
+                                        <p:attrNameLst>
+                                          <p:attrName>style.visibility</p:attrName>
+                                        </p:attrNameLst>
+                                      </p:cBhvr>
+                                      <p:to>
+                                        <p:strVal val="visible"/>
+                                      </p:to>
+                                    </p:set>
+                                  </p:childTnLst>
+                                </p:cTn>
+                              </p:par>
+                            </p:childTnLst>
+                          </p:cTn>
+                        </p:par>
+                      </p:childTnLst>
+                    </p:cTn>
+                  </p:par>
+                  <p:par>
+                    <p:cTn id="17" fill="hold">
+                      <p:stCondLst>
+                        <p:cond delay="indefinite"/>
+                      </p:stCondLst>
+                      <p:childTnLst>
+                        <p:par>
+                          <p:cTn id="18" fill="hold">
+                            <p:stCondLst>
+                              <p:cond delay="0"/>
+                            </p:stCondLst>
+                            <p:childTnLst>
+                              <p:par>
+                                <p:cTn id="19" presetID="1" presetClass="entr" presetSubtype="0" fill="hold" nodeType="clickEffect">
+                                  <p:stCondLst>
+                                    <p:cond delay="0"/>
+                                  </p:stCondLst>
+                                  <p:childTnLst>
+                                    <p:set>
+                                      <p:cBhvr>
+                                        <p:cTn id="20" dur="1" fill="hold">
+                                          <p:stCondLst>
+                                            <p:cond delay="0"/>
+                                          </p:stCondLst>
+                                        </p:cTn>
+                                        <p:tgtEl>
+                                          <p:spTgt spid="96">
+                                            <p:txEl>
+                                              <p:pRg st="5" end="5"/>
+                                            </p:txEl>
+                                          </p:spTgt>
+                                        </p:tgtEl>
+                                        <p:attrNameLst>
+                                          <p:attrName>style.visibility</p:attrName>
+                                        </p:attrNameLst>
+                                      </p:cBhvr>
+                                      <p:to>
+                                        <p:strVal val="visible"/>
+                                      </p:to>
+                                    </p:set>
+                                  </p:childTnLst>
+                                </p:cTn>
+                              </p:par>
+                              <p:par>
+                                <p:cTn id="21" presetID="1" presetClass="entr" presetSubtype="0" fill="hold" nodeType="withEffect">
+                                  <p:stCondLst>
+                                    <p:cond delay="0"/>
+                                  </p:stCondLst>
+                                  <p:childTnLst>
+                                    <p:set>
+                                      <p:cBhvr>
+                                        <p:cTn id="22" dur="1" fill="hold">
+                                          <p:stCondLst>
+                                            <p:cond delay="0"/>
+                                          </p:stCondLst>
+                                        </p:cTn>
+                                        <p:tgtEl>
+                                          <p:spTgt spid="96">
+                                            <p:txEl>
+                                              <p:pRg st="6" end="6"/>
+                                            </p:txEl>
+                                          </p:spTgt>
+                                        </p:tgtEl>
+                                        <p:attrNameLst>
+                                          <p:attrName>style.visibility</p:attrName>
+                                        </p:attrNameLst>
+                                      </p:cBhvr>
+                                      <p:to>
+                                        <p:strVal val="visible"/>
+                                      </p:to>
+                                    </p:set>
+                                  </p:childTnLst>
+                                </p:cTn>
+                              </p:par>
+                              <p:par>
+                                <p:cTn id="23" presetID="1" presetClass="entr" presetSubtype="0" fill="hold" nodeType="withEffect">
+                                  <p:stCondLst>
+                                    <p:cond delay="0"/>
+                                  </p:stCondLst>
+                                  <p:childTnLst>
+                                    <p:set>
+                                      <p:cBhvr>
+                                        <p:cTn id="24" dur="1" fill="hold">
+                                          <p:stCondLst>
+                                            <p:cond delay="0"/>
+                                          </p:stCondLst>
+                                        </p:cTn>
+                                        <p:tgtEl>
+                                          <p:spTgt spid="96">
+                                            <p:txEl>
+                                              <p:pRg st="7" end="7"/>
+                                            </p:txEl>
+                                          </p:spTgt>
+                                        </p:tgtEl>
+                                        <p:attrNameLst>
+                                          <p:attrName>style.visibility</p:attrName>
+                                        </p:attrNameLst>
+                                      </p:cBhvr>
+                                      <p:to>
+                                        <p:strVal val="visible"/>
+                                      </p:to>
+                                    </p:set>
+                                  </p:childTnLst>
+                                </p:cTn>
+                              </p:par>
+                              <p:par>
+                                <p:cTn id="25" presetID="1" presetClass="entr" presetSubtype="0" fill="hold" nodeType="withEffect">
+                                  <p:stCondLst>
+                                    <p:cond delay="0"/>
+                                  </p:stCondLst>
+                                  <p:childTnLst>
+                                    <p:set>
+                                      <p:cBhvr>
+                                        <p:cTn id="26" dur="1" fill="hold">
+                                          <p:stCondLst>
+                                            <p:cond delay="0"/>
+                                          </p:stCondLst>
+                                        </p:cTn>
+                                        <p:tgtEl>
+                                          <p:spTgt spid="96">
+                                            <p:txEl>
+                                              <p:pRg st="8" end="8"/>
+                                            </p:txEl>
+                                          </p:spTgt>
+                                        </p:tgtEl>
+                                        <p:attrNameLst>
+                                          <p:attrName>style.visibility</p:attrName>
+                                        </p:attrNameLst>
+                                      </p:cBhvr>
+                                      <p:to>
+                                        <p:strVal val="visible"/>
+                                      </p:to>
+                                    </p:set>
+                                  </p:childTnLst>
+                                </p:cTn>
+                              </p:par>
+                            </p:childTnLst>
+                          </p:cTn>
+                        </p:par>
+                      </p:childTnLst>
+                    </p:cTn>
+                  </p:par>
+                </p:childTnLst>
+              </p:cTn>
+              <p:prevCondLst>
+                <p:cond evt="onPrev" delay="0">
+                  <p:tgtEl>
+                    <p:sldTgt/>
+                  </p:tgtEl>
+                </p:cond>
+              </p:prevCondLst>
+              <p:nextCondLst>
+                <p:cond evt="onNext" delay="0">
+                  <p:tgtEl>
+                    <p:sldTgt/>
+                  </p:tgtEl>
+                </p:cond>
+              </p:nextCondLst>
+            </p:seq>
+          </p:childTnLst>
+        </p:cTn>
+      </p:par>
+    </p:tnLst>
+    <p:bldLst>
+      <p:bldP spid="96" grpId="0"/>
+    </p:bldLst>
+  </p:timing>
+</p:sld>
+</file>
+
+<file path=ppt/slides/slide7.xml><?xml version="1.0" encoding="utf-8"?>
+<p:sld xmlns:a="http://schemas.openxmlformats.org/drawingml/2006/main" xmlns:r="http://schemas.openxmlformats.org/officeDocument/2006/relationships" xmlns:p="http://schemas.openxmlformats.org/presentationml/2006/main">
+  <p:cSld>
+    <p:spTree>
+      <p:nvGrpSpPr>
+        <p:cNvPr id="1" name="Shape 94"/>
+        <p:cNvGrpSpPr/>
+        <p:nvPr/>
+      </p:nvGrpSpPr>
+      <p:grpSpPr>
+        <a:xfrm>
+          <a:off x="0" y="0"/>
+          <a:ext cx="0" cy="0"/>
+          <a:chOff x="0" y="0"/>
+          <a:chExt cx="0" cy="0"/>
+        </a:xfrm>
+      </p:grpSpPr>
+      <p:sp>
+        <p:nvSpPr>
+          <p:cNvPr id="95" name="Google Shape;95;p14"/>
+          <p:cNvSpPr txBox="1">
+            <a:spLocks noGrp="1"/>
+          </p:cNvSpPr>
+          <p:nvPr>
+            <p:ph type="title" idx="4294967295"/>
+          </p:nvPr>
+        </p:nvSpPr>
+        <p:spPr>
+          <a:xfrm>
+            <a:off x="717173" y="696913"/>
+            <a:ext cx="10972800" cy="506789"/>
+          </a:xfrm>
+          <a:prstGeom prst="rect">
+            <a:avLst/>
+          </a:prstGeom>
+        </p:spPr>
+        <p:txBody>
+          <a:bodyPr spcFirstLastPara="1" wrap="square" lIns="121900" tIns="121900" rIns="121900" bIns="121900" anchor="ctr" anchorCtr="0">
+            <a:noAutofit/>
+          </a:bodyPr>
+          <a:lstStyle/>
+          <a:p>
+            <a:r>
+              <a:rPr lang="en-US" sz="4000" b="1" dirty="0">
+                <a:solidFill>
+                  <a:srgbClr val="E46102"/>
+                </a:solidFill>
+              </a:rPr>
               <a:t>Linear Regression </a:t>
             </a:r>
             <a:r>
@@ -15914,7 +17618,7 @@
 </p:sld>
 </file>
 
-<file path=ppt/slides/slide7.xml><?xml version="1.0" encoding="utf-8"?>
+<file path=ppt/slides/slide8.xml><?xml version="1.0" encoding="utf-8"?>
 <p:sld xmlns:a="http://schemas.openxmlformats.org/drawingml/2006/main" xmlns:r="http://schemas.openxmlformats.org/officeDocument/2006/relationships" xmlns:p="http://schemas.openxmlformats.org/presentationml/2006/main">
   <p:cSld>
     <p:spTree>
@@ -17403,7 +19107,7 @@
 </p:sld>
 </file>
 
-<file path=ppt/slides/slide8.xml><?xml version="1.0" encoding="utf-8"?>
+<file path=ppt/slides/slide9.xml><?xml version="1.0" encoding="utf-8"?>
 <p:sld xmlns:a="http://schemas.openxmlformats.org/drawingml/2006/main" xmlns:r="http://schemas.openxmlformats.org/officeDocument/2006/relationships" xmlns:p="http://schemas.openxmlformats.org/presentationml/2006/main">
   <p:cSld>
     <p:spTree>
@@ -17680,314 +19384,6 @@
         </p:cTn>
       </p:par>
     </p:tnLst>
-  </p:timing>
-</p:sld>
-</file>
-
-<file path=ppt/slides/slide9.xml><?xml version="1.0" encoding="utf-8"?>
-<p:sld xmlns:a="http://schemas.openxmlformats.org/drawingml/2006/main" xmlns:r="http://schemas.openxmlformats.org/officeDocument/2006/relationships" xmlns:p="http://schemas.openxmlformats.org/presentationml/2006/main">
-  <p:cSld>
-    <p:spTree>
-      <p:nvGrpSpPr>
-        <p:cNvPr id="1" name="Shape 94"/>
-        <p:cNvGrpSpPr/>
-        <p:nvPr/>
-      </p:nvGrpSpPr>
-      <p:grpSpPr>
-        <a:xfrm>
-          <a:off x="0" y="0"/>
-          <a:ext cx="0" cy="0"/>
-          <a:chOff x="0" y="0"/>
-          <a:chExt cx="0" cy="0"/>
-        </a:xfrm>
-      </p:grpSpPr>
-      <p:sp>
-        <p:nvSpPr>
-          <p:cNvPr id="95" name="Google Shape;95;p14"/>
-          <p:cNvSpPr txBox="1">
-            <a:spLocks noGrp="1"/>
-          </p:cNvSpPr>
-          <p:nvPr>
-            <p:ph type="title" idx="4294967295"/>
-          </p:nvPr>
-        </p:nvSpPr>
-        <p:spPr>
-          <a:xfrm>
-            <a:off x="717173" y="696913"/>
-            <a:ext cx="10972800" cy="506789"/>
-          </a:xfrm>
-          <a:prstGeom prst="rect">
-            <a:avLst/>
-          </a:prstGeom>
-        </p:spPr>
-        <p:txBody>
-          <a:bodyPr spcFirstLastPara="1" wrap="square" lIns="121900" tIns="121900" rIns="121900" bIns="121900" anchor="ctr" anchorCtr="0">
-            <a:noAutofit/>
-          </a:bodyPr>
-          <a:lstStyle/>
-          <a:p>
-            <a:r>
-              <a:rPr lang="en-US" sz="4000" b="1" dirty="0">
-                <a:solidFill>
-                  <a:srgbClr val="E46102"/>
-                </a:solidFill>
-              </a:rPr>
-              <a:t>Linear regression training</a:t>
-            </a:r>
-            <a:endParaRPr sz="4000" b="1" dirty="0">
-              <a:solidFill>
-                <a:srgbClr val="E46102"/>
-              </a:solidFill>
-            </a:endParaRPr>
-          </a:p>
-        </p:txBody>
-      </p:sp>
-      <p:sp>
-        <p:nvSpPr>
-          <p:cNvPr id="96" name="Google Shape;96;p14"/>
-          <p:cNvSpPr txBox="1"/>
-          <p:nvPr/>
-        </p:nvSpPr>
-        <p:spPr>
-          <a:xfrm>
-            <a:off x="521776" y="1382233"/>
-            <a:ext cx="11277600" cy="4176000"/>
-          </a:xfrm>
-          <a:prstGeom prst="rect">
-            <a:avLst/>
-          </a:prstGeom>
-          <a:noFill/>
-          <a:ln>
-            <a:noFill/>
-          </a:ln>
-        </p:spPr>
-        <p:txBody>
-          <a:bodyPr spcFirstLastPara="1" wrap="square" lIns="121900" tIns="121900" rIns="121900" bIns="121900" anchor="t" anchorCtr="0">
-            <a:noAutofit/>
-          </a:bodyPr>
-          <a:lstStyle/>
-          <a:p>
-            <a:pPr marL="457200" indent="-457200">
-              <a:buFont typeface="Arial" panose="020B0604020202020204" pitchFamily="34" charset="0"/>
-              <a:buChar char="•"/>
-            </a:pPr>
-            <a:r>
-              <a:rPr lang="en-US" dirty="0"/>
-              <a:t>GOAL: Training a model means setting its parameters so that the model BEST fits the training set. </a:t>
-            </a:r>
-          </a:p>
-          <a:p>
-            <a:pPr marL="457200" indent="-457200">
-              <a:buFont typeface="Arial" panose="020B0604020202020204" pitchFamily="34" charset="0"/>
-              <a:buChar char="•"/>
-            </a:pPr>
-            <a:endParaRPr lang="en-US" dirty="0"/>
-          </a:p>
-          <a:p>
-            <a:pPr marL="457200" indent="-457200">
-              <a:buFont typeface="Arial" panose="020B0604020202020204" pitchFamily="34" charset="0"/>
-              <a:buChar char="•"/>
-            </a:pPr>
-            <a:r>
-              <a:rPr lang="en-US" dirty="0"/>
-              <a:t>Q</a:t>
-            </a:r>
-            <a:r>
-              <a:rPr lang="en-US" i="1" dirty="0"/>
-              <a:t>uality</a:t>
-            </a:r>
-            <a:r>
-              <a:rPr lang="en-US" dirty="0"/>
-              <a:t> : how well predictions match up against actual values</a:t>
-            </a:r>
-          </a:p>
-          <a:p>
-            <a:pPr marL="457200" indent="-457200">
-              <a:buFont typeface="Arial" panose="020B0604020202020204" pitchFamily="34" charset="0"/>
-              <a:buChar char="•"/>
-            </a:pPr>
-            <a:endParaRPr lang="en-US" dirty="0"/>
-          </a:p>
-          <a:p>
-            <a:pPr marL="457200" indent="-457200">
-              <a:buFont typeface="Arial" panose="020B0604020202020204" pitchFamily="34" charset="0"/>
-              <a:buChar char="•"/>
-            </a:pPr>
-            <a:r>
-              <a:rPr lang="en-US" dirty="0"/>
-              <a:t>Graphically, find a line that minimizes the prediction error of all the data points</a:t>
-            </a:r>
-          </a:p>
-          <a:p>
-            <a:pPr marL="457200" indent="-457200">
-              <a:buFont typeface="Arial" panose="020B0604020202020204" pitchFamily="34" charset="0"/>
-              <a:buChar char="•"/>
-            </a:pPr>
-            <a:endParaRPr lang="en-US" dirty="0"/>
-          </a:p>
-        </p:txBody>
-      </p:sp>
-      <p:pic>
-        <p:nvPicPr>
-          <p:cNvPr id="1026" name="Picture 2" descr="https://qph.fs.quoracdn.net/main-qimg-bb8279567778d3e87812d66b60dd0656">
-            <a:extLst>
-              <a:ext uri="{FF2B5EF4-FFF2-40B4-BE49-F238E27FC236}">
-                <a16:creationId xmlns:a16="http://schemas.microsoft.com/office/drawing/2014/main" id="{0E298701-4860-4DAF-A001-86C26FABEE3A}"/>
-              </a:ext>
-            </a:extLst>
-          </p:cNvPr>
-          <p:cNvPicPr>
-            <a:picLocks noChangeAspect="1" noChangeArrowheads="1"/>
-          </p:cNvPicPr>
-          <p:nvPr/>
-        </p:nvPicPr>
-        <p:blipFill>
-          <a:blip r:embed="rId3">
-            <a:extLst>
-              <a:ext uri="{28A0092B-C50C-407E-A947-70E740481C1C}">
-                <a14:useLocalDpi xmlns:a14="http://schemas.microsoft.com/office/drawing/2010/main" val="0"/>
-              </a:ext>
-            </a:extLst>
-          </a:blip>
-          <a:srcRect/>
-          <a:stretch>
-            <a:fillRect/>
-          </a:stretch>
-        </p:blipFill>
-        <p:spPr bwMode="auto">
-          <a:xfrm>
-            <a:off x="4071548" y="3842950"/>
-            <a:ext cx="2977988" cy="2690854"/>
-          </a:xfrm>
-          <a:prstGeom prst="rect">
-            <a:avLst/>
-          </a:prstGeom>
-          <a:noFill/>
-          <a:extLst>
-            <a:ext uri="{909E8E84-426E-40DD-AFC4-6F175D3DCCD1}">
-              <a14:hiddenFill xmlns:a14="http://schemas.microsoft.com/office/drawing/2010/main">
-                <a:solidFill>
-                  <a:srgbClr val="FFFFFF"/>
-                </a:solidFill>
-              </a14:hiddenFill>
-            </a:ext>
-          </a:extLst>
-        </p:spPr>
-      </p:pic>
-    </p:spTree>
-    <p:extLst>
-      <p:ext uri="{BB962C8B-B14F-4D97-AF65-F5344CB8AC3E}">
-        <p14:creationId xmlns:p14="http://schemas.microsoft.com/office/powerpoint/2010/main" val="871376942"/>
-      </p:ext>
-    </p:extLst>
-  </p:cSld>
-  <p:clrMapOvr>
-    <a:masterClrMapping/>
-  </p:clrMapOvr>
-  <p:timing>
-    <p:tnLst>
-      <p:par>
-        <p:cTn id="1" dur="indefinite" restart="never" nodeType="tmRoot">
-          <p:childTnLst>
-            <p:seq concurrent="1" nextAc="seek">
-              <p:cTn id="2" dur="indefinite" nodeType="mainSeq">
-                <p:childTnLst>
-                  <p:par>
-                    <p:cTn id="3" fill="hold">
-                      <p:stCondLst>
-                        <p:cond delay="indefinite"/>
-                      </p:stCondLst>
-                      <p:childTnLst>
-                        <p:par>
-                          <p:cTn id="4" fill="hold">
-                            <p:stCondLst>
-                              <p:cond delay="0"/>
-                            </p:stCondLst>
-                            <p:childTnLst>
-                              <p:par>
-                                <p:cTn id="5" presetID="1" presetClass="entr" presetSubtype="0" fill="hold" grpId="0" nodeType="clickEffect">
-                                  <p:stCondLst>
-                                    <p:cond delay="0"/>
-                                  </p:stCondLst>
-                                  <p:childTnLst>
-                                    <p:set>
-                                      <p:cBhvr>
-                                        <p:cTn id="6" dur="1" fill="hold">
-                                          <p:stCondLst>
-                                            <p:cond delay="0"/>
-                                          </p:stCondLst>
-                                        </p:cTn>
-                                        <p:tgtEl>
-                                          <p:spTgt spid="96"/>
-                                        </p:tgtEl>
-                                        <p:attrNameLst>
-                                          <p:attrName>style.visibility</p:attrName>
-                                        </p:attrNameLst>
-                                      </p:cBhvr>
-                                      <p:to>
-                                        <p:strVal val="visible"/>
-                                      </p:to>
-                                    </p:set>
-                                  </p:childTnLst>
-                                </p:cTn>
-                              </p:par>
-                              <p:par>
-                                <p:cTn id="7" presetID="1" presetClass="entr" presetSubtype="0" fill="hold" nodeType="withEffect">
-                                  <p:stCondLst>
-                                    <p:cond delay="0"/>
-                                  </p:stCondLst>
-                                  <p:childTnLst>
-                                    <p:set>
-                                      <p:cBhvr>
-                                        <p:cTn id="8" dur="1" fill="hold">
-                                          <p:stCondLst>
-                                            <p:cond delay="0"/>
-                                          </p:stCondLst>
-                                        </p:cTn>
-                                        <p:tgtEl>
-                                          <p:spTgt spid="1026"/>
-                                        </p:tgtEl>
-                                        <p:attrNameLst>
-                                          <p:attrName>style.visibility</p:attrName>
-                                        </p:attrNameLst>
-                                      </p:cBhvr>
-                                      <p:to>
-                                        <p:strVal val="visible"/>
-                                      </p:to>
-                                    </p:set>
-                                  </p:childTnLst>
-                                </p:cTn>
-                              </p:par>
-                            </p:childTnLst>
-                          </p:cTn>
-                        </p:par>
-                      </p:childTnLst>
-                    </p:cTn>
-                  </p:par>
-                </p:childTnLst>
-              </p:cTn>
-              <p:prevCondLst>
-                <p:cond evt="onPrev" delay="0">
-                  <p:tgtEl>
-                    <p:sldTgt/>
-                  </p:tgtEl>
-                </p:cond>
-              </p:prevCondLst>
-              <p:nextCondLst>
-                <p:cond evt="onNext" delay="0">
-                  <p:tgtEl>
-                    <p:sldTgt/>
-                  </p:tgtEl>
-                </p:cond>
-              </p:nextCondLst>
-            </p:seq>
-          </p:childTnLst>
-        </p:cTn>
-      </p:par>
-    </p:tnLst>
-    <p:bldLst>
-      <p:bldP spid="96" grpId="0"/>
-    </p:bldLst>
   </p:timing>
 </p:sld>
 </file>

--- a/Syllabus/Lecture04/Lec04.pptx
+++ b/Syllabus/Lecture04/Lec04.pptx
@@ -10432,8 +10432,8 @@
         </p:nvSpPr>
         <p:spPr>
           <a:xfrm>
-            <a:off x="521776" y="1392793"/>
-            <a:ext cx="11277600" cy="2014213"/>
+            <a:off x="255494" y="1823098"/>
+            <a:ext cx="11759034" cy="1612108"/>
           </a:xfrm>
           <a:prstGeom prst="rect">
             <a:avLst/>
@@ -10450,18 +10450,12 @@
           <a:lstStyle/>
           <a:p>
             <a:r>
-              <a:rPr lang="en-US" b="1" dirty="0"/>
-              <a:t>Intuition</a:t>
+              <a:rPr lang="en-US" u="sng" dirty="0"/>
+              <a:t>Common Analogy </a:t>
             </a:r>
             <a:r>
               <a:rPr lang="en-US" dirty="0"/>
-              <a:t>: tweak parameters iteratively in order to minimize a cost function</a:t>
-            </a:r>
-          </a:p>
-          <a:p>
-            <a:r>
-              <a:rPr lang="en-US" dirty="0"/>
-              <a:t>Common Analogy - you are lost in the mountains in a dense fog; you can only feel the slope of the ground below your feet. </a:t>
+              <a:t>- you are lost in the mountains in a dense fog; you can only feel the slope of the ground below your feet. </a:t>
             </a:r>
           </a:p>
           <a:p>
@@ -10470,476 +10464,8 @@
               <a:t>A good strategy to get to the bottom of the valley quickly is to go downhill in the direction of the steepest slope.</a:t>
             </a:r>
           </a:p>
-          <a:p>
-            <a:endParaRPr dirty="0"/>
-          </a:p>
         </p:txBody>
       </p:sp>
-      <p:pic>
-        <p:nvPicPr>
-          <p:cNvPr id="3078" name="Picture 6" descr="glimpses, high-angle photography, fog, covering, portion, mountain, mist,  valley | Piqsels">
-            <a:extLst>
-              <a:ext uri="{FF2B5EF4-FFF2-40B4-BE49-F238E27FC236}">
-                <a16:creationId xmlns:a16="http://schemas.microsoft.com/office/drawing/2014/main" id="{3D123E1E-35F5-4AB6-8D4E-C30AED58F5DA}"/>
-              </a:ext>
-            </a:extLst>
-          </p:cNvPr>
-          <p:cNvPicPr>
-            <a:picLocks noChangeAspect="1" noChangeArrowheads="1"/>
-          </p:cNvPicPr>
-          <p:nvPr/>
-        </p:nvPicPr>
-        <p:blipFill rotWithShape="1">
-          <a:blip r:embed="rId3">
-            <a:extLst>
-              <a:ext uri="{28A0092B-C50C-407E-A947-70E740481C1C}">
-                <a14:useLocalDpi xmlns:a14="http://schemas.microsoft.com/office/drawing/2010/main" val="0"/>
-              </a:ext>
-            </a:extLst>
-          </a:blip>
-          <a:srcRect l="15341" b="16050"/>
-          <a:stretch/>
-        </p:blipFill>
-        <p:spPr bwMode="auto">
-          <a:xfrm>
-            <a:off x="1170676" y="3533659"/>
-            <a:ext cx="4114800" cy="2721727"/>
-          </a:xfrm>
-          <a:prstGeom prst="rect">
-            <a:avLst/>
-          </a:prstGeom>
-          <a:noFill/>
-          <a:extLst>
-            <a:ext uri="{909E8E84-426E-40DD-AFC4-6F175D3DCCD1}">
-              <a14:hiddenFill xmlns:a14="http://schemas.microsoft.com/office/drawing/2010/main">
-                <a:solidFill>
-                  <a:srgbClr val="FFFFFF"/>
-                </a:solidFill>
-              </a14:hiddenFill>
-            </a:ext>
-          </a:extLst>
-        </p:spPr>
-      </p:pic>
-      <p:sp>
-        <p:nvSpPr>
-          <p:cNvPr id="2" name="Freeform: Shape 1">
-            <a:extLst>
-              <a:ext uri="{FF2B5EF4-FFF2-40B4-BE49-F238E27FC236}">
-                <a16:creationId xmlns:a16="http://schemas.microsoft.com/office/drawing/2014/main" id="{666507FE-17AE-4260-8242-402F7B2A78D3}"/>
-              </a:ext>
-            </a:extLst>
-          </p:cNvPr>
-          <p:cNvSpPr/>
-          <p:nvPr/>
-        </p:nvSpPr>
-        <p:spPr>
-          <a:xfrm>
-            <a:off x="1865491" y="3781641"/>
-            <a:ext cx="3279913" cy="1776592"/>
-          </a:xfrm>
-          <a:custGeom>
-            <a:avLst/>
-            <a:gdLst>
-              <a:gd name="connsiteX0" fmla="*/ 0 w 3279913"/>
-              <a:gd name="connsiteY0" fmla="*/ 0 h 1776592"/>
-              <a:gd name="connsiteX1" fmla="*/ 1326874 w 3279913"/>
-              <a:gd name="connsiteY1" fmla="*/ 1769165 h 1776592"/>
-              <a:gd name="connsiteX2" fmla="*/ 3279913 w 3279913"/>
-              <a:gd name="connsiteY2" fmla="*/ 675861 h 1776592"/>
-              <a:gd name="connsiteX3" fmla="*/ 3279913 w 3279913"/>
-              <a:gd name="connsiteY3" fmla="*/ 675861 h 1776592"/>
-            </a:gdLst>
-            <a:ahLst/>
-            <a:cxnLst>
-              <a:cxn ang="0">
-                <a:pos x="connsiteX0" y="connsiteY0"/>
-              </a:cxn>
-              <a:cxn ang="0">
-                <a:pos x="connsiteX1" y="connsiteY1"/>
-              </a:cxn>
-              <a:cxn ang="0">
-                <a:pos x="connsiteX2" y="connsiteY2"/>
-              </a:cxn>
-              <a:cxn ang="0">
-                <a:pos x="connsiteX3" y="connsiteY3"/>
-              </a:cxn>
-            </a:cxnLst>
-            <a:rect l="l" t="t" r="r" b="b"/>
-            <a:pathLst>
-              <a:path w="3279913" h="1776592">
-                <a:moveTo>
-                  <a:pt x="0" y="0"/>
-                </a:moveTo>
-                <a:cubicBezTo>
-                  <a:pt x="390111" y="828261"/>
-                  <a:pt x="780222" y="1656522"/>
-                  <a:pt x="1326874" y="1769165"/>
-                </a:cubicBezTo>
-                <a:cubicBezTo>
-                  <a:pt x="1873526" y="1881809"/>
-                  <a:pt x="3279913" y="675861"/>
-                  <a:pt x="3279913" y="675861"/>
-                </a:cubicBezTo>
-                <a:lnTo>
-                  <a:pt x="3279913" y="675861"/>
-                </a:lnTo>
-              </a:path>
-            </a:pathLst>
-          </a:custGeom>
-          <a:noFill/>
-          <a:ln w="28575">
-            <a:solidFill>
-              <a:srgbClr val="E46102"/>
-            </a:solidFill>
-          </a:ln>
-        </p:spPr>
-        <p:style>
-          <a:lnRef idx="1">
-            <a:schemeClr val="accent1"/>
-          </a:lnRef>
-          <a:fillRef idx="3">
-            <a:schemeClr val="accent1"/>
-          </a:fillRef>
-          <a:effectRef idx="2">
-            <a:schemeClr val="accent1"/>
-          </a:effectRef>
-          <a:fontRef idx="minor">
-            <a:schemeClr val="lt1"/>
-          </a:fontRef>
-        </p:style>
-        <p:txBody>
-          <a:bodyPr rtlCol="0" anchor="ctr"/>
-          <a:lstStyle/>
-          <a:p>
-            <a:pPr algn="ctr"/>
-            <a:endParaRPr lang="en-US"/>
-          </a:p>
-        </p:txBody>
-      </p:sp>
-      <p:pic>
-        <p:nvPicPr>
-          <p:cNvPr id="4" name="Graphic 3" descr="Line arrow Straight">
-            <a:extLst>
-              <a:ext uri="{FF2B5EF4-FFF2-40B4-BE49-F238E27FC236}">
-                <a16:creationId xmlns:a16="http://schemas.microsoft.com/office/drawing/2014/main" id="{47D34912-B3C9-40C2-9621-C34E75B2D23A}"/>
-              </a:ext>
-            </a:extLst>
-          </p:cNvPr>
-          <p:cNvPicPr>
-            <a:picLocks noChangeAspect="1"/>
-          </p:cNvPicPr>
-          <p:nvPr/>
-        </p:nvPicPr>
-        <p:blipFill>
-          <a:blip r:embed="rId4">
-            <a:extLst>
-              <a:ext uri="{96DAC541-7B7A-43D3-8B79-37D633B846F1}">
-                <asvg:svgBlip xmlns:asvg="http://schemas.microsoft.com/office/drawing/2016/SVG/main" r:embed="rId5"/>
-              </a:ext>
-            </a:extLst>
-          </a:blip>
-          <a:stretch>
-            <a:fillRect/>
-          </a:stretch>
-        </p:blipFill>
-        <p:spPr>
-          <a:xfrm rot="14708482">
-            <a:off x="1904101" y="3876229"/>
-            <a:ext cx="342995" cy="399924"/>
-          </a:xfrm>
-          <a:prstGeom prst="rect">
-            <a:avLst/>
-          </a:prstGeom>
-        </p:spPr>
-      </p:pic>
-      <p:pic>
-        <p:nvPicPr>
-          <p:cNvPr id="10" name="Graphic 9" descr="Line arrow Straight">
-            <a:extLst>
-              <a:ext uri="{FF2B5EF4-FFF2-40B4-BE49-F238E27FC236}">
-                <a16:creationId xmlns:a16="http://schemas.microsoft.com/office/drawing/2014/main" id="{A7081011-DB30-4BE3-B599-7C862DAFB9C7}"/>
-              </a:ext>
-            </a:extLst>
-          </p:cNvPr>
-          <p:cNvPicPr>
-            <a:picLocks noChangeAspect="1"/>
-          </p:cNvPicPr>
-          <p:nvPr/>
-        </p:nvPicPr>
-        <p:blipFill>
-          <a:blip r:embed="rId4">
-            <a:extLst>
-              <a:ext uri="{96DAC541-7B7A-43D3-8B79-37D633B846F1}">
-                <asvg:svgBlip xmlns:asvg="http://schemas.microsoft.com/office/drawing/2016/SVG/main" r:embed="rId5"/>
-              </a:ext>
-            </a:extLst>
-          </a:blip>
-          <a:stretch>
-            <a:fillRect/>
-          </a:stretch>
-        </p:blipFill>
-        <p:spPr>
-          <a:xfrm rot="14708482">
-            <a:off x="1993784" y="4139185"/>
-            <a:ext cx="342995" cy="399924"/>
-          </a:xfrm>
-          <a:prstGeom prst="rect">
-            <a:avLst/>
-          </a:prstGeom>
-        </p:spPr>
-      </p:pic>
-      <p:pic>
-        <p:nvPicPr>
-          <p:cNvPr id="11" name="Graphic 10" descr="Line arrow Straight">
-            <a:extLst>
-              <a:ext uri="{FF2B5EF4-FFF2-40B4-BE49-F238E27FC236}">
-                <a16:creationId xmlns:a16="http://schemas.microsoft.com/office/drawing/2014/main" id="{DAA63291-1807-470F-BA0E-98FEFA96D04D}"/>
-              </a:ext>
-            </a:extLst>
-          </p:cNvPr>
-          <p:cNvPicPr>
-            <a:picLocks noChangeAspect="1"/>
-          </p:cNvPicPr>
-          <p:nvPr/>
-        </p:nvPicPr>
-        <p:blipFill>
-          <a:blip r:embed="rId4">
-            <a:extLst>
-              <a:ext uri="{96DAC541-7B7A-43D3-8B79-37D633B846F1}">
-                <asvg:svgBlip xmlns:asvg="http://schemas.microsoft.com/office/drawing/2016/SVG/main" r:embed="rId5"/>
-              </a:ext>
-            </a:extLst>
-          </a:blip>
-          <a:stretch>
-            <a:fillRect/>
-          </a:stretch>
-        </p:blipFill>
-        <p:spPr>
-          <a:xfrm rot="14708482">
-            <a:off x="2083465" y="4291584"/>
-            <a:ext cx="342995" cy="399924"/>
-          </a:xfrm>
-          <a:prstGeom prst="rect">
-            <a:avLst/>
-          </a:prstGeom>
-        </p:spPr>
-      </p:pic>
-      <p:pic>
-        <p:nvPicPr>
-          <p:cNvPr id="12" name="Graphic 11" descr="Line arrow Straight">
-            <a:extLst>
-              <a:ext uri="{FF2B5EF4-FFF2-40B4-BE49-F238E27FC236}">
-                <a16:creationId xmlns:a16="http://schemas.microsoft.com/office/drawing/2014/main" id="{4F30B5DA-6B94-4BCA-9E45-E40CE5A75A72}"/>
-              </a:ext>
-            </a:extLst>
-          </p:cNvPr>
-          <p:cNvPicPr>
-            <a:picLocks noChangeAspect="1"/>
-          </p:cNvPicPr>
-          <p:nvPr/>
-        </p:nvPicPr>
-        <p:blipFill>
-          <a:blip r:embed="rId4">
-            <a:extLst>
-              <a:ext uri="{96DAC541-7B7A-43D3-8B79-37D633B846F1}">
-                <asvg:svgBlip xmlns:asvg="http://schemas.microsoft.com/office/drawing/2016/SVG/main" r:embed="rId5"/>
-              </a:ext>
-            </a:extLst>
-          </a:blip>
-          <a:stretch>
-            <a:fillRect/>
-          </a:stretch>
-        </p:blipFill>
-        <p:spPr>
-          <a:xfrm rot="14708482">
-            <a:off x="2205776" y="4529378"/>
-            <a:ext cx="342995" cy="399924"/>
-          </a:xfrm>
-          <a:prstGeom prst="rect">
-            <a:avLst/>
-          </a:prstGeom>
-        </p:spPr>
-      </p:pic>
-      <p:pic>
-        <p:nvPicPr>
-          <p:cNvPr id="13" name="Graphic 12" descr="Line arrow Straight">
-            <a:extLst>
-              <a:ext uri="{FF2B5EF4-FFF2-40B4-BE49-F238E27FC236}">
-                <a16:creationId xmlns:a16="http://schemas.microsoft.com/office/drawing/2014/main" id="{CE099CE3-8129-46CE-A1CA-8C1A916AAD30}"/>
-              </a:ext>
-            </a:extLst>
-          </p:cNvPr>
-          <p:cNvPicPr>
-            <a:picLocks noChangeAspect="1"/>
-          </p:cNvPicPr>
-          <p:nvPr/>
-        </p:nvPicPr>
-        <p:blipFill>
-          <a:blip r:embed="rId4">
-            <a:extLst>
-              <a:ext uri="{96DAC541-7B7A-43D3-8B79-37D633B846F1}">
-                <asvg:svgBlip xmlns:asvg="http://schemas.microsoft.com/office/drawing/2016/SVG/main" r:embed="rId5"/>
-              </a:ext>
-            </a:extLst>
-          </a:blip>
-          <a:stretch>
-            <a:fillRect/>
-          </a:stretch>
-        </p:blipFill>
-        <p:spPr>
-          <a:xfrm rot="14708482">
-            <a:off x="2205613" y="4730425"/>
-            <a:ext cx="460309" cy="399924"/>
-          </a:xfrm>
-          <a:prstGeom prst="rect">
-            <a:avLst/>
-          </a:prstGeom>
-        </p:spPr>
-      </p:pic>
-      <p:pic>
-        <p:nvPicPr>
-          <p:cNvPr id="14" name="Graphic 13" descr="Line arrow Straight">
-            <a:extLst>
-              <a:ext uri="{FF2B5EF4-FFF2-40B4-BE49-F238E27FC236}">
-                <a16:creationId xmlns:a16="http://schemas.microsoft.com/office/drawing/2014/main" id="{F56C5441-C3E1-4C97-91A1-793F577EE4C5}"/>
-              </a:ext>
-            </a:extLst>
-          </p:cNvPr>
-          <p:cNvPicPr>
-            <a:picLocks noChangeAspect="1"/>
-          </p:cNvPicPr>
-          <p:nvPr/>
-        </p:nvPicPr>
-        <p:blipFill>
-          <a:blip r:embed="rId4">
-            <a:extLst>
-              <a:ext uri="{96DAC541-7B7A-43D3-8B79-37D633B846F1}">
-                <asvg:svgBlip xmlns:asvg="http://schemas.microsoft.com/office/drawing/2016/SVG/main" r:embed="rId5"/>
-              </a:ext>
-            </a:extLst>
-          </a:blip>
-          <a:stretch>
-            <a:fillRect/>
-          </a:stretch>
-        </p:blipFill>
-        <p:spPr>
-          <a:xfrm rot="14708482">
-            <a:off x="2469298" y="4997854"/>
-            <a:ext cx="329981" cy="399924"/>
-          </a:xfrm>
-          <a:prstGeom prst="rect">
-            <a:avLst/>
-          </a:prstGeom>
-        </p:spPr>
-      </p:pic>
-      <p:pic>
-        <p:nvPicPr>
-          <p:cNvPr id="15" name="Graphic 14" descr="Line arrow Straight">
-            <a:extLst>
-              <a:ext uri="{FF2B5EF4-FFF2-40B4-BE49-F238E27FC236}">
-                <a16:creationId xmlns:a16="http://schemas.microsoft.com/office/drawing/2014/main" id="{8A142172-944D-457A-BE17-2573E9699859}"/>
-              </a:ext>
-            </a:extLst>
-          </p:cNvPr>
-          <p:cNvPicPr>
-            <a:picLocks noChangeAspect="1"/>
-          </p:cNvPicPr>
-          <p:nvPr/>
-        </p:nvPicPr>
-        <p:blipFill>
-          <a:blip r:embed="rId4">
-            <a:extLst>
-              <a:ext uri="{96DAC541-7B7A-43D3-8B79-37D633B846F1}">
-                <asvg:svgBlip xmlns:asvg="http://schemas.microsoft.com/office/drawing/2016/SVG/main" r:embed="rId5"/>
-              </a:ext>
-            </a:extLst>
-          </a:blip>
-          <a:stretch>
-            <a:fillRect/>
-          </a:stretch>
-        </p:blipFill>
-        <p:spPr>
-          <a:xfrm rot="13286496">
-            <a:off x="2594968" y="5242402"/>
-            <a:ext cx="406028" cy="399924"/>
-          </a:xfrm>
-          <a:prstGeom prst="rect">
-            <a:avLst/>
-          </a:prstGeom>
-        </p:spPr>
-      </p:pic>
-      <p:pic>
-        <p:nvPicPr>
-          <p:cNvPr id="16" name="Graphic 15" descr="Line arrow Straight">
-            <a:extLst>
-              <a:ext uri="{FF2B5EF4-FFF2-40B4-BE49-F238E27FC236}">
-                <a16:creationId xmlns:a16="http://schemas.microsoft.com/office/drawing/2014/main" id="{1984F53E-48BD-4A7B-9389-ECC38097B1D7}"/>
-              </a:ext>
-            </a:extLst>
-          </p:cNvPr>
-          <p:cNvPicPr>
-            <a:picLocks noChangeAspect="1"/>
-          </p:cNvPicPr>
-          <p:nvPr/>
-        </p:nvPicPr>
-        <p:blipFill>
-          <a:blip r:embed="rId4">
-            <a:extLst>
-              <a:ext uri="{96DAC541-7B7A-43D3-8B79-37D633B846F1}">
-                <asvg:svgBlip xmlns:asvg="http://schemas.microsoft.com/office/drawing/2016/SVG/main" r:embed="rId5"/>
-              </a:ext>
-            </a:extLst>
-          </a:blip>
-          <a:stretch>
-            <a:fillRect/>
-          </a:stretch>
-        </p:blipFill>
-        <p:spPr>
-          <a:xfrm rot="12071600">
-            <a:off x="2926735" y="5407005"/>
-            <a:ext cx="348306" cy="399924"/>
-          </a:xfrm>
-          <a:prstGeom prst="rect">
-            <a:avLst/>
-          </a:prstGeom>
-        </p:spPr>
-      </p:pic>
-      <p:pic>
-        <p:nvPicPr>
-          <p:cNvPr id="17" name="Graphic 16" descr="Line arrow Straight">
-            <a:extLst>
-              <a:ext uri="{FF2B5EF4-FFF2-40B4-BE49-F238E27FC236}">
-                <a16:creationId xmlns:a16="http://schemas.microsoft.com/office/drawing/2014/main" id="{29BF2F3D-1479-4EBC-8C9B-8C9537F77B19}"/>
-              </a:ext>
-            </a:extLst>
-          </p:cNvPr>
-          <p:cNvPicPr>
-            <a:picLocks noChangeAspect="1"/>
-          </p:cNvPicPr>
-          <p:nvPr/>
-        </p:nvPicPr>
-        <p:blipFill>
-          <a:blip r:embed="rId4">
-            <a:extLst>
-              <a:ext uri="{96DAC541-7B7A-43D3-8B79-37D633B846F1}">
-                <asvg:svgBlip xmlns:asvg="http://schemas.microsoft.com/office/drawing/2016/SVG/main" r:embed="rId5"/>
-              </a:ext>
-            </a:extLst>
-          </a:blip>
-          <a:stretch>
-            <a:fillRect/>
-          </a:stretch>
-        </p:blipFill>
-        <p:spPr>
-          <a:xfrm rot="12644637">
-            <a:off x="2798286" y="5339930"/>
-            <a:ext cx="298318" cy="399924"/>
-          </a:xfrm>
-          <a:prstGeom prst="rect">
-            <a:avLst/>
-          </a:prstGeom>
-        </p:spPr>
-      </p:pic>
       <p:sp>
         <p:nvSpPr>
           <p:cNvPr id="5" name="TextBox 4">
@@ -10954,8 +10480,8 @@
         </p:nvSpPr>
         <p:spPr>
           <a:xfrm>
-            <a:off x="5509753" y="3517576"/>
-            <a:ext cx="6504775" cy="2308324"/>
+            <a:off x="5066002" y="3557917"/>
+            <a:ext cx="6794304" cy="2308324"/>
           </a:xfrm>
           <a:prstGeom prst="rect">
             <a:avLst/>
@@ -11009,98 +10535,630 @@
           </a:p>
         </p:txBody>
       </p:sp>
-      <p:sp>
-        <p:nvSpPr>
-          <p:cNvPr id="6" name="Oval 5">
+      <p:grpSp>
+        <p:nvGrpSpPr>
+          <p:cNvPr id="7" name="Group 6">
             <a:extLst>
               <a:ext uri="{FF2B5EF4-FFF2-40B4-BE49-F238E27FC236}">
-                <a16:creationId xmlns:a16="http://schemas.microsoft.com/office/drawing/2014/main" id="{C5DDA4D1-6B3A-4945-8389-8C0C48BE9C62}"/>
+                <a16:creationId xmlns:a16="http://schemas.microsoft.com/office/drawing/2014/main" id="{54FF1A9C-6AC7-C83A-6F64-92175DA847F8}"/>
               </a:ext>
             </a:extLst>
           </p:cNvPr>
-          <p:cNvSpPr/>
+          <p:cNvGrpSpPr/>
           <p:nvPr/>
-        </p:nvSpPr>
-        <p:spPr>
+        </p:nvGrpSpPr>
+        <p:grpSpPr>
           <a:xfrm>
-            <a:off x="3177048" y="5466297"/>
-            <a:ext cx="167630" cy="157724"/>
-          </a:xfrm>
-          <a:prstGeom prst="ellipse">
-            <a:avLst/>
-          </a:prstGeom>
-        </p:spPr>
-        <p:style>
-          <a:lnRef idx="1">
-            <a:schemeClr val="accent1"/>
-          </a:lnRef>
-          <a:fillRef idx="3">
-            <a:schemeClr val="accent1"/>
-          </a:fillRef>
-          <a:effectRef idx="2">
-            <a:schemeClr val="accent1"/>
-          </a:effectRef>
-          <a:fontRef idx="minor">
-            <a:schemeClr val="lt1"/>
-          </a:fontRef>
-        </p:style>
-        <p:txBody>
-          <a:bodyPr rtlCol="0" anchor="ctr"/>
-          <a:lstStyle/>
-          <a:p>
-            <a:pPr algn="ctr"/>
-            <a:endParaRPr lang="en-US"/>
-          </a:p>
-        </p:txBody>
-      </p:sp>
-      <p:cxnSp>
-        <p:nvCxnSpPr>
-          <p:cNvPr id="8" name="Straight Arrow Connector 7">
+            <a:off x="552114" y="3547106"/>
+            <a:ext cx="5745762" cy="2858260"/>
+            <a:chOff x="592455" y="3574000"/>
+            <a:chExt cx="5745762" cy="2858260"/>
+          </a:xfrm>
+        </p:grpSpPr>
+        <p:pic>
+          <p:nvPicPr>
+            <p:cNvPr id="3078" name="Picture 6" descr="glimpses, high-angle photography, fog, covering, portion, mountain, mist,  valley | Piqsels">
+              <a:extLst>
+                <a:ext uri="{FF2B5EF4-FFF2-40B4-BE49-F238E27FC236}">
+                  <a16:creationId xmlns:a16="http://schemas.microsoft.com/office/drawing/2014/main" id="{3D123E1E-35F5-4AB6-8D4E-C30AED58F5DA}"/>
+                </a:ext>
+              </a:extLst>
+            </p:cNvPr>
+            <p:cNvPicPr>
+              <a:picLocks noChangeAspect="1" noChangeArrowheads="1"/>
+            </p:cNvPicPr>
+            <p:nvPr/>
+          </p:nvPicPr>
+          <p:blipFill rotWithShape="1">
+            <a:blip r:embed="rId3">
+              <a:extLst>
+                <a:ext uri="{28A0092B-C50C-407E-A947-70E740481C1C}">
+                  <a14:useLocalDpi xmlns:a14="http://schemas.microsoft.com/office/drawing/2010/main" val="0"/>
+                </a:ext>
+              </a:extLst>
+            </a:blip>
+            <a:srcRect l="15341" b="16050"/>
+            <a:stretch/>
+          </p:blipFill>
+          <p:spPr bwMode="auto">
+            <a:xfrm>
+              <a:off x="592455" y="3574000"/>
+              <a:ext cx="4114800" cy="2721727"/>
+            </a:xfrm>
+            <a:prstGeom prst="rect">
+              <a:avLst/>
+            </a:prstGeom>
+            <a:noFill/>
+            <a:ln>
+              <a:solidFill>
+                <a:schemeClr val="bg2">
+                  <a:lumMod val="75000"/>
+                </a:schemeClr>
+              </a:solidFill>
+            </a:ln>
+            <a:extLst>
+              <a:ext uri="{909E8E84-426E-40DD-AFC4-6F175D3DCCD1}">
+                <a14:hiddenFill xmlns:a14="http://schemas.microsoft.com/office/drawing/2010/main">
+                  <a:solidFill>
+                    <a:srgbClr val="FFFFFF"/>
+                  </a:solidFill>
+                </a14:hiddenFill>
+              </a:ext>
+            </a:extLst>
+          </p:spPr>
+        </p:pic>
+        <p:sp>
+          <p:nvSpPr>
+            <p:cNvPr id="2" name="Freeform: Shape 1">
+              <a:extLst>
+                <a:ext uri="{FF2B5EF4-FFF2-40B4-BE49-F238E27FC236}">
+                  <a16:creationId xmlns:a16="http://schemas.microsoft.com/office/drawing/2014/main" id="{666507FE-17AE-4260-8242-402F7B2A78D3}"/>
+                </a:ext>
+              </a:extLst>
+            </p:cNvPr>
+            <p:cNvSpPr/>
+            <p:nvPr/>
+          </p:nvSpPr>
+          <p:spPr>
+            <a:xfrm>
+              <a:off x="1287270" y="3821982"/>
+              <a:ext cx="3279913" cy="1776592"/>
+            </a:xfrm>
+            <a:custGeom>
+              <a:avLst/>
+              <a:gdLst>
+                <a:gd name="connsiteX0" fmla="*/ 0 w 3279913"/>
+                <a:gd name="connsiteY0" fmla="*/ 0 h 1776592"/>
+                <a:gd name="connsiteX1" fmla="*/ 1326874 w 3279913"/>
+                <a:gd name="connsiteY1" fmla="*/ 1769165 h 1776592"/>
+                <a:gd name="connsiteX2" fmla="*/ 3279913 w 3279913"/>
+                <a:gd name="connsiteY2" fmla="*/ 675861 h 1776592"/>
+                <a:gd name="connsiteX3" fmla="*/ 3279913 w 3279913"/>
+                <a:gd name="connsiteY3" fmla="*/ 675861 h 1776592"/>
+              </a:gdLst>
+              <a:ahLst/>
+              <a:cxnLst>
+                <a:cxn ang="0">
+                  <a:pos x="connsiteX0" y="connsiteY0"/>
+                </a:cxn>
+                <a:cxn ang="0">
+                  <a:pos x="connsiteX1" y="connsiteY1"/>
+                </a:cxn>
+                <a:cxn ang="0">
+                  <a:pos x="connsiteX2" y="connsiteY2"/>
+                </a:cxn>
+                <a:cxn ang="0">
+                  <a:pos x="connsiteX3" y="connsiteY3"/>
+                </a:cxn>
+              </a:cxnLst>
+              <a:rect l="l" t="t" r="r" b="b"/>
+              <a:pathLst>
+                <a:path w="3279913" h="1776592">
+                  <a:moveTo>
+                    <a:pt x="0" y="0"/>
+                  </a:moveTo>
+                  <a:cubicBezTo>
+                    <a:pt x="390111" y="828261"/>
+                    <a:pt x="780222" y="1656522"/>
+                    <a:pt x="1326874" y="1769165"/>
+                  </a:cubicBezTo>
+                  <a:cubicBezTo>
+                    <a:pt x="1873526" y="1881809"/>
+                    <a:pt x="3279913" y="675861"/>
+                    <a:pt x="3279913" y="675861"/>
+                  </a:cubicBezTo>
+                  <a:lnTo>
+                    <a:pt x="3279913" y="675861"/>
+                  </a:lnTo>
+                </a:path>
+              </a:pathLst>
+            </a:custGeom>
+            <a:noFill/>
+            <a:ln w="28575">
+              <a:solidFill>
+                <a:srgbClr val="E46102"/>
+              </a:solidFill>
+            </a:ln>
+          </p:spPr>
+          <p:style>
+            <a:lnRef idx="1">
+              <a:schemeClr val="accent1"/>
+            </a:lnRef>
+            <a:fillRef idx="3">
+              <a:schemeClr val="accent1"/>
+            </a:fillRef>
+            <a:effectRef idx="2">
+              <a:schemeClr val="accent1"/>
+            </a:effectRef>
+            <a:fontRef idx="minor">
+              <a:schemeClr val="lt1"/>
+            </a:fontRef>
+          </p:style>
+          <p:txBody>
+            <a:bodyPr rtlCol="0" anchor="ctr"/>
+            <a:lstStyle/>
+            <a:p>
+              <a:pPr algn="ctr"/>
+              <a:endParaRPr lang="en-US"/>
+            </a:p>
+          </p:txBody>
+        </p:sp>
+        <p:pic>
+          <p:nvPicPr>
+            <p:cNvPr id="4" name="Graphic 3" descr="Line arrow Straight">
+              <a:extLst>
+                <a:ext uri="{FF2B5EF4-FFF2-40B4-BE49-F238E27FC236}">
+                  <a16:creationId xmlns:a16="http://schemas.microsoft.com/office/drawing/2014/main" id="{47D34912-B3C9-40C2-9621-C34E75B2D23A}"/>
+                </a:ext>
+              </a:extLst>
+            </p:cNvPr>
+            <p:cNvPicPr>
+              <a:picLocks noChangeAspect="1"/>
+            </p:cNvPicPr>
+            <p:nvPr/>
+          </p:nvPicPr>
+          <p:blipFill>
+            <a:blip r:embed="rId4">
+              <a:extLst>
+                <a:ext uri="{96DAC541-7B7A-43D3-8B79-37D633B846F1}">
+                  <asvg:svgBlip xmlns:asvg="http://schemas.microsoft.com/office/drawing/2016/SVG/main" r:embed="rId5"/>
+                </a:ext>
+              </a:extLst>
+            </a:blip>
+            <a:stretch>
+              <a:fillRect/>
+            </a:stretch>
+          </p:blipFill>
+          <p:spPr>
+            <a:xfrm rot="14708482">
+              <a:off x="1325880" y="3916570"/>
+              <a:ext cx="342995" cy="399924"/>
+            </a:xfrm>
+            <a:prstGeom prst="rect">
+              <a:avLst/>
+            </a:prstGeom>
+          </p:spPr>
+        </p:pic>
+        <p:pic>
+          <p:nvPicPr>
+            <p:cNvPr id="10" name="Graphic 9" descr="Line arrow Straight">
+              <a:extLst>
+                <a:ext uri="{FF2B5EF4-FFF2-40B4-BE49-F238E27FC236}">
+                  <a16:creationId xmlns:a16="http://schemas.microsoft.com/office/drawing/2014/main" id="{A7081011-DB30-4BE3-B599-7C862DAFB9C7}"/>
+                </a:ext>
+              </a:extLst>
+            </p:cNvPr>
+            <p:cNvPicPr>
+              <a:picLocks noChangeAspect="1"/>
+            </p:cNvPicPr>
+            <p:nvPr/>
+          </p:nvPicPr>
+          <p:blipFill>
+            <a:blip r:embed="rId4">
+              <a:extLst>
+                <a:ext uri="{96DAC541-7B7A-43D3-8B79-37D633B846F1}">
+                  <asvg:svgBlip xmlns:asvg="http://schemas.microsoft.com/office/drawing/2016/SVG/main" r:embed="rId5"/>
+                </a:ext>
+              </a:extLst>
+            </a:blip>
+            <a:stretch>
+              <a:fillRect/>
+            </a:stretch>
+          </p:blipFill>
+          <p:spPr>
+            <a:xfrm rot="14708482">
+              <a:off x="1415563" y="4179526"/>
+              <a:ext cx="342995" cy="399924"/>
+            </a:xfrm>
+            <a:prstGeom prst="rect">
+              <a:avLst/>
+            </a:prstGeom>
+          </p:spPr>
+        </p:pic>
+        <p:pic>
+          <p:nvPicPr>
+            <p:cNvPr id="11" name="Graphic 10" descr="Line arrow Straight">
+              <a:extLst>
+                <a:ext uri="{FF2B5EF4-FFF2-40B4-BE49-F238E27FC236}">
+                  <a16:creationId xmlns:a16="http://schemas.microsoft.com/office/drawing/2014/main" id="{DAA63291-1807-470F-BA0E-98FEFA96D04D}"/>
+                </a:ext>
+              </a:extLst>
+            </p:cNvPr>
+            <p:cNvPicPr>
+              <a:picLocks noChangeAspect="1"/>
+            </p:cNvPicPr>
+            <p:nvPr/>
+          </p:nvPicPr>
+          <p:blipFill>
+            <a:blip r:embed="rId4">
+              <a:extLst>
+                <a:ext uri="{96DAC541-7B7A-43D3-8B79-37D633B846F1}">
+                  <asvg:svgBlip xmlns:asvg="http://schemas.microsoft.com/office/drawing/2016/SVG/main" r:embed="rId5"/>
+                </a:ext>
+              </a:extLst>
+            </a:blip>
+            <a:stretch>
+              <a:fillRect/>
+            </a:stretch>
+          </p:blipFill>
+          <p:spPr>
+            <a:xfrm rot="14708482">
+              <a:off x="1505244" y="4331925"/>
+              <a:ext cx="342995" cy="399924"/>
+            </a:xfrm>
+            <a:prstGeom prst="rect">
+              <a:avLst/>
+            </a:prstGeom>
+          </p:spPr>
+        </p:pic>
+        <p:pic>
+          <p:nvPicPr>
+            <p:cNvPr id="12" name="Graphic 11" descr="Line arrow Straight">
+              <a:extLst>
+                <a:ext uri="{FF2B5EF4-FFF2-40B4-BE49-F238E27FC236}">
+                  <a16:creationId xmlns:a16="http://schemas.microsoft.com/office/drawing/2014/main" id="{4F30B5DA-6B94-4BCA-9E45-E40CE5A75A72}"/>
+                </a:ext>
+              </a:extLst>
+            </p:cNvPr>
+            <p:cNvPicPr>
+              <a:picLocks noChangeAspect="1"/>
+            </p:cNvPicPr>
+            <p:nvPr/>
+          </p:nvPicPr>
+          <p:blipFill>
+            <a:blip r:embed="rId4">
+              <a:extLst>
+                <a:ext uri="{96DAC541-7B7A-43D3-8B79-37D633B846F1}">
+                  <asvg:svgBlip xmlns:asvg="http://schemas.microsoft.com/office/drawing/2016/SVG/main" r:embed="rId5"/>
+                </a:ext>
+              </a:extLst>
+            </a:blip>
+            <a:stretch>
+              <a:fillRect/>
+            </a:stretch>
+          </p:blipFill>
+          <p:spPr>
+            <a:xfrm rot="14708482">
+              <a:off x="1627555" y="4569719"/>
+              <a:ext cx="342995" cy="399924"/>
+            </a:xfrm>
+            <a:prstGeom prst="rect">
+              <a:avLst/>
+            </a:prstGeom>
+          </p:spPr>
+        </p:pic>
+        <p:pic>
+          <p:nvPicPr>
+            <p:cNvPr id="13" name="Graphic 12" descr="Line arrow Straight">
+              <a:extLst>
+                <a:ext uri="{FF2B5EF4-FFF2-40B4-BE49-F238E27FC236}">
+                  <a16:creationId xmlns:a16="http://schemas.microsoft.com/office/drawing/2014/main" id="{CE099CE3-8129-46CE-A1CA-8C1A916AAD30}"/>
+                </a:ext>
+              </a:extLst>
+            </p:cNvPr>
+            <p:cNvPicPr>
+              <a:picLocks noChangeAspect="1"/>
+            </p:cNvPicPr>
+            <p:nvPr/>
+          </p:nvPicPr>
+          <p:blipFill>
+            <a:blip r:embed="rId4">
+              <a:extLst>
+                <a:ext uri="{96DAC541-7B7A-43D3-8B79-37D633B846F1}">
+                  <asvg:svgBlip xmlns:asvg="http://schemas.microsoft.com/office/drawing/2016/SVG/main" r:embed="rId5"/>
+                </a:ext>
+              </a:extLst>
+            </a:blip>
+            <a:stretch>
+              <a:fillRect/>
+            </a:stretch>
+          </p:blipFill>
+          <p:spPr>
+            <a:xfrm rot="14708482">
+              <a:off x="1627392" y="4770766"/>
+              <a:ext cx="460309" cy="399924"/>
+            </a:xfrm>
+            <a:prstGeom prst="rect">
+              <a:avLst/>
+            </a:prstGeom>
+          </p:spPr>
+        </p:pic>
+        <p:pic>
+          <p:nvPicPr>
+            <p:cNvPr id="14" name="Graphic 13" descr="Line arrow Straight">
+              <a:extLst>
+                <a:ext uri="{FF2B5EF4-FFF2-40B4-BE49-F238E27FC236}">
+                  <a16:creationId xmlns:a16="http://schemas.microsoft.com/office/drawing/2014/main" id="{F56C5441-C3E1-4C97-91A1-793F577EE4C5}"/>
+                </a:ext>
+              </a:extLst>
+            </p:cNvPr>
+            <p:cNvPicPr>
+              <a:picLocks noChangeAspect="1"/>
+            </p:cNvPicPr>
+            <p:nvPr/>
+          </p:nvPicPr>
+          <p:blipFill>
+            <a:blip r:embed="rId4">
+              <a:extLst>
+                <a:ext uri="{96DAC541-7B7A-43D3-8B79-37D633B846F1}">
+                  <asvg:svgBlip xmlns:asvg="http://schemas.microsoft.com/office/drawing/2016/SVG/main" r:embed="rId5"/>
+                </a:ext>
+              </a:extLst>
+            </a:blip>
+            <a:stretch>
+              <a:fillRect/>
+            </a:stretch>
+          </p:blipFill>
+          <p:spPr>
+            <a:xfrm rot="14708482">
+              <a:off x="1891077" y="5038195"/>
+              <a:ext cx="329981" cy="399924"/>
+            </a:xfrm>
+            <a:prstGeom prst="rect">
+              <a:avLst/>
+            </a:prstGeom>
+          </p:spPr>
+        </p:pic>
+        <p:pic>
+          <p:nvPicPr>
+            <p:cNvPr id="15" name="Graphic 14" descr="Line arrow Straight">
+              <a:extLst>
+                <a:ext uri="{FF2B5EF4-FFF2-40B4-BE49-F238E27FC236}">
+                  <a16:creationId xmlns:a16="http://schemas.microsoft.com/office/drawing/2014/main" id="{8A142172-944D-457A-BE17-2573E9699859}"/>
+                </a:ext>
+              </a:extLst>
+            </p:cNvPr>
+            <p:cNvPicPr>
+              <a:picLocks noChangeAspect="1"/>
+            </p:cNvPicPr>
+            <p:nvPr/>
+          </p:nvPicPr>
+          <p:blipFill>
+            <a:blip r:embed="rId4">
+              <a:extLst>
+                <a:ext uri="{96DAC541-7B7A-43D3-8B79-37D633B846F1}">
+                  <asvg:svgBlip xmlns:asvg="http://schemas.microsoft.com/office/drawing/2016/SVG/main" r:embed="rId5"/>
+                </a:ext>
+              </a:extLst>
+            </a:blip>
+            <a:stretch>
+              <a:fillRect/>
+            </a:stretch>
+          </p:blipFill>
+          <p:spPr>
+            <a:xfrm rot="13286496">
+              <a:off x="2016747" y="5282743"/>
+              <a:ext cx="406028" cy="399924"/>
+            </a:xfrm>
+            <a:prstGeom prst="rect">
+              <a:avLst/>
+            </a:prstGeom>
+          </p:spPr>
+        </p:pic>
+        <p:pic>
+          <p:nvPicPr>
+            <p:cNvPr id="16" name="Graphic 15" descr="Line arrow Straight">
+              <a:extLst>
+                <a:ext uri="{FF2B5EF4-FFF2-40B4-BE49-F238E27FC236}">
+                  <a16:creationId xmlns:a16="http://schemas.microsoft.com/office/drawing/2014/main" id="{1984F53E-48BD-4A7B-9389-ECC38097B1D7}"/>
+                </a:ext>
+              </a:extLst>
+            </p:cNvPr>
+            <p:cNvPicPr>
+              <a:picLocks noChangeAspect="1"/>
+            </p:cNvPicPr>
+            <p:nvPr/>
+          </p:nvPicPr>
+          <p:blipFill>
+            <a:blip r:embed="rId4">
+              <a:extLst>
+                <a:ext uri="{96DAC541-7B7A-43D3-8B79-37D633B846F1}">
+                  <asvg:svgBlip xmlns:asvg="http://schemas.microsoft.com/office/drawing/2016/SVG/main" r:embed="rId5"/>
+                </a:ext>
+              </a:extLst>
+            </a:blip>
+            <a:stretch>
+              <a:fillRect/>
+            </a:stretch>
+          </p:blipFill>
+          <p:spPr>
+            <a:xfrm rot="12071600">
+              <a:off x="2348514" y="5447346"/>
+              <a:ext cx="348306" cy="399924"/>
+            </a:xfrm>
+            <a:prstGeom prst="rect">
+              <a:avLst/>
+            </a:prstGeom>
+          </p:spPr>
+        </p:pic>
+        <p:pic>
+          <p:nvPicPr>
+            <p:cNvPr id="17" name="Graphic 16" descr="Line arrow Straight">
+              <a:extLst>
+                <a:ext uri="{FF2B5EF4-FFF2-40B4-BE49-F238E27FC236}">
+                  <a16:creationId xmlns:a16="http://schemas.microsoft.com/office/drawing/2014/main" id="{29BF2F3D-1479-4EBC-8C9B-8C9537F77B19}"/>
+                </a:ext>
+              </a:extLst>
+            </p:cNvPr>
+            <p:cNvPicPr>
+              <a:picLocks noChangeAspect="1"/>
+            </p:cNvPicPr>
+            <p:nvPr/>
+          </p:nvPicPr>
+          <p:blipFill>
+            <a:blip r:embed="rId4">
+              <a:extLst>
+                <a:ext uri="{96DAC541-7B7A-43D3-8B79-37D633B846F1}">
+                  <asvg:svgBlip xmlns:asvg="http://schemas.microsoft.com/office/drawing/2016/SVG/main" r:embed="rId5"/>
+                </a:ext>
+              </a:extLst>
+            </a:blip>
+            <a:stretch>
+              <a:fillRect/>
+            </a:stretch>
+          </p:blipFill>
+          <p:spPr>
+            <a:xfrm rot="12644637">
+              <a:off x="2220065" y="5380271"/>
+              <a:ext cx="298318" cy="399924"/>
+            </a:xfrm>
+            <a:prstGeom prst="rect">
+              <a:avLst/>
+            </a:prstGeom>
+          </p:spPr>
+        </p:pic>
+        <p:sp>
+          <p:nvSpPr>
+            <p:cNvPr id="6" name="Oval 5">
+              <a:extLst>
+                <a:ext uri="{FF2B5EF4-FFF2-40B4-BE49-F238E27FC236}">
+                  <a16:creationId xmlns:a16="http://schemas.microsoft.com/office/drawing/2014/main" id="{C5DDA4D1-6B3A-4945-8389-8C0C48BE9C62}"/>
+                </a:ext>
+              </a:extLst>
+            </p:cNvPr>
+            <p:cNvSpPr/>
+            <p:nvPr/>
+          </p:nvSpPr>
+          <p:spPr>
+            <a:xfrm>
+              <a:off x="2598827" y="5506638"/>
+              <a:ext cx="167630" cy="157724"/>
+            </a:xfrm>
+            <a:prstGeom prst="ellipse">
+              <a:avLst/>
+            </a:prstGeom>
+          </p:spPr>
+          <p:style>
+            <a:lnRef idx="1">
+              <a:schemeClr val="accent1"/>
+            </a:lnRef>
+            <a:fillRef idx="3">
+              <a:schemeClr val="accent1"/>
+            </a:fillRef>
+            <a:effectRef idx="2">
+              <a:schemeClr val="accent1"/>
+            </a:effectRef>
+            <a:fontRef idx="minor">
+              <a:schemeClr val="lt1"/>
+            </a:fontRef>
+          </p:style>
+          <p:txBody>
+            <a:bodyPr rtlCol="0" anchor="ctr"/>
+            <a:lstStyle/>
+            <a:p>
+              <a:pPr algn="ctr"/>
+              <a:endParaRPr lang="en-US"/>
+            </a:p>
+          </p:txBody>
+        </p:sp>
+        <p:cxnSp>
+          <p:nvCxnSpPr>
+            <p:cNvPr id="8" name="Straight Arrow Connector 7">
+              <a:extLst>
+                <a:ext uri="{FF2B5EF4-FFF2-40B4-BE49-F238E27FC236}">
+                  <a16:creationId xmlns:a16="http://schemas.microsoft.com/office/drawing/2014/main" id="{E745B8E0-5697-4CE9-A928-E2EBF13A941B}"/>
+                </a:ext>
+              </a:extLst>
+            </p:cNvPr>
+            <p:cNvCxnSpPr>
+              <a:cxnSpLocks/>
+              <a:endCxn id="6" idx="6"/>
+            </p:cNvCxnSpPr>
+            <p:nvPr/>
+          </p:nvCxnSpPr>
+          <p:spPr>
+            <a:xfrm flipH="1" flipV="1">
+              <a:off x="2766457" y="5585500"/>
+              <a:ext cx="2126816" cy="661832"/>
+            </a:xfrm>
+            <a:prstGeom prst="straightConnector1">
+              <a:avLst/>
+            </a:prstGeom>
+            <a:ln>
+              <a:tailEnd type="triangle"/>
+            </a:ln>
+          </p:spPr>
+          <p:style>
+            <a:lnRef idx="2">
+              <a:schemeClr val="accent1"/>
+            </a:lnRef>
+            <a:fillRef idx="0">
+              <a:schemeClr val="accent1"/>
+            </a:fillRef>
+            <a:effectRef idx="1">
+              <a:schemeClr val="accent1"/>
+            </a:effectRef>
+            <a:fontRef idx="minor">
+              <a:schemeClr val="tx1"/>
+            </a:fontRef>
+          </p:style>
+        </p:cxnSp>
+        <p:sp>
+          <p:nvSpPr>
+            <p:cNvPr id="9" name="TextBox 8">
+              <a:extLst>
+                <a:ext uri="{FF2B5EF4-FFF2-40B4-BE49-F238E27FC236}">
+                  <a16:creationId xmlns:a16="http://schemas.microsoft.com/office/drawing/2014/main" id="{1E1DADE2-638B-4BEA-BD61-503C5947A27E}"/>
+                </a:ext>
+              </a:extLst>
+            </p:cNvPr>
+            <p:cNvSpPr txBox="1"/>
+            <p:nvPr/>
+          </p:nvSpPr>
+          <p:spPr>
+            <a:xfrm>
+              <a:off x="4903209" y="5970595"/>
+              <a:ext cx="1435008" cy="461665"/>
+            </a:xfrm>
+            <a:prstGeom prst="rect">
+              <a:avLst/>
+            </a:prstGeom>
+            <a:noFill/>
+          </p:spPr>
+          <p:txBody>
+            <a:bodyPr wrap="none" rtlCol="0">
+              <a:spAutoFit/>
+            </a:bodyPr>
+            <a:lstStyle/>
+            <a:p>
+              <a:r>
+                <a:rPr lang="en-US" dirty="0">
+                  <a:solidFill>
+                    <a:srgbClr val="E46102"/>
+                  </a:solidFill>
+                </a:rPr>
+                <a:t>minimum</a:t>
+              </a:r>
+            </a:p>
+          </p:txBody>
+        </p:sp>
+      </p:grpSp>
+      <p:sp>
+        <p:nvSpPr>
+          <p:cNvPr id="3" name="Google Shape;96;p14">
             <a:extLst>
               <a:ext uri="{FF2B5EF4-FFF2-40B4-BE49-F238E27FC236}">
-                <a16:creationId xmlns:a16="http://schemas.microsoft.com/office/drawing/2014/main" id="{E745B8E0-5697-4CE9-A928-E2EBF13A941B}"/>
-              </a:ext>
-            </a:extLst>
-          </p:cNvPr>
-          <p:cNvCxnSpPr>
-            <a:cxnSpLocks/>
-            <a:endCxn id="6" idx="6"/>
-          </p:cNvCxnSpPr>
-          <p:nvPr/>
-        </p:nvCxnSpPr>
-        <p:spPr>
-          <a:xfrm flipH="1" flipV="1">
-            <a:off x="3344678" y="5545159"/>
-            <a:ext cx="2126816" cy="661832"/>
-          </a:xfrm>
-          <a:prstGeom prst="straightConnector1">
-            <a:avLst/>
-          </a:prstGeom>
-          <a:ln>
-            <a:tailEnd type="triangle"/>
-          </a:ln>
-        </p:spPr>
-        <p:style>
-          <a:lnRef idx="2">
-            <a:schemeClr val="accent1"/>
-          </a:lnRef>
-          <a:fillRef idx="0">
-            <a:schemeClr val="accent1"/>
-          </a:fillRef>
-          <a:effectRef idx="1">
-            <a:schemeClr val="accent1"/>
-          </a:effectRef>
-          <a:fontRef idx="minor">
-            <a:schemeClr val="tx1"/>
-          </a:fontRef>
-        </p:style>
-      </p:cxnSp>
-      <p:sp>
-        <p:nvSpPr>
-          <p:cNvPr id="9" name="TextBox 8">
-            <a:extLst>
-              <a:ext uri="{FF2B5EF4-FFF2-40B4-BE49-F238E27FC236}">
-                <a16:creationId xmlns:a16="http://schemas.microsoft.com/office/drawing/2014/main" id="{1E1DADE2-638B-4BEA-BD61-503C5947A27E}"/>
+                <a16:creationId xmlns:a16="http://schemas.microsoft.com/office/drawing/2014/main" id="{7A90D06B-5566-7146-E506-9B18D1A5F346}"/>
               </a:ext>
             </a:extLst>
           </p:cNvPr>
@@ -11109,28 +11167,34 @@
         </p:nvSpPr>
         <p:spPr>
           <a:xfrm>
-            <a:off x="5481430" y="5930254"/>
-            <a:ext cx="1435008" cy="461665"/>
+            <a:off x="273424" y="1383829"/>
+            <a:ext cx="11759034" cy="527903"/>
           </a:xfrm>
           <a:prstGeom prst="rect">
             <a:avLst/>
           </a:prstGeom>
           <a:noFill/>
+          <a:ln>
+            <a:solidFill>
+              <a:schemeClr val="accent1"/>
+            </a:solidFill>
+          </a:ln>
         </p:spPr>
         <p:txBody>
-          <a:bodyPr wrap="none" rtlCol="0">
-            <a:spAutoFit/>
+          <a:bodyPr spcFirstLastPara="1" wrap="square" lIns="121900" tIns="121900" rIns="121900" bIns="121900" anchor="t" anchorCtr="0">
+            <a:noAutofit/>
           </a:bodyPr>
           <a:lstStyle/>
           <a:p>
             <a:r>
-              <a:rPr lang="en-US" dirty="0">
-                <a:solidFill>
-                  <a:srgbClr val="E46102"/>
-                </a:solidFill>
-              </a:rPr>
-              <a:t>minimum</a:t>
-            </a:r>
+              <a:rPr lang="en-US" b="1" dirty="0"/>
+              <a:t>Intuition</a:t>
+            </a:r>
+            <a:r>
+              <a:rPr lang="en-US" dirty="0"/>
+              <a:t>: Tweak parameters iteratively in order to minimize a cost function</a:t>
+            </a:r>
+            <a:endParaRPr dirty="0"/>
           </a:p>
         </p:txBody>
       </p:sp>
@@ -11144,782 +11208,6 @@
   <p:clrMapOvr>
     <a:masterClrMapping/>
   </p:clrMapOvr>
-  <p:timing>
-    <p:tnLst>
-      <p:par>
-        <p:cTn id="1" dur="indefinite" restart="never" nodeType="tmRoot">
-          <p:childTnLst>
-            <p:seq concurrent="1" nextAc="seek">
-              <p:cTn id="2" dur="indefinite" nodeType="mainSeq">
-                <p:childTnLst>
-                  <p:par>
-                    <p:cTn id="3" fill="hold">
-                      <p:stCondLst>
-                        <p:cond delay="indefinite"/>
-                      </p:stCondLst>
-                      <p:childTnLst>
-                        <p:par>
-                          <p:cTn id="4" fill="hold">
-                            <p:stCondLst>
-                              <p:cond delay="0"/>
-                            </p:stCondLst>
-                            <p:childTnLst>
-                              <p:par>
-                                <p:cTn id="5" presetID="1" presetClass="entr" presetSubtype="0" fill="hold" grpId="0" nodeType="clickEffect">
-                                  <p:stCondLst>
-                                    <p:cond delay="0"/>
-                                  </p:stCondLst>
-                                  <p:childTnLst>
-                                    <p:set>
-                                      <p:cBhvr>
-                                        <p:cTn id="6" dur="1" fill="hold">
-                                          <p:stCondLst>
-                                            <p:cond delay="0"/>
-                                          </p:stCondLst>
-                                        </p:cTn>
-                                        <p:tgtEl>
-                                          <p:spTgt spid="96"/>
-                                        </p:tgtEl>
-                                        <p:attrNameLst>
-                                          <p:attrName>style.visibility</p:attrName>
-                                        </p:attrNameLst>
-                                      </p:cBhvr>
-                                      <p:to>
-                                        <p:strVal val="visible"/>
-                                      </p:to>
-                                    </p:set>
-                                  </p:childTnLst>
-                                </p:cTn>
-                              </p:par>
-                            </p:childTnLst>
-                          </p:cTn>
-                        </p:par>
-                      </p:childTnLst>
-                    </p:cTn>
-                  </p:par>
-                  <p:par>
-                    <p:cTn id="7" fill="hold">
-                      <p:stCondLst>
-                        <p:cond delay="indefinite"/>
-                      </p:stCondLst>
-                      <p:childTnLst>
-                        <p:par>
-                          <p:cTn id="8" fill="hold">
-                            <p:stCondLst>
-                              <p:cond delay="0"/>
-                            </p:stCondLst>
-                            <p:childTnLst>
-                              <p:par>
-                                <p:cTn id="9" presetID="1" presetClass="entr" presetSubtype="0" fill="hold" nodeType="clickEffect">
-                                  <p:stCondLst>
-                                    <p:cond delay="0"/>
-                                  </p:stCondLst>
-                                  <p:childTnLst>
-                                    <p:set>
-                                      <p:cBhvr>
-                                        <p:cTn id="10" dur="1" fill="hold">
-                                          <p:stCondLst>
-                                            <p:cond delay="0"/>
-                                          </p:stCondLst>
-                                        </p:cTn>
-                                        <p:tgtEl>
-                                          <p:spTgt spid="96">
-                                            <p:txEl>
-                                              <p:pRg st="1" end="1"/>
-                                            </p:txEl>
-                                          </p:spTgt>
-                                        </p:tgtEl>
-                                        <p:attrNameLst>
-                                          <p:attrName>style.visibility</p:attrName>
-                                        </p:attrNameLst>
-                                      </p:cBhvr>
-                                      <p:to>
-                                        <p:strVal val="visible"/>
-                                      </p:to>
-                                    </p:set>
-                                  </p:childTnLst>
-                                </p:cTn>
-                              </p:par>
-                            </p:childTnLst>
-                          </p:cTn>
-                        </p:par>
-                      </p:childTnLst>
-                    </p:cTn>
-                  </p:par>
-                  <p:par>
-                    <p:cTn id="11" fill="hold">
-                      <p:stCondLst>
-                        <p:cond delay="indefinite"/>
-                      </p:stCondLst>
-                      <p:childTnLst>
-                        <p:par>
-                          <p:cTn id="12" fill="hold">
-                            <p:stCondLst>
-                              <p:cond delay="0"/>
-                            </p:stCondLst>
-                            <p:childTnLst>
-                              <p:par>
-                                <p:cTn id="13" presetID="1" presetClass="entr" presetSubtype="0" fill="hold" nodeType="clickEffect">
-                                  <p:stCondLst>
-                                    <p:cond delay="0"/>
-                                  </p:stCondLst>
-                                  <p:childTnLst>
-                                    <p:set>
-                                      <p:cBhvr>
-                                        <p:cTn id="14" dur="1" fill="hold">
-                                          <p:stCondLst>
-                                            <p:cond delay="0"/>
-                                          </p:stCondLst>
-                                        </p:cTn>
-                                        <p:tgtEl>
-                                          <p:spTgt spid="3078"/>
-                                        </p:tgtEl>
-                                        <p:attrNameLst>
-                                          <p:attrName>style.visibility</p:attrName>
-                                        </p:attrNameLst>
-                                      </p:cBhvr>
-                                      <p:to>
-                                        <p:strVal val="visible"/>
-                                      </p:to>
-                                    </p:set>
-                                  </p:childTnLst>
-                                </p:cTn>
-                              </p:par>
-                            </p:childTnLst>
-                          </p:cTn>
-                        </p:par>
-                      </p:childTnLst>
-                    </p:cTn>
-                  </p:par>
-                  <p:par>
-                    <p:cTn id="15" fill="hold">
-                      <p:stCondLst>
-                        <p:cond delay="indefinite"/>
-                      </p:stCondLst>
-                      <p:childTnLst>
-                        <p:par>
-                          <p:cTn id="16" fill="hold">
-                            <p:stCondLst>
-                              <p:cond delay="0"/>
-                            </p:stCondLst>
-                            <p:childTnLst>
-                              <p:par>
-                                <p:cTn id="17" presetID="1" presetClass="entr" presetSubtype="0" fill="hold" grpId="0" nodeType="clickEffect">
-                                  <p:stCondLst>
-                                    <p:cond delay="0"/>
-                                  </p:stCondLst>
-                                  <p:childTnLst>
-                                    <p:set>
-                                      <p:cBhvr>
-                                        <p:cTn id="18" dur="1" fill="hold">
-                                          <p:stCondLst>
-                                            <p:cond delay="0"/>
-                                          </p:stCondLst>
-                                        </p:cTn>
-                                        <p:tgtEl>
-                                          <p:spTgt spid="2"/>
-                                        </p:tgtEl>
-                                        <p:attrNameLst>
-                                          <p:attrName>style.visibility</p:attrName>
-                                        </p:attrNameLst>
-                                      </p:cBhvr>
-                                      <p:to>
-                                        <p:strVal val="visible"/>
-                                      </p:to>
-                                    </p:set>
-                                  </p:childTnLst>
-                                </p:cTn>
-                              </p:par>
-                            </p:childTnLst>
-                          </p:cTn>
-                        </p:par>
-                      </p:childTnLst>
-                    </p:cTn>
-                  </p:par>
-                  <p:par>
-                    <p:cTn id="19" fill="hold">
-                      <p:stCondLst>
-                        <p:cond delay="indefinite"/>
-                      </p:stCondLst>
-                      <p:childTnLst>
-                        <p:par>
-                          <p:cTn id="20" fill="hold">
-                            <p:stCondLst>
-                              <p:cond delay="0"/>
-                            </p:stCondLst>
-                            <p:childTnLst>
-                              <p:par>
-                                <p:cTn id="21" presetID="1" presetClass="entr" presetSubtype="0" fill="hold" nodeType="clickEffect">
-                                  <p:stCondLst>
-                                    <p:cond delay="0"/>
-                                  </p:stCondLst>
-                                  <p:childTnLst>
-                                    <p:set>
-                                      <p:cBhvr>
-                                        <p:cTn id="22" dur="1" fill="hold">
-                                          <p:stCondLst>
-                                            <p:cond delay="0"/>
-                                          </p:stCondLst>
-                                        </p:cTn>
-                                        <p:tgtEl>
-                                          <p:spTgt spid="96">
-                                            <p:txEl>
-                                              <p:pRg st="2" end="2"/>
-                                            </p:txEl>
-                                          </p:spTgt>
-                                        </p:tgtEl>
-                                        <p:attrNameLst>
-                                          <p:attrName>style.visibility</p:attrName>
-                                        </p:attrNameLst>
-                                      </p:cBhvr>
-                                      <p:to>
-                                        <p:strVal val="visible"/>
-                                      </p:to>
-                                    </p:set>
-                                  </p:childTnLst>
-                                </p:cTn>
-                              </p:par>
-                            </p:childTnLst>
-                          </p:cTn>
-                        </p:par>
-                      </p:childTnLst>
-                    </p:cTn>
-                  </p:par>
-                  <p:par>
-                    <p:cTn id="23" fill="hold">
-                      <p:stCondLst>
-                        <p:cond delay="indefinite"/>
-                      </p:stCondLst>
-                      <p:childTnLst>
-                        <p:par>
-                          <p:cTn id="24" fill="hold">
-                            <p:stCondLst>
-                              <p:cond delay="0"/>
-                            </p:stCondLst>
-                            <p:childTnLst>
-                              <p:par>
-                                <p:cTn id="25" presetID="1" presetClass="entr" presetSubtype="0" fill="hold" nodeType="clickEffect">
-                                  <p:stCondLst>
-                                    <p:cond delay="0"/>
-                                  </p:stCondLst>
-                                  <p:childTnLst>
-                                    <p:set>
-                                      <p:cBhvr>
-                                        <p:cTn id="26" dur="1" fill="hold">
-                                          <p:stCondLst>
-                                            <p:cond delay="0"/>
-                                          </p:stCondLst>
-                                        </p:cTn>
-                                        <p:tgtEl>
-                                          <p:spTgt spid="4"/>
-                                        </p:tgtEl>
-                                        <p:attrNameLst>
-                                          <p:attrName>style.visibility</p:attrName>
-                                        </p:attrNameLst>
-                                      </p:cBhvr>
-                                      <p:to>
-                                        <p:strVal val="visible"/>
-                                      </p:to>
-                                    </p:set>
-                                  </p:childTnLst>
-                                </p:cTn>
-                              </p:par>
-                              <p:par>
-                                <p:cTn id="27" presetID="1" presetClass="entr" presetSubtype="0" fill="hold" nodeType="withEffect">
-                                  <p:stCondLst>
-                                    <p:cond delay="0"/>
-                                  </p:stCondLst>
-                                  <p:childTnLst>
-                                    <p:set>
-                                      <p:cBhvr>
-                                        <p:cTn id="28" dur="1" fill="hold">
-                                          <p:stCondLst>
-                                            <p:cond delay="0"/>
-                                          </p:stCondLst>
-                                        </p:cTn>
-                                        <p:tgtEl>
-                                          <p:spTgt spid="10"/>
-                                        </p:tgtEl>
-                                        <p:attrNameLst>
-                                          <p:attrName>style.visibility</p:attrName>
-                                        </p:attrNameLst>
-                                      </p:cBhvr>
-                                      <p:to>
-                                        <p:strVal val="visible"/>
-                                      </p:to>
-                                    </p:set>
-                                  </p:childTnLst>
-                                </p:cTn>
-                              </p:par>
-                              <p:par>
-                                <p:cTn id="29" presetID="1" presetClass="entr" presetSubtype="0" fill="hold" nodeType="withEffect">
-                                  <p:stCondLst>
-                                    <p:cond delay="0"/>
-                                  </p:stCondLst>
-                                  <p:childTnLst>
-                                    <p:set>
-                                      <p:cBhvr>
-                                        <p:cTn id="30" dur="1" fill="hold">
-                                          <p:stCondLst>
-                                            <p:cond delay="0"/>
-                                          </p:stCondLst>
-                                        </p:cTn>
-                                        <p:tgtEl>
-                                          <p:spTgt spid="11"/>
-                                        </p:tgtEl>
-                                        <p:attrNameLst>
-                                          <p:attrName>style.visibility</p:attrName>
-                                        </p:attrNameLst>
-                                      </p:cBhvr>
-                                      <p:to>
-                                        <p:strVal val="visible"/>
-                                      </p:to>
-                                    </p:set>
-                                  </p:childTnLst>
-                                </p:cTn>
-                              </p:par>
-                              <p:par>
-                                <p:cTn id="31" presetID="1" presetClass="entr" presetSubtype="0" fill="hold" nodeType="withEffect">
-                                  <p:stCondLst>
-                                    <p:cond delay="0"/>
-                                  </p:stCondLst>
-                                  <p:childTnLst>
-                                    <p:set>
-                                      <p:cBhvr>
-                                        <p:cTn id="32" dur="1" fill="hold">
-                                          <p:stCondLst>
-                                            <p:cond delay="0"/>
-                                          </p:stCondLst>
-                                        </p:cTn>
-                                        <p:tgtEl>
-                                          <p:spTgt spid="12"/>
-                                        </p:tgtEl>
-                                        <p:attrNameLst>
-                                          <p:attrName>style.visibility</p:attrName>
-                                        </p:attrNameLst>
-                                      </p:cBhvr>
-                                      <p:to>
-                                        <p:strVal val="visible"/>
-                                      </p:to>
-                                    </p:set>
-                                  </p:childTnLst>
-                                </p:cTn>
-                              </p:par>
-                              <p:par>
-                                <p:cTn id="33" presetID="1" presetClass="entr" presetSubtype="0" fill="hold" nodeType="withEffect">
-                                  <p:stCondLst>
-                                    <p:cond delay="0"/>
-                                  </p:stCondLst>
-                                  <p:childTnLst>
-                                    <p:set>
-                                      <p:cBhvr>
-                                        <p:cTn id="34" dur="1" fill="hold">
-                                          <p:stCondLst>
-                                            <p:cond delay="0"/>
-                                          </p:stCondLst>
-                                        </p:cTn>
-                                        <p:tgtEl>
-                                          <p:spTgt spid="13"/>
-                                        </p:tgtEl>
-                                        <p:attrNameLst>
-                                          <p:attrName>style.visibility</p:attrName>
-                                        </p:attrNameLst>
-                                      </p:cBhvr>
-                                      <p:to>
-                                        <p:strVal val="visible"/>
-                                      </p:to>
-                                    </p:set>
-                                  </p:childTnLst>
-                                </p:cTn>
-                              </p:par>
-                              <p:par>
-                                <p:cTn id="35" presetID="1" presetClass="entr" presetSubtype="0" fill="hold" nodeType="withEffect">
-                                  <p:stCondLst>
-                                    <p:cond delay="0"/>
-                                  </p:stCondLst>
-                                  <p:childTnLst>
-                                    <p:set>
-                                      <p:cBhvr>
-                                        <p:cTn id="36" dur="1" fill="hold">
-                                          <p:stCondLst>
-                                            <p:cond delay="0"/>
-                                          </p:stCondLst>
-                                        </p:cTn>
-                                        <p:tgtEl>
-                                          <p:spTgt spid="14"/>
-                                        </p:tgtEl>
-                                        <p:attrNameLst>
-                                          <p:attrName>style.visibility</p:attrName>
-                                        </p:attrNameLst>
-                                      </p:cBhvr>
-                                      <p:to>
-                                        <p:strVal val="visible"/>
-                                      </p:to>
-                                    </p:set>
-                                  </p:childTnLst>
-                                </p:cTn>
-                              </p:par>
-                              <p:par>
-                                <p:cTn id="37" presetID="1" presetClass="entr" presetSubtype="0" fill="hold" nodeType="withEffect">
-                                  <p:stCondLst>
-                                    <p:cond delay="0"/>
-                                  </p:stCondLst>
-                                  <p:childTnLst>
-                                    <p:set>
-                                      <p:cBhvr>
-                                        <p:cTn id="38" dur="1" fill="hold">
-                                          <p:stCondLst>
-                                            <p:cond delay="0"/>
-                                          </p:stCondLst>
-                                        </p:cTn>
-                                        <p:tgtEl>
-                                          <p:spTgt spid="15"/>
-                                        </p:tgtEl>
-                                        <p:attrNameLst>
-                                          <p:attrName>style.visibility</p:attrName>
-                                        </p:attrNameLst>
-                                      </p:cBhvr>
-                                      <p:to>
-                                        <p:strVal val="visible"/>
-                                      </p:to>
-                                    </p:set>
-                                  </p:childTnLst>
-                                </p:cTn>
-                              </p:par>
-                              <p:par>
-                                <p:cTn id="39" presetID="1" presetClass="entr" presetSubtype="0" fill="hold" nodeType="withEffect">
-                                  <p:stCondLst>
-                                    <p:cond delay="0"/>
-                                  </p:stCondLst>
-                                  <p:childTnLst>
-                                    <p:set>
-                                      <p:cBhvr>
-                                        <p:cTn id="40" dur="1" fill="hold">
-                                          <p:stCondLst>
-                                            <p:cond delay="0"/>
-                                          </p:stCondLst>
-                                        </p:cTn>
-                                        <p:tgtEl>
-                                          <p:spTgt spid="16"/>
-                                        </p:tgtEl>
-                                        <p:attrNameLst>
-                                          <p:attrName>style.visibility</p:attrName>
-                                        </p:attrNameLst>
-                                      </p:cBhvr>
-                                      <p:to>
-                                        <p:strVal val="visible"/>
-                                      </p:to>
-                                    </p:set>
-                                  </p:childTnLst>
-                                </p:cTn>
-                              </p:par>
-                              <p:par>
-                                <p:cTn id="41" presetID="1" presetClass="entr" presetSubtype="0" fill="hold" nodeType="withEffect">
-                                  <p:stCondLst>
-                                    <p:cond delay="0"/>
-                                  </p:stCondLst>
-                                  <p:childTnLst>
-                                    <p:set>
-                                      <p:cBhvr>
-                                        <p:cTn id="42" dur="1" fill="hold">
-                                          <p:stCondLst>
-                                            <p:cond delay="0"/>
-                                          </p:stCondLst>
-                                        </p:cTn>
-                                        <p:tgtEl>
-                                          <p:spTgt spid="17"/>
-                                        </p:tgtEl>
-                                        <p:attrNameLst>
-                                          <p:attrName>style.visibility</p:attrName>
-                                        </p:attrNameLst>
-                                      </p:cBhvr>
-                                      <p:to>
-                                        <p:strVal val="visible"/>
-                                      </p:to>
-                                    </p:set>
-                                  </p:childTnLst>
-                                </p:cTn>
-                              </p:par>
-                            </p:childTnLst>
-                          </p:cTn>
-                        </p:par>
-                      </p:childTnLst>
-                    </p:cTn>
-                  </p:par>
-                  <p:par>
-                    <p:cTn id="43" fill="hold">
-                      <p:stCondLst>
-                        <p:cond delay="indefinite"/>
-                      </p:stCondLst>
-                      <p:childTnLst>
-                        <p:par>
-                          <p:cTn id="44" fill="hold">
-                            <p:stCondLst>
-                              <p:cond delay="0"/>
-                            </p:stCondLst>
-                            <p:childTnLst>
-                              <p:par>
-                                <p:cTn id="45" presetID="1" presetClass="entr" presetSubtype="0" fill="hold" nodeType="clickEffect">
-                                  <p:stCondLst>
-                                    <p:cond delay="0"/>
-                                  </p:stCondLst>
-                                  <p:childTnLst>
-                                    <p:set>
-                                      <p:cBhvr>
-                                        <p:cTn id="46" dur="1" fill="hold">
-                                          <p:stCondLst>
-                                            <p:cond delay="0"/>
-                                          </p:stCondLst>
-                                        </p:cTn>
-                                        <p:tgtEl>
-                                          <p:spTgt spid="5">
-                                            <p:txEl>
-                                              <p:pRg st="0" end="0"/>
-                                            </p:txEl>
-                                          </p:spTgt>
-                                        </p:tgtEl>
-                                        <p:attrNameLst>
-                                          <p:attrName>style.visibility</p:attrName>
-                                        </p:attrNameLst>
-                                      </p:cBhvr>
-                                      <p:to>
-                                        <p:strVal val="visible"/>
-                                      </p:to>
-                                    </p:set>
-                                  </p:childTnLst>
-                                </p:cTn>
-                              </p:par>
-                            </p:childTnLst>
-                          </p:cTn>
-                        </p:par>
-                      </p:childTnLst>
-                    </p:cTn>
-                  </p:par>
-                  <p:par>
-                    <p:cTn id="47" fill="hold">
-                      <p:stCondLst>
-                        <p:cond delay="indefinite"/>
-                      </p:stCondLst>
-                      <p:childTnLst>
-                        <p:par>
-                          <p:cTn id="48" fill="hold">
-                            <p:stCondLst>
-                              <p:cond delay="0"/>
-                            </p:stCondLst>
-                            <p:childTnLst>
-                              <p:par>
-                                <p:cTn id="49" presetID="1" presetClass="entr" presetSubtype="0" fill="hold" nodeType="clickEffect">
-                                  <p:stCondLst>
-                                    <p:cond delay="0"/>
-                                  </p:stCondLst>
-                                  <p:childTnLst>
-                                    <p:set>
-                                      <p:cBhvr>
-                                        <p:cTn id="50" dur="1" fill="hold">
-                                          <p:stCondLst>
-                                            <p:cond delay="0"/>
-                                          </p:stCondLst>
-                                        </p:cTn>
-                                        <p:tgtEl>
-                                          <p:spTgt spid="5">
-                                            <p:txEl>
-                                              <p:pRg st="2" end="2"/>
-                                            </p:txEl>
-                                          </p:spTgt>
-                                        </p:tgtEl>
-                                        <p:attrNameLst>
-                                          <p:attrName>style.visibility</p:attrName>
-                                        </p:attrNameLst>
-                                      </p:cBhvr>
-                                      <p:to>
-                                        <p:strVal val="visible"/>
-                                      </p:to>
-                                    </p:set>
-                                  </p:childTnLst>
-                                </p:cTn>
-                              </p:par>
-                            </p:childTnLst>
-                          </p:cTn>
-                        </p:par>
-                      </p:childTnLst>
-                    </p:cTn>
-                  </p:par>
-                  <p:par>
-                    <p:cTn id="51" fill="hold">
-                      <p:stCondLst>
-                        <p:cond delay="indefinite"/>
-                      </p:stCondLst>
-                      <p:childTnLst>
-                        <p:par>
-                          <p:cTn id="52" fill="hold">
-                            <p:stCondLst>
-                              <p:cond delay="0"/>
-                            </p:stCondLst>
-                            <p:childTnLst>
-                              <p:par>
-                                <p:cTn id="53" presetID="1" presetClass="entr" presetSubtype="0" fill="hold" nodeType="clickEffect">
-                                  <p:stCondLst>
-                                    <p:cond delay="0"/>
-                                  </p:stCondLst>
-                                  <p:childTnLst>
-                                    <p:set>
-                                      <p:cBhvr>
-                                        <p:cTn id="54" dur="1" fill="hold">
-                                          <p:stCondLst>
-                                            <p:cond delay="0"/>
-                                          </p:stCondLst>
-                                        </p:cTn>
-                                        <p:tgtEl>
-                                          <p:spTgt spid="5">
-                                            <p:txEl>
-                                              <p:pRg st="4" end="4"/>
-                                            </p:txEl>
-                                          </p:spTgt>
-                                        </p:tgtEl>
-                                        <p:attrNameLst>
-                                          <p:attrName>style.visibility</p:attrName>
-                                        </p:attrNameLst>
-                                      </p:cBhvr>
-                                      <p:to>
-                                        <p:strVal val="visible"/>
-                                      </p:to>
-                                    </p:set>
-                                  </p:childTnLst>
-                                </p:cTn>
-                              </p:par>
-                            </p:childTnLst>
-                          </p:cTn>
-                        </p:par>
-                      </p:childTnLst>
-                    </p:cTn>
-                  </p:par>
-                  <p:par>
-                    <p:cTn id="55" fill="hold">
-                      <p:stCondLst>
-                        <p:cond delay="indefinite"/>
-                      </p:stCondLst>
-                      <p:childTnLst>
-                        <p:par>
-                          <p:cTn id="56" fill="hold">
-                            <p:stCondLst>
-                              <p:cond delay="0"/>
-                            </p:stCondLst>
-                            <p:childTnLst>
-                              <p:par>
-                                <p:cTn id="57" presetID="1" presetClass="entr" presetSubtype="0" fill="hold" grpId="0" nodeType="clickEffect">
-                                  <p:stCondLst>
-                                    <p:cond delay="0"/>
-                                  </p:stCondLst>
-                                  <p:childTnLst>
-                                    <p:set>
-                                      <p:cBhvr>
-                                        <p:cTn id="58" dur="1" fill="hold">
-                                          <p:stCondLst>
-                                            <p:cond delay="0"/>
-                                          </p:stCondLst>
-                                        </p:cTn>
-                                        <p:tgtEl>
-                                          <p:spTgt spid="6"/>
-                                        </p:tgtEl>
-                                        <p:attrNameLst>
-                                          <p:attrName>style.visibility</p:attrName>
-                                        </p:attrNameLst>
-                                      </p:cBhvr>
-                                      <p:to>
-                                        <p:strVal val="visible"/>
-                                      </p:to>
-                                    </p:set>
-                                  </p:childTnLst>
-                                </p:cTn>
-                              </p:par>
-                              <p:par>
-                                <p:cTn id="59" presetID="1" presetClass="entr" presetSubtype="0" fill="hold" nodeType="withEffect">
-                                  <p:stCondLst>
-                                    <p:cond delay="0"/>
-                                  </p:stCondLst>
-                                  <p:childTnLst>
-                                    <p:set>
-                                      <p:cBhvr>
-                                        <p:cTn id="60" dur="1" fill="hold">
-                                          <p:stCondLst>
-                                            <p:cond delay="0"/>
-                                          </p:stCondLst>
-                                        </p:cTn>
-                                        <p:tgtEl>
-                                          <p:spTgt spid="8"/>
-                                        </p:tgtEl>
-                                        <p:attrNameLst>
-                                          <p:attrName>style.visibility</p:attrName>
-                                        </p:attrNameLst>
-                                      </p:cBhvr>
-                                      <p:to>
-                                        <p:strVal val="visible"/>
-                                      </p:to>
-                                    </p:set>
-                                  </p:childTnLst>
-                                </p:cTn>
-                              </p:par>
-                              <p:par>
-                                <p:cTn id="61" presetID="1" presetClass="entr" presetSubtype="0" fill="hold" grpId="0" nodeType="withEffect">
-                                  <p:stCondLst>
-                                    <p:cond delay="0"/>
-                                  </p:stCondLst>
-                                  <p:childTnLst>
-                                    <p:set>
-                                      <p:cBhvr>
-                                        <p:cTn id="62" dur="1" fill="hold">
-                                          <p:stCondLst>
-                                            <p:cond delay="0"/>
-                                          </p:stCondLst>
-                                        </p:cTn>
-                                        <p:tgtEl>
-                                          <p:spTgt spid="9"/>
-                                        </p:tgtEl>
-                                        <p:attrNameLst>
-                                          <p:attrName>style.visibility</p:attrName>
-                                        </p:attrNameLst>
-                                      </p:cBhvr>
-                                      <p:to>
-                                        <p:strVal val="visible"/>
-                                      </p:to>
-                                    </p:set>
-                                  </p:childTnLst>
-                                </p:cTn>
-                              </p:par>
-                            </p:childTnLst>
-                          </p:cTn>
-                        </p:par>
-                      </p:childTnLst>
-                    </p:cTn>
-                  </p:par>
-                </p:childTnLst>
-              </p:cTn>
-              <p:prevCondLst>
-                <p:cond evt="onPrev" delay="0">
-                  <p:tgtEl>
-                    <p:sldTgt/>
-                  </p:tgtEl>
-                </p:cond>
-              </p:prevCondLst>
-              <p:nextCondLst>
-                <p:cond evt="onNext" delay="0">
-                  <p:tgtEl>
-                    <p:sldTgt/>
-                  </p:tgtEl>
-                </p:cond>
-              </p:nextCondLst>
-            </p:seq>
-          </p:childTnLst>
-        </p:cTn>
-      </p:par>
-    </p:tnLst>
-    <p:bldLst>
-      <p:bldP spid="96" grpId="0"/>
-      <p:bldP spid="2" grpId="0" animBg="1"/>
-      <p:bldP spid="6" grpId="0" animBg="1"/>
-      <p:bldP spid="9" grpId="0"/>
-    </p:bldLst>
-  </p:timing>
 </p:sld>
 </file>
 

--- a/Syllabus/Lecture04/Lec04.pptx
+++ b/Syllabus/Lecture04/Lec04.pptx
@@ -5,10 +5,10 @@
     <p:sldMasterId id="2147483664" r:id="rId1"/>
   </p:sldMasterIdLst>
   <p:notesMasterIdLst>
-    <p:notesMasterId r:id="rId27"/>
+    <p:notesMasterId r:id="rId26"/>
   </p:notesMasterIdLst>
   <p:handoutMasterIdLst>
-    <p:handoutMasterId r:id="rId28"/>
+    <p:handoutMasterId r:id="rId27"/>
   </p:handoutMasterIdLst>
   <p:sldIdLst>
     <p:sldId id="266" r:id="rId2"/>
@@ -17,25 +17,24 @@
     <p:sldId id="313" r:id="rId5"/>
     <p:sldId id="315" r:id="rId6"/>
     <p:sldId id="348" r:id="rId7"/>
-    <p:sldId id="317" r:id="rId8"/>
-    <p:sldId id="341" r:id="rId9"/>
-    <p:sldId id="342" r:id="rId10"/>
-    <p:sldId id="318" r:id="rId11"/>
+    <p:sldId id="318" r:id="rId8"/>
+    <p:sldId id="317" r:id="rId9"/>
+    <p:sldId id="341" r:id="rId10"/>
+    <p:sldId id="342" r:id="rId11"/>
     <p:sldId id="344" r:id="rId12"/>
     <p:sldId id="343" r:id="rId13"/>
     <p:sldId id="319" r:id="rId14"/>
     <p:sldId id="320" r:id="rId15"/>
     <p:sldId id="321" r:id="rId16"/>
-    <p:sldId id="345" r:id="rId17"/>
-    <p:sldId id="323" r:id="rId18"/>
-    <p:sldId id="349" r:id="rId19"/>
-    <p:sldId id="324" r:id="rId20"/>
+    <p:sldId id="323" r:id="rId17"/>
+    <p:sldId id="349" r:id="rId18"/>
+    <p:sldId id="324" r:id="rId19"/>
+    <p:sldId id="351" r:id="rId20"/>
     <p:sldId id="325" r:id="rId21"/>
     <p:sldId id="346" r:id="rId22"/>
     <p:sldId id="326" r:id="rId23"/>
     <p:sldId id="327" r:id="rId24"/>
     <p:sldId id="347" r:id="rId25"/>
-    <p:sldId id="328" r:id="rId26"/>
   </p:sldIdLst>
   <p:sldSz cx="12192000" cy="6858000"/>
   <p:notesSz cx="6858000" cy="9144000"/>
@@ -145,25 +144,24 @@
             <p14:sldId id="313"/>
             <p14:sldId id="315"/>
             <p14:sldId id="348"/>
+            <p14:sldId id="318"/>
             <p14:sldId id="317"/>
             <p14:sldId id="341"/>
             <p14:sldId id="342"/>
-            <p14:sldId id="318"/>
             <p14:sldId id="344"/>
             <p14:sldId id="343"/>
             <p14:sldId id="319"/>
             <p14:sldId id="320"/>
             <p14:sldId id="321"/>
-            <p14:sldId id="345"/>
             <p14:sldId id="323"/>
             <p14:sldId id="349"/>
             <p14:sldId id="324"/>
+            <p14:sldId id="351"/>
             <p14:sldId id="325"/>
             <p14:sldId id="346"/>
             <p14:sldId id="326"/>
             <p14:sldId id="327"/>
             <p14:sldId id="347"/>
-            <p14:sldId id="328"/>
           </p14:sldIdLst>
         </p14:section>
       </p14:sectionLst>
@@ -1386,7 +1384,7 @@
     </p:spTree>
     <p:extLst>
       <p:ext uri="{BB962C8B-B14F-4D97-AF65-F5344CB8AC3E}">
-        <p14:creationId xmlns:p14="http://schemas.microsoft.com/office/powerpoint/2010/main" val="2057564126"/>
+        <p14:creationId xmlns:p14="http://schemas.microsoft.com/office/powerpoint/2010/main" val="2409460087"/>
       </p:ext>
     </p:extLst>
   </p:cSld>
@@ -1498,7 +1496,7 @@
     </p:spTree>
     <p:extLst>
       <p:ext uri="{BB962C8B-B14F-4D97-AF65-F5344CB8AC3E}">
-        <p14:creationId xmlns:p14="http://schemas.microsoft.com/office/powerpoint/2010/main" val="2409460087"/>
+        <p14:creationId xmlns:p14="http://schemas.microsoft.com/office/powerpoint/2010/main" val="3555463224"/>
       </p:ext>
     </p:extLst>
   </p:cSld>
@@ -1610,7 +1608,7 @@
     </p:spTree>
     <p:extLst>
       <p:ext uri="{BB962C8B-B14F-4D97-AF65-F5344CB8AC3E}">
-        <p14:creationId xmlns:p14="http://schemas.microsoft.com/office/powerpoint/2010/main" val="3555463224"/>
+        <p14:creationId xmlns:p14="http://schemas.microsoft.com/office/powerpoint/2010/main" val="1640240175"/>
       </p:ext>
     </p:extLst>
   </p:cSld>
@@ -1722,7 +1720,7 @@
     </p:spTree>
     <p:extLst>
       <p:ext uri="{BB962C8B-B14F-4D97-AF65-F5344CB8AC3E}">
-        <p14:creationId xmlns:p14="http://schemas.microsoft.com/office/powerpoint/2010/main" val="1640240175"/>
+        <p14:creationId xmlns:p14="http://schemas.microsoft.com/office/powerpoint/2010/main" val="4099751867"/>
       </p:ext>
     </p:extLst>
   </p:cSld>
@@ -2404,118 +2402,6 @@
 </p:notes>
 </file>
 
-<file path=ppt/notesSlides/notesSlide23.xml><?xml version="1.0" encoding="utf-8"?>
-<p:notes xmlns:a="http://schemas.openxmlformats.org/drawingml/2006/main" xmlns:r="http://schemas.openxmlformats.org/officeDocument/2006/relationships" xmlns:p="http://schemas.openxmlformats.org/presentationml/2006/main" showMasterSp="0" showMasterPhAnim="0">
-  <p:cSld>
-    <p:spTree>
-      <p:nvGrpSpPr>
-        <p:cNvPr id="1" name="Shape 91"/>
-        <p:cNvGrpSpPr/>
-        <p:nvPr/>
-      </p:nvGrpSpPr>
-      <p:grpSpPr>
-        <a:xfrm>
-          <a:off x="0" y="0"/>
-          <a:ext cx="0" cy="0"/>
-          <a:chOff x="0" y="0"/>
-          <a:chExt cx="0" cy="0"/>
-        </a:xfrm>
-      </p:grpSpPr>
-      <p:sp>
-        <p:nvSpPr>
-          <p:cNvPr id="92" name="Google Shape;92;g921be16503_9_0:notes"/>
-          <p:cNvSpPr>
-            <a:spLocks noGrp="1" noRot="1" noChangeAspect="1"/>
-          </p:cNvSpPr>
-          <p:nvPr>
-            <p:ph type="sldImg" idx="2"/>
-          </p:nvPr>
-        </p:nvSpPr>
-        <p:spPr>
-          <a:xfrm>
-            <a:off x="381000" y="685800"/>
-            <a:ext cx="6096000" cy="3429000"/>
-          </a:xfrm>
-          <a:custGeom>
-            <a:avLst/>
-            <a:gdLst/>
-            <a:ahLst/>
-            <a:cxnLst/>
-            <a:rect l="l" t="t" r="r" b="b"/>
-            <a:pathLst>
-              <a:path w="120000" h="120000" extrusionOk="0">
-                <a:moveTo>
-                  <a:pt x="0" y="0"/>
-                </a:moveTo>
-                <a:lnTo>
-                  <a:pt x="120000" y="0"/>
-                </a:lnTo>
-                <a:lnTo>
-                  <a:pt x="120000" y="120000"/>
-                </a:lnTo>
-                <a:lnTo>
-                  <a:pt x="0" y="120000"/>
-                </a:lnTo>
-                <a:close/>
-              </a:path>
-            </a:pathLst>
-          </a:custGeom>
-        </p:spPr>
-      </p:sp>
-      <p:sp>
-        <p:nvSpPr>
-          <p:cNvPr id="93" name="Google Shape;93;g921be16503_9_0:notes"/>
-          <p:cNvSpPr txBox="1">
-            <a:spLocks noGrp="1"/>
-          </p:cNvSpPr>
-          <p:nvPr>
-            <p:ph type="body" idx="1"/>
-          </p:nvPr>
-        </p:nvSpPr>
-        <p:spPr>
-          <a:xfrm>
-            <a:off x="685800" y="4343400"/>
-            <a:ext cx="5486400" cy="4114800"/>
-          </a:xfrm>
-          <a:prstGeom prst="rect">
-            <a:avLst/>
-          </a:prstGeom>
-        </p:spPr>
-        <p:txBody>
-          <a:bodyPr spcFirstLastPara="1" wrap="square" lIns="91425" tIns="91425" rIns="91425" bIns="91425" anchor="t" anchorCtr="0">
-            <a:noAutofit/>
-          </a:bodyPr>
-          <a:lstStyle/>
-          <a:p>
-            <a:pPr marL="0" lvl="0" indent="0" algn="l" rtl="0">
-              <a:spcBef>
-                <a:spcPts val="0"/>
-              </a:spcBef>
-              <a:spcAft>
-                <a:spcPts val="0"/>
-              </a:spcAft>
-              <a:buNone/>
-            </a:pPr>
-            <a:r>
-              <a:rPr lang="en-US" dirty="0"/>
-              <a:t>Hello World of machine learning.</a:t>
-            </a:r>
-          </a:p>
-        </p:txBody>
-      </p:sp>
-    </p:spTree>
-    <p:extLst>
-      <p:ext uri="{BB962C8B-B14F-4D97-AF65-F5344CB8AC3E}">
-        <p14:creationId xmlns:p14="http://schemas.microsoft.com/office/powerpoint/2010/main" val="2651392003"/>
-      </p:ext>
-    </p:extLst>
-  </p:cSld>
-  <p:clrMapOvr>
-    <a:masterClrMapping/>
-  </p:clrMapOvr>
-</p:notes>
-</file>
-
 <file path=ppt/notesSlides/notesSlide3.xml><?xml version="1.0" encoding="utf-8"?>
 <p:notes xmlns:a="http://schemas.openxmlformats.org/drawingml/2006/main" xmlns:r="http://schemas.openxmlformats.org/officeDocument/2006/relationships" xmlns:p="http://schemas.openxmlformats.org/presentationml/2006/main" showMasterSp="0" showMasterPhAnim="0">
   <p:cSld>
@@ -2842,7 +2728,7 @@
     </p:spTree>
     <p:extLst>
       <p:ext uri="{BB962C8B-B14F-4D97-AF65-F5344CB8AC3E}">
-        <p14:creationId xmlns:p14="http://schemas.microsoft.com/office/powerpoint/2010/main" val="3614600750"/>
+        <p14:creationId xmlns:p14="http://schemas.microsoft.com/office/powerpoint/2010/main" val="88077277"/>
       </p:ext>
     </p:extLst>
   </p:cSld>
@@ -2954,7 +2840,7 @@
     </p:spTree>
     <p:extLst>
       <p:ext uri="{BB962C8B-B14F-4D97-AF65-F5344CB8AC3E}">
-        <p14:creationId xmlns:p14="http://schemas.microsoft.com/office/powerpoint/2010/main" val="2844394651"/>
+        <p14:creationId xmlns:p14="http://schemas.microsoft.com/office/powerpoint/2010/main" val="3614600750"/>
       </p:ext>
     </p:extLst>
   </p:cSld>
@@ -3066,7 +2952,7 @@
     </p:spTree>
     <p:extLst>
       <p:ext uri="{BB962C8B-B14F-4D97-AF65-F5344CB8AC3E}">
-        <p14:creationId xmlns:p14="http://schemas.microsoft.com/office/powerpoint/2010/main" val="3754496111"/>
+        <p14:creationId xmlns:p14="http://schemas.microsoft.com/office/powerpoint/2010/main" val="2844394651"/>
       </p:ext>
     </p:extLst>
   </p:cSld>
@@ -3178,7 +3064,7 @@
     </p:spTree>
     <p:extLst>
       <p:ext uri="{BB962C8B-B14F-4D97-AF65-F5344CB8AC3E}">
-        <p14:creationId xmlns:p14="http://schemas.microsoft.com/office/powerpoint/2010/main" val="88077277"/>
+        <p14:creationId xmlns:p14="http://schemas.microsoft.com/office/powerpoint/2010/main" val="3754496111"/>
       </p:ext>
     </p:extLst>
   </p:cSld>
@@ -6370,7 +6256,23 @@
                   <a:srgbClr val="E46102"/>
                 </a:solidFill>
               </a:rPr>
-              <a:t>Linear regression training</a:t>
+              <a:t>Linear Regression </a:t>
+            </a:r>
+            <a:r>
+              <a:rPr lang="en-US" sz="4000" b="1" dirty="0" err="1">
+                <a:solidFill>
+                  <a:srgbClr val="E46102"/>
+                </a:solidFill>
+              </a:rPr>
+              <a:t>contd</a:t>
+            </a:r>
+            <a:r>
+              <a:rPr lang="en-US" sz="4000" b="1" dirty="0">
+                <a:solidFill>
+                  <a:srgbClr val="E46102"/>
+                </a:solidFill>
+              </a:rPr>
+              <a:t>…</a:t>
             </a:r>
             <a:endParaRPr sz="4000" b="1" dirty="0">
               <a:solidFill>
@@ -6380,142 +6282,84 @@
           </a:p>
         </p:txBody>
       </p:sp>
-      <p:sp>
-        <p:nvSpPr>
-          <p:cNvPr id="96" name="Google Shape;96;p14"/>
-          <p:cNvSpPr txBox="1"/>
+      <p:pic>
+        <p:nvPicPr>
+          <p:cNvPr id="13" name="Picture 12">
+            <a:extLst>
+              <a:ext uri="{FF2B5EF4-FFF2-40B4-BE49-F238E27FC236}">
+                <a16:creationId xmlns:a16="http://schemas.microsoft.com/office/drawing/2014/main" id="{EC563D6C-29B7-4D7E-AA19-2A4FCE0B6552}"/>
+              </a:ext>
+            </a:extLst>
+          </p:cNvPr>
+          <p:cNvPicPr>
+            <a:picLocks noChangeAspect="1"/>
+          </p:cNvPicPr>
           <p:nvPr/>
-        </p:nvSpPr>
+        </p:nvPicPr>
+        <p:blipFill>
+          <a:blip r:embed="rId3"/>
+          <a:stretch>
+            <a:fillRect/>
+          </a:stretch>
+        </p:blipFill>
         <p:spPr>
           <a:xfrm>
-            <a:off x="521776" y="1382233"/>
-            <a:ext cx="11277600" cy="4176000"/>
+            <a:off x="4205042" y="1704104"/>
+            <a:ext cx="3781916" cy="1043289"/>
           </a:xfrm>
           <a:prstGeom prst="rect">
             <a:avLst/>
           </a:prstGeom>
-          <a:noFill/>
-          <a:ln>
-            <a:noFill/>
+          <a:ln w="9525" cap="sq">
+            <a:solidFill>
+              <a:srgbClr val="000000"/>
+            </a:solidFill>
+            <a:prstDash val="solid"/>
+            <a:miter lim="800000"/>
           </a:ln>
+          <a:effectLst>
+            <a:outerShdw blurRad="50800" dist="38100" dir="2700000" algn="tl" rotWithShape="0">
+              <a:srgbClr val="000000">
+                <a:alpha val="43000"/>
+              </a:srgbClr>
+            </a:outerShdw>
+          </a:effectLst>
         </p:spPr>
-        <p:txBody>
-          <a:bodyPr spcFirstLastPara="1" wrap="square" lIns="121900" tIns="121900" rIns="121900" bIns="121900" anchor="t" anchorCtr="0">
-            <a:noAutofit/>
-          </a:bodyPr>
-          <a:lstStyle/>
-          <a:p>
-            <a:pPr marL="457200" indent="-457200">
-              <a:buFont typeface="Arial" panose="020B0604020202020204" pitchFamily="34" charset="0"/>
-              <a:buChar char="•"/>
-            </a:pPr>
-            <a:r>
-              <a:rPr lang="en-US" dirty="0"/>
-              <a:t>GOAL: Training a model means setting its parameters so that the model BEST fits the training set. </a:t>
-            </a:r>
-          </a:p>
-          <a:p>
-            <a:pPr marL="457200" indent="-457200">
-              <a:buFont typeface="Arial" panose="020B0604020202020204" pitchFamily="34" charset="0"/>
-              <a:buChar char="•"/>
-            </a:pPr>
-            <a:endParaRPr lang="en-US" dirty="0"/>
-          </a:p>
-          <a:p>
-            <a:pPr marL="457200" indent="-457200">
-              <a:buFont typeface="Arial" panose="020B0604020202020204" pitchFamily="34" charset="0"/>
-              <a:buChar char="•"/>
-            </a:pPr>
-            <a:r>
-              <a:rPr lang="en-US" dirty="0"/>
-              <a:t>Q</a:t>
-            </a:r>
-            <a:r>
-              <a:rPr lang="en-US" i="1" dirty="0"/>
-              <a:t>uality</a:t>
-            </a:r>
-            <a:r>
-              <a:rPr lang="en-US" dirty="0"/>
-              <a:t> : how well predictions match up against actual values</a:t>
-            </a:r>
-          </a:p>
-          <a:p>
-            <a:pPr marL="457200" indent="-457200">
-              <a:buFont typeface="Arial" panose="020B0604020202020204" pitchFamily="34" charset="0"/>
-              <a:buChar char="•"/>
-            </a:pPr>
-            <a:endParaRPr lang="en-US" dirty="0"/>
-          </a:p>
-          <a:p>
-            <a:pPr marL="457200" indent="-457200">
-              <a:buFont typeface="Arial" panose="020B0604020202020204" pitchFamily="34" charset="0"/>
-              <a:buChar char="•"/>
-            </a:pPr>
-            <a:r>
-              <a:rPr lang="en-US" dirty="0"/>
-              <a:t>Graphically, find a line that minimizes the prediction error of all the data points</a:t>
-            </a:r>
-          </a:p>
-          <a:p>
-            <a:pPr marL="457200" indent="-457200">
-              <a:buFont typeface="Arial" panose="020B0604020202020204" pitchFamily="34" charset="0"/>
-              <a:buChar char="•"/>
-            </a:pPr>
-            <a:endParaRPr lang="en-US" dirty="0"/>
-          </a:p>
-        </p:txBody>
-      </p:sp>
+      </p:pic>
       <p:pic>
         <p:nvPicPr>
-          <p:cNvPr id="1026" name="Picture 2" descr="https://qph.fs.quoracdn.net/main-qimg-bb8279567778d3e87812d66b60dd0656">
+          <p:cNvPr id="3" name="Picture 2">
             <a:extLst>
               <a:ext uri="{FF2B5EF4-FFF2-40B4-BE49-F238E27FC236}">
-                <a16:creationId xmlns:a16="http://schemas.microsoft.com/office/drawing/2014/main" id="{0E298701-4860-4DAF-A001-86C26FABEE3A}"/>
+                <a16:creationId xmlns:a16="http://schemas.microsoft.com/office/drawing/2014/main" id="{0E2A11C5-D884-4A29-ADC1-3956F0DF1B0F}"/>
               </a:ext>
             </a:extLst>
           </p:cNvPr>
           <p:cNvPicPr>
-            <a:picLocks noChangeAspect="1" noChangeArrowheads="1"/>
+            <a:picLocks noChangeAspect="1"/>
           </p:cNvPicPr>
           <p:nvPr/>
         </p:nvPicPr>
         <p:blipFill>
-          <a:blip r:embed="rId3">
-            <a:extLst>
-              <a:ext uri="{28A0092B-C50C-407E-A947-70E740481C1C}">
-                <a14:useLocalDpi xmlns:a14="http://schemas.microsoft.com/office/drawing/2010/main" val="0"/>
-              </a:ext>
-            </a:extLst>
-          </a:blip>
-          <a:srcRect/>
+          <a:blip r:embed="rId4"/>
           <a:stretch>
             <a:fillRect/>
           </a:stretch>
         </p:blipFill>
-        <p:spPr bwMode="auto">
+        <p:spPr>
           <a:xfrm>
-            <a:off x="4071548" y="3842950"/>
-            <a:ext cx="2977988" cy="2690854"/>
+            <a:off x="1333500" y="3157340"/>
+            <a:ext cx="10327983" cy="2938660"/>
           </a:xfrm>
           <a:prstGeom prst="rect">
             <a:avLst/>
           </a:prstGeom>
-          <a:noFill/>
-          <a:extLst>
-            <a:ext uri="{909E8E84-426E-40DD-AFC4-6F175D3DCCD1}">
-              <a14:hiddenFill xmlns:a14="http://schemas.microsoft.com/office/drawing/2010/main">
-                <a:solidFill>
-                  <a:srgbClr val="FFFFFF"/>
-                </a:solidFill>
-              </a14:hiddenFill>
-            </a:ext>
-          </a:extLst>
         </p:spPr>
       </p:pic>
     </p:spTree>
     <p:extLst>
       <p:ext uri="{BB962C8B-B14F-4D97-AF65-F5344CB8AC3E}">
-        <p14:creationId xmlns:p14="http://schemas.microsoft.com/office/powerpoint/2010/main" val="871376942"/>
+        <p14:creationId xmlns:p14="http://schemas.microsoft.com/office/powerpoint/2010/main" val="850183354"/>
       </p:ext>
     </p:extLst>
   </p:cSld>
@@ -6543,7 +6387,7 @@
                             </p:stCondLst>
                             <p:childTnLst>
                               <p:par>
-                                <p:cTn id="5" presetID="1" presetClass="entr" presetSubtype="0" fill="hold" grpId="0" nodeType="clickEffect">
+                                <p:cTn id="5" presetID="1" presetClass="entr" presetSubtype="0" fill="hold" nodeType="clickEffect">
                                   <p:stCondLst>
                                     <p:cond delay="0"/>
                                   </p:stCondLst>
@@ -6556,7 +6400,7 @@
                                           </p:stCondLst>
                                         </p:cTn>
                                         <p:tgtEl>
-                                          <p:spTgt spid="96"/>
+                                          <p:spTgt spid="13"/>
                                         </p:tgtEl>
                                         <p:attrNameLst>
                                           <p:attrName>style.visibility</p:attrName>
@@ -6569,21 +6413,39 @@
                                   </p:childTnLst>
                                 </p:cTn>
                               </p:par>
+                            </p:childTnLst>
+                          </p:cTn>
+                        </p:par>
+                      </p:childTnLst>
+                    </p:cTn>
+                  </p:par>
+                  <p:par>
+                    <p:cTn id="7" fill="hold">
+                      <p:stCondLst>
+                        <p:cond delay="indefinite"/>
+                      </p:stCondLst>
+                      <p:childTnLst>
+                        <p:par>
+                          <p:cTn id="8" fill="hold">
+                            <p:stCondLst>
+                              <p:cond delay="0"/>
+                            </p:stCondLst>
+                            <p:childTnLst>
                               <p:par>
-                                <p:cTn id="7" presetID="1" presetClass="entr" presetSubtype="0" fill="hold" nodeType="withEffect">
+                                <p:cTn id="9" presetID="1" presetClass="entr" presetSubtype="0" fill="hold" nodeType="clickEffect">
                                   <p:stCondLst>
                                     <p:cond delay="0"/>
                                   </p:stCondLst>
                                   <p:childTnLst>
                                     <p:set>
                                       <p:cBhvr>
-                                        <p:cTn id="8" dur="1" fill="hold">
+                                        <p:cTn id="10" dur="1" fill="hold">
                                           <p:stCondLst>
                                             <p:cond delay="0"/>
                                           </p:stCondLst>
                                         </p:cTn>
                                         <p:tgtEl>
-                                          <p:spTgt spid="1026"/>
+                                          <p:spTgt spid="3"/>
                                         </p:tgtEl>
                                         <p:attrNameLst>
                                           <p:attrName>style.visibility</p:attrName>
@@ -6623,9 +6485,6 @@
         </p:cTn>
       </p:par>
     </p:tnLst>
-    <p:bldLst>
-      <p:bldP spid="96" grpId="0"/>
-    </p:bldLst>
   </p:timing>
 </p:sld>
 </file>
@@ -9252,107 +9111,6 @@
                   <a:srgbClr val="E46102"/>
                 </a:solidFill>
               </a:rPr>
-              <a:t>Using pandas</a:t>
-            </a:r>
-            <a:endParaRPr sz="4000" b="1" dirty="0">
-              <a:solidFill>
-                <a:srgbClr val="E46102"/>
-              </a:solidFill>
-            </a:endParaRPr>
-          </a:p>
-        </p:txBody>
-      </p:sp>
-      <p:pic>
-        <p:nvPicPr>
-          <p:cNvPr id="4" name="Picture 3">
-            <a:extLst>
-              <a:ext uri="{FF2B5EF4-FFF2-40B4-BE49-F238E27FC236}">
-                <a16:creationId xmlns:a16="http://schemas.microsoft.com/office/drawing/2014/main" id="{3B7EED37-C1DA-4863-A8D3-7FAEAC5021FF}"/>
-              </a:ext>
-            </a:extLst>
-          </p:cNvPr>
-          <p:cNvPicPr>
-            <a:picLocks noChangeAspect="1"/>
-          </p:cNvPicPr>
-          <p:nvPr/>
-        </p:nvPicPr>
-        <p:blipFill>
-          <a:blip r:embed="rId3"/>
-          <a:stretch>
-            <a:fillRect/>
-          </a:stretch>
-        </p:blipFill>
-        <p:spPr>
-          <a:xfrm>
-            <a:off x="3578764" y="1498427"/>
-            <a:ext cx="4921131" cy="4857496"/>
-          </a:xfrm>
-          <a:prstGeom prst="rect">
-            <a:avLst/>
-          </a:prstGeom>
-        </p:spPr>
-      </p:pic>
-    </p:spTree>
-    <p:extLst>
-      <p:ext uri="{BB962C8B-B14F-4D97-AF65-F5344CB8AC3E}">
-        <p14:creationId xmlns:p14="http://schemas.microsoft.com/office/powerpoint/2010/main" val="3652778074"/>
-      </p:ext>
-    </p:extLst>
-  </p:cSld>
-  <p:clrMapOvr>
-    <a:masterClrMapping/>
-  </p:clrMapOvr>
-</p:sld>
-</file>
-
-<file path=ppt/slides/slide17.xml><?xml version="1.0" encoding="utf-8"?>
-<p:sld xmlns:a="http://schemas.openxmlformats.org/drawingml/2006/main" xmlns:r="http://schemas.openxmlformats.org/officeDocument/2006/relationships" xmlns:p="http://schemas.openxmlformats.org/presentationml/2006/main">
-  <p:cSld>
-    <p:spTree>
-      <p:nvGrpSpPr>
-        <p:cNvPr id="1" name="Shape 94"/>
-        <p:cNvGrpSpPr/>
-        <p:nvPr/>
-      </p:nvGrpSpPr>
-      <p:grpSpPr>
-        <a:xfrm>
-          <a:off x="0" y="0"/>
-          <a:ext cx="0" cy="0"/>
-          <a:chOff x="0" y="0"/>
-          <a:chExt cx="0" cy="0"/>
-        </a:xfrm>
-      </p:grpSpPr>
-      <p:sp>
-        <p:nvSpPr>
-          <p:cNvPr id="95" name="Google Shape;95;p14"/>
-          <p:cNvSpPr txBox="1">
-            <a:spLocks noGrp="1"/>
-          </p:cNvSpPr>
-          <p:nvPr>
-            <p:ph type="title" idx="4294967295"/>
-          </p:nvPr>
-        </p:nvSpPr>
-        <p:spPr>
-          <a:xfrm>
-            <a:off x="717173" y="696913"/>
-            <a:ext cx="10972800" cy="506789"/>
-          </a:xfrm>
-          <a:prstGeom prst="rect">
-            <a:avLst/>
-          </a:prstGeom>
-        </p:spPr>
-        <p:txBody>
-          <a:bodyPr spcFirstLastPara="1" wrap="square" lIns="121900" tIns="121900" rIns="121900" bIns="121900" anchor="ctr" anchorCtr="0">
-            <a:noAutofit/>
-          </a:bodyPr>
-          <a:lstStyle/>
-          <a:p>
-            <a:r>
-              <a:rPr lang="en-US" sz="4000" b="1" dirty="0">
-                <a:solidFill>
-                  <a:srgbClr val="E46102"/>
-                </a:solidFill>
-              </a:rPr>
               <a:t>Computational Complexity</a:t>
             </a:r>
             <a:endParaRPr sz="4000" b="1" dirty="0">
@@ -9393,7 +9151,7 @@
               <a:rPr lang="en-US" dirty="0">
                 <a:latin typeface="MinionPro-Regular"/>
               </a:rPr>
-              <a:t>For n features, what is the computational complexity in a normal equation?</a:t>
+              <a:t>For n features, what is the computational complexity of cost in a normal equation?</a:t>
             </a:r>
           </a:p>
           <a:p>
@@ -9786,7 +9544,7 @@
 </p:sld>
 </file>
 
-<file path=ppt/slides/slide18.xml><?xml version="1.0" encoding="utf-8"?>
+<file path=ppt/slides/slide17.xml><?xml version="1.0" encoding="utf-8"?>
 <p:sld xmlns:a="http://schemas.openxmlformats.org/drawingml/2006/main" xmlns:r="http://schemas.openxmlformats.org/officeDocument/2006/relationships" xmlns:p="http://schemas.openxmlformats.org/presentationml/2006/main">
   <p:cSld>
     <p:spTree>
@@ -9970,24 +9728,8 @@
                 </a:solidFill>
                 <a:latin typeface="MinionPro-Regular"/>
               </a:rPr>
-              <a:t>eventually converging to same set of parameters as first method. </a:t>
-            </a:r>
-          </a:p>
-          <a:p>
-            <a:pPr marL="952485" lvl="1" indent="-342900">
-              <a:buFont typeface="Arial" panose="020B0604020202020204" pitchFamily="34" charset="0"/>
-              <a:buChar char="•"/>
-            </a:pPr>
-            <a:r>
-              <a:rPr lang="en-US" sz="2800" dirty="0">
-                <a:solidFill>
-                  <a:srgbClr val="000000"/>
-                </a:solidFill>
-                <a:latin typeface="MinionPro-Regular"/>
-              </a:rPr>
-              <a:t>Stochastic GD. Batch GD, Mini-batch GD left for self-study.</a:t>
-            </a:r>
-            <a:endParaRPr sz="3200" dirty="0"/>
+              <a:t>eventually converging to same set of parameters as first method.</a:t>
+            </a:r>
           </a:p>
         </p:txBody>
       </p:sp>
@@ -10301,37 +10043,6 @@
                                   </p:childTnLst>
                                 </p:cTn>
                               </p:par>
-                              <p:par>
-                                <p:cTn id="25" presetID="1" presetClass="entr" presetSubtype="0" fill="hold" nodeType="withEffect">
-                                  <p:stCondLst>
-                                    <p:cond delay="0"/>
-                                  </p:stCondLst>
-                                  <p:childTnLst>
-                                    <p:set>
-                                      <p:cBhvr>
-                                        <p:cTn id="26" dur="1" fill="hold">
-                                          <p:stCondLst>
-                                            <p:cond delay="0"/>
-                                          </p:stCondLst>
-                                        </p:cTn>
-                                        <p:tgtEl>
-                                          <p:spTgt spid="96">
-                                            <p:txEl>
-                                              <p:pRg st="8" end="8"/>
-                                            </p:txEl>
-                                          </p:spTgt>
-                                        </p:tgtEl>
-                                        <p:attrNameLst>
-                                          <p:attrName>style.visibility</p:attrName>
-                                        </p:attrNameLst>
-                                      </p:cBhvr>
-                                      <p:to>
-                                        <p:strVal val="visible"/>
-                                      </p:to>
-                                    </p:set>
-                                  </p:childTnLst>
-                                </p:cTn>
-                              </p:par>
                             </p:childTnLst>
                           </p:cTn>
                         </p:par>
@@ -10366,7 +10077,7 @@
 </p:sld>
 </file>
 
-<file path=ppt/slides/slide19.xml><?xml version="1.0" encoding="utf-8"?>
+<file path=ppt/slides/slide18.xml><?xml version="1.0" encoding="utf-8"?>
 <p:sld xmlns:a="http://schemas.openxmlformats.org/drawingml/2006/main" xmlns:r="http://schemas.openxmlformats.org/officeDocument/2006/relationships" xmlns:p="http://schemas.openxmlformats.org/presentationml/2006/main">
   <p:cSld>
     <p:spTree>
@@ -10450,87 +10161,50 @@
           <a:lstStyle/>
           <a:p>
             <a:r>
-              <a:rPr lang="en-US" u="sng" dirty="0"/>
+              <a:rPr lang="en-US" sz="2200" u="sng" dirty="0">
+                <a:latin typeface="Calibri" panose="020F0502020204030204" pitchFamily="34" charset="0"/>
+                <a:cs typeface="Calibri" panose="020F0502020204030204" pitchFamily="34" charset="0"/>
+              </a:rPr>
               <a:t>Common Analogy </a:t>
             </a:r>
-            <a:r>
-              <a:rPr lang="en-US" dirty="0"/>
-              <a:t>- you are lost in the mountains in a dense fog; you can only feel the slope of the ground below your feet. </a:t>
-            </a:r>
-          </a:p>
-          <a:p>
-            <a:r>
-              <a:rPr lang="en-US" dirty="0"/>
-              <a:t>A good strategy to get to the bottom of the valley quickly is to go downhill in the direction of the steepest slope.</a:t>
-            </a:r>
-          </a:p>
-        </p:txBody>
-      </p:sp>
-      <p:sp>
-        <p:nvSpPr>
-          <p:cNvPr id="5" name="TextBox 4">
-            <a:extLst>
-              <a:ext uri="{FF2B5EF4-FFF2-40B4-BE49-F238E27FC236}">
-                <a16:creationId xmlns:a16="http://schemas.microsoft.com/office/drawing/2014/main" id="{849556FC-F379-4A84-8506-689BA5A1B78E}"/>
-              </a:ext>
-            </a:extLst>
-          </p:cNvPr>
-          <p:cNvSpPr txBox="1"/>
-          <p:nvPr/>
-        </p:nvSpPr>
-        <p:spPr>
-          <a:xfrm>
-            <a:off x="5066002" y="3557917"/>
-            <a:ext cx="6794304" cy="2308324"/>
-          </a:xfrm>
-          <a:prstGeom prst="rect">
-            <a:avLst/>
-          </a:prstGeom>
-          <a:noFill/>
-        </p:spPr>
-        <p:txBody>
-          <a:bodyPr wrap="square" rtlCol="0">
-            <a:spAutoFit/>
-          </a:bodyPr>
-          <a:lstStyle/>
-          <a:p>
-            <a:r>
-              <a:rPr lang="en-US" dirty="0"/>
-              <a:t>GD: measures local gradient of the error function vis-à-vis </a:t>
-            </a:r>
-            <a:r>
-              <a:rPr lang="en-US" b="1" dirty="0"/>
-              <a:t>θ</a:t>
-            </a:r>
-            <a:r>
-              <a:rPr lang="en-US" dirty="0"/>
-              <a:t>,</a:t>
-            </a:r>
-          </a:p>
-          <a:p>
-            <a:endParaRPr lang="en-US" dirty="0"/>
-          </a:p>
-          <a:p>
-            <a:r>
-              <a:rPr lang="en-US" dirty="0"/>
-              <a:t>goes in the direction of descending gradient. </a:t>
-            </a:r>
-          </a:p>
-          <a:p>
-            <a:endParaRPr lang="en-US" dirty="0"/>
-          </a:p>
-          <a:p>
-            <a:r>
-              <a:rPr lang="en-US" dirty="0"/>
-              <a:t>once the gradient = 0, </a:t>
-            </a:r>
-            <a:r>
-              <a:rPr lang="en-US" b="1" dirty="0"/>
-              <a:t>θ </a:t>
-            </a:r>
-            <a:r>
-              <a:rPr lang="en-US" dirty="0"/>
-              <a:t>reached a minimum</a:t>
+          </a:p>
+          <a:p>
+            <a:pPr marL="342900" indent="-342900">
+              <a:buFontTx/>
+              <a:buChar char="-"/>
+            </a:pPr>
+            <a:r>
+              <a:rPr lang="en-US" sz="2200" dirty="0">
+                <a:latin typeface="Calibri" panose="020F0502020204030204" pitchFamily="34" charset="0"/>
+                <a:cs typeface="Calibri" panose="020F0502020204030204" pitchFamily="34" charset="0"/>
+              </a:rPr>
+              <a:t>you are lost in the mountains in a dense fog;</a:t>
+            </a:r>
+          </a:p>
+          <a:p>
+            <a:pPr marL="342900" indent="-342900">
+              <a:buFontTx/>
+              <a:buChar char="-"/>
+            </a:pPr>
+            <a:r>
+              <a:rPr lang="en-US" sz="2200" dirty="0">
+                <a:latin typeface="Calibri" panose="020F0502020204030204" pitchFamily="34" charset="0"/>
+                <a:cs typeface="Calibri" panose="020F0502020204030204" pitchFamily="34" charset="0"/>
+              </a:rPr>
+              <a:t>you can only feel the slope of the ground below your feet</a:t>
+            </a:r>
+          </a:p>
+          <a:p>
+            <a:pPr marL="342900" indent="-342900">
+              <a:buFontTx/>
+              <a:buChar char="-"/>
+            </a:pPr>
+            <a:r>
+              <a:rPr lang="en-US" sz="2200" dirty="0">
+                <a:latin typeface="Calibri" panose="020F0502020204030204" pitchFamily="34" charset="0"/>
+                <a:cs typeface="Calibri" panose="020F0502020204030204" pitchFamily="34" charset="0"/>
+              </a:rPr>
+              <a:t>a good strategy to get to the bottom of the valley quickly is to go downhill in the direction of the steepest slope.</a:t>
             </a:r>
           </a:p>
         </p:txBody>
@@ -10549,10 +10223,10 @@
         </p:nvGrpSpPr>
         <p:grpSpPr>
           <a:xfrm>
-            <a:off x="552114" y="3547106"/>
-            <a:ext cx="5745762" cy="2858260"/>
+            <a:off x="525220" y="3778625"/>
+            <a:ext cx="4826073" cy="2343255"/>
             <a:chOff x="592455" y="3574000"/>
-            <a:chExt cx="5745762" cy="2858260"/>
+            <a:chExt cx="5777195" cy="2890074"/>
           </a:xfrm>
         </p:grpSpPr>
         <p:pic>
@@ -11128,7 +10802,7 @@
           <p:spPr>
             <a:xfrm>
               <a:off x="4903209" y="5970595"/>
-              <a:ext cx="1435008" cy="461665"/>
+              <a:ext cx="1466441" cy="493479"/>
             </a:xfrm>
             <a:prstGeom prst="rect">
               <a:avLst/>
@@ -11142,13 +10816,18 @@
             <a:lstStyle/>
             <a:p>
               <a:r>
-                <a:rPr lang="en-US" dirty="0">
+                <a:rPr lang="en-US" sz="2000" dirty="0">
                   <a:solidFill>
                     <a:srgbClr val="E46102"/>
                   </a:solidFill>
                 </a:rPr>
                 <a:t>minimum</a:t>
               </a:r>
+              <a:endParaRPr lang="en-US" dirty="0">
+                <a:solidFill>
+                  <a:srgbClr val="E46102"/>
+                </a:solidFill>
+              </a:endParaRPr>
             </a:p>
           </p:txBody>
         </p:sp>
@@ -11198,10 +10877,1078 @@
           </a:p>
         </p:txBody>
       </p:sp>
+      <p:sp>
+        <p:nvSpPr>
+          <p:cNvPr id="18" name="TextBox 17">
+            <a:extLst>
+              <a:ext uri="{FF2B5EF4-FFF2-40B4-BE49-F238E27FC236}">
+                <a16:creationId xmlns:a16="http://schemas.microsoft.com/office/drawing/2014/main" id="{10459321-9A3A-8F70-D245-6C8D6A050419}"/>
+              </a:ext>
+            </a:extLst>
+          </p:cNvPr>
+          <p:cNvSpPr txBox="1"/>
+          <p:nvPr/>
+        </p:nvSpPr>
+        <p:spPr>
+          <a:xfrm>
+            <a:off x="4208963" y="4022119"/>
+            <a:ext cx="7386781" cy="1569660"/>
+          </a:xfrm>
+          <a:prstGeom prst="rect">
+            <a:avLst/>
+          </a:prstGeom>
+          <a:noFill/>
+        </p:spPr>
+        <p:txBody>
+          <a:bodyPr wrap="square" rtlCol="0">
+            <a:spAutoFit/>
+          </a:bodyPr>
+          <a:lstStyle/>
+          <a:p>
+            <a:pPr marL="457200" indent="-457200">
+              <a:buFont typeface="+mj-lt"/>
+              <a:buAutoNum type="arabicPeriod"/>
+            </a:pPr>
+            <a:r>
+              <a:rPr lang="en-US" dirty="0">
+                <a:latin typeface="Calibri" panose="020F0502020204030204" pitchFamily="34" charset="0"/>
+                <a:cs typeface="Calibri" panose="020F0502020204030204" pitchFamily="34" charset="0"/>
+              </a:rPr>
+              <a:t>Generate predictions given the current weight &amp; bias</a:t>
+            </a:r>
+          </a:p>
+          <a:p>
+            <a:pPr marL="457200" indent="-457200">
+              <a:buFont typeface="+mj-lt"/>
+              <a:buAutoNum type="arabicPeriod"/>
+            </a:pPr>
+            <a:r>
+              <a:rPr lang="en-US" dirty="0">
+                <a:latin typeface="Calibri" panose="020F0502020204030204" pitchFamily="34" charset="0"/>
+                <a:cs typeface="Calibri" panose="020F0502020204030204" pitchFamily="34" charset="0"/>
+              </a:rPr>
+              <a:t>Calculate the error</a:t>
+            </a:r>
+          </a:p>
+          <a:p>
+            <a:pPr marL="457200" indent="-457200">
+              <a:buFont typeface="+mj-lt"/>
+              <a:buAutoNum type="arabicPeriod"/>
+            </a:pPr>
+            <a:r>
+              <a:rPr lang="en-US" dirty="0">
+                <a:latin typeface="Calibri" panose="020F0502020204030204" pitchFamily="34" charset="0"/>
+                <a:cs typeface="Calibri" panose="020F0502020204030204" pitchFamily="34" charset="0"/>
+              </a:rPr>
+              <a:t>Adjust the weights and bias</a:t>
+            </a:r>
+          </a:p>
+          <a:p>
+            <a:pPr marL="457200" indent="-457200">
+              <a:buFont typeface="+mj-lt"/>
+              <a:buAutoNum type="arabicPeriod"/>
+            </a:pPr>
+            <a:r>
+              <a:rPr lang="en-US" dirty="0">
+                <a:latin typeface="Calibri" panose="020F0502020204030204" pitchFamily="34" charset="0"/>
+                <a:cs typeface="Calibri" panose="020F0502020204030204" pitchFamily="34" charset="0"/>
+              </a:rPr>
+              <a:t>Repeat until convergence</a:t>
+            </a:r>
+          </a:p>
+        </p:txBody>
+      </p:sp>
+      <p:sp>
+        <p:nvSpPr>
+          <p:cNvPr id="19" name="TextBox 18">
+            <a:extLst>
+              <a:ext uri="{FF2B5EF4-FFF2-40B4-BE49-F238E27FC236}">
+                <a16:creationId xmlns:a16="http://schemas.microsoft.com/office/drawing/2014/main" id="{D40AD5F1-E785-7A33-ADA8-D63432195F45}"/>
+              </a:ext>
+            </a:extLst>
+          </p:cNvPr>
+          <p:cNvSpPr txBox="1"/>
+          <p:nvPr/>
+        </p:nvSpPr>
+        <p:spPr>
+          <a:xfrm>
+            <a:off x="4194880" y="3555074"/>
+            <a:ext cx="1458926" cy="830997"/>
+          </a:xfrm>
+          <a:prstGeom prst="rect">
+            <a:avLst/>
+          </a:prstGeom>
+          <a:noFill/>
+        </p:spPr>
+        <p:txBody>
+          <a:bodyPr wrap="none" rtlCol="0">
+            <a:spAutoFit/>
+          </a:bodyPr>
+          <a:lstStyle/>
+          <a:p>
+            <a:r>
+              <a:rPr lang="en-US" u="sng" dirty="0">
+                <a:latin typeface="Calibri" panose="020F0502020204030204" pitchFamily="34" charset="0"/>
+                <a:cs typeface="Calibri" panose="020F0502020204030204" pitchFamily="34" charset="0"/>
+              </a:rPr>
+              <a:t>Approach </a:t>
+            </a:r>
+          </a:p>
+          <a:p>
+            <a:endParaRPr lang="en-US" dirty="0"/>
+          </a:p>
+        </p:txBody>
+      </p:sp>
     </p:spTree>
     <p:extLst>
       <p:ext uri="{BB962C8B-B14F-4D97-AF65-F5344CB8AC3E}">
         <p14:creationId xmlns:p14="http://schemas.microsoft.com/office/powerpoint/2010/main" val="2922019501"/>
+      </p:ext>
+    </p:extLst>
+  </p:cSld>
+  <p:clrMapOvr>
+    <a:masterClrMapping/>
+  </p:clrMapOvr>
+</p:sld>
+</file>
+
+<file path=ppt/slides/slide19.xml><?xml version="1.0" encoding="utf-8"?>
+<p:sld xmlns:a="http://schemas.openxmlformats.org/drawingml/2006/main" xmlns:r="http://schemas.openxmlformats.org/officeDocument/2006/relationships" xmlns:p="http://schemas.openxmlformats.org/presentationml/2006/main">
+  <p:cSld>
+    <p:spTree>
+      <p:nvGrpSpPr>
+        <p:cNvPr id="1" name="Shape 94"/>
+        <p:cNvGrpSpPr/>
+        <p:nvPr/>
+      </p:nvGrpSpPr>
+      <p:grpSpPr>
+        <a:xfrm>
+          <a:off x="0" y="0"/>
+          <a:ext cx="0" cy="0"/>
+          <a:chOff x="0" y="0"/>
+          <a:chExt cx="0" cy="0"/>
+        </a:xfrm>
+      </p:grpSpPr>
+      <p:sp>
+        <p:nvSpPr>
+          <p:cNvPr id="95" name="Google Shape;95;p14"/>
+          <p:cNvSpPr txBox="1">
+            <a:spLocks noGrp="1"/>
+          </p:cNvSpPr>
+          <p:nvPr>
+            <p:ph type="title" idx="4294967295"/>
+          </p:nvPr>
+        </p:nvSpPr>
+        <p:spPr>
+          <a:xfrm>
+            <a:off x="717173" y="696913"/>
+            <a:ext cx="10972800" cy="506789"/>
+          </a:xfrm>
+          <a:prstGeom prst="rect">
+            <a:avLst/>
+          </a:prstGeom>
+        </p:spPr>
+        <p:txBody>
+          <a:bodyPr spcFirstLastPara="1" wrap="square" lIns="121900" tIns="121900" rIns="121900" bIns="121900" anchor="ctr" anchorCtr="0">
+            <a:noAutofit/>
+          </a:bodyPr>
+          <a:lstStyle/>
+          <a:p>
+            <a:r>
+              <a:rPr lang="en-US" sz="4000" b="1" dirty="0">
+                <a:solidFill>
+                  <a:srgbClr val="E46102"/>
+                </a:solidFill>
+              </a:rPr>
+              <a:t>Gradient Descent (GD)</a:t>
+            </a:r>
+            <a:endParaRPr sz="4000" b="1" dirty="0">
+              <a:solidFill>
+                <a:srgbClr val="E46102"/>
+              </a:solidFill>
+            </a:endParaRPr>
+          </a:p>
+        </p:txBody>
+      </p:sp>
+      <p:grpSp>
+        <p:nvGrpSpPr>
+          <p:cNvPr id="7" name="Group 6">
+            <a:extLst>
+              <a:ext uri="{FF2B5EF4-FFF2-40B4-BE49-F238E27FC236}">
+                <a16:creationId xmlns:a16="http://schemas.microsoft.com/office/drawing/2014/main" id="{54FF1A9C-6AC7-C83A-6F64-92175DA847F8}"/>
+              </a:ext>
+            </a:extLst>
+          </p:cNvPr>
+          <p:cNvGrpSpPr/>
+          <p:nvPr/>
+        </p:nvGrpSpPr>
+        <p:grpSpPr>
+          <a:xfrm>
+            <a:off x="525220" y="1506076"/>
+            <a:ext cx="4826073" cy="2343255"/>
+            <a:chOff x="592455" y="3574000"/>
+            <a:chExt cx="5777195" cy="2890074"/>
+          </a:xfrm>
+        </p:grpSpPr>
+        <p:pic>
+          <p:nvPicPr>
+            <p:cNvPr id="3078" name="Picture 6" descr="glimpses, high-angle photography, fog, covering, portion, mountain, mist,  valley | Piqsels">
+              <a:extLst>
+                <a:ext uri="{FF2B5EF4-FFF2-40B4-BE49-F238E27FC236}">
+                  <a16:creationId xmlns:a16="http://schemas.microsoft.com/office/drawing/2014/main" id="{3D123E1E-35F5-4AB6-8D4E-C30AED58F5DA}"/>
+                </a:ext>
+              </a:extLst>
+            </p:cNvPr>
+            <p:cNvPicPr>
+              <a:picLocks noChangeAspect="1" noChangeArrowheads="1"/>
+            </p:cNvPicPr>
+            <p:nvPr/>
+          </p:nvPicPr>
+          <p:blipFill rotWithShape="1">
+            <a:blip r:embed="rId3">
+              <a:extLst>
+                <a:ext uri="{28A0092B-C50C-407E-A947-70E740481C1C}">
+                  <a14:useLocalDpi xmlns:a14="http://schemas.microsoft.com/office/drawing/2010/main" val="0"/>
+                </a:ext>
+              </a:extLst>
+            </a:blip>
+            <a:srcRect l="15341" b="16050"/>
+            <a:stretch/>
+          </p:blipFill>
+          <p:spPr bwMode="auto">
+            <a:xfrm>
+              <a:off x="592455" y="3574000"/>
+              <a:ext cx="4114800" cy="2721727"/>
+            </a:xfrm>
+            <a:prstGeom prst="rect">
+              <a:avLst/>
+            </a:prstGeom>
+            <a:noFill/>
+            <a:ln>
+              <a:solidFill>
+                <a:schemeClr val="bg2">
+                  <a:lumMod val="75000"/>
+                </a:schemeClr>
+              </a:solidFill>
+            </a:ln>
+            <a:extLst>
+              <a:ext uri="{909E8E84-426E-40DD-AFC4-6F175D3DCCD1}">
+                <a14:hiddenFill xmlns:a14="http://schemas.microsoft.com/office/drawing/2010/main">
+                  <a:solidFill>
+                    <a:srgbClr val="FFFFFF"/>
+                  </a:solidFill>
+                </a14:hiddenFill>
+              </a:ext>
+            </a:extLst>
+          </p:spPr>
+        </p:pic>
+        <p:sp>
+          <p:nvSpPr>
+            <p:cNvPr id="2" name="Freeform: Shape 1">
+              <a:extLst>
+                <a:ext uri="{FF2B5EF4-FFF2-40B4-BE49-F238E27FC236}">
+                  <a16:creationId xmlns:a16="http://schemas.microsoft.com/office/drawing/2014/main" id="{666507FE-17AE-4260-8242-402F7B2A78D3}"/>
+                </a:ext>
+              </a:extLst>
+            </p:cNvPr>
+            <p:cNvSpPr/>
+            <p:nvPr/>
+          </p:nvSpPr>
+          <p:spPr>
+            <a:xfrm>
+              <a:off x="1287270" y="3821982"/>
+              <a:ext cx="3279913" cy="1776592"/>
+            </a:xfrm>
+            <a:custGeom>
+              <a:avLst/>
+              <a:gdLst>
+                <a:gd name="connsiteX0" fmla="*/ 0 w 3279913"/>
+                <a:gd name="connsiteY0" fmla="*/ 0 h 1776592"/>
+                <a:gd name="connsiteX1" fmla="*/ 1326874 w 3279913"/>
+                <a:gd name="connsiteY1" fmla="*/ 1769165 h 1776592"/>
+                <a:gd name="connsiteX2" fmla="*/ 3279913 w 3279913"/>
+                <a:gd name="connsiteY2" fmla="*/ 675861 h 1776592"/>
+                <a:gd name="connsiteX3" fmla="*/ 3279913 w 3279913"/>
+                <a:gd name="connsiteY3" fmla="*/ 675861 h 1776592"/>
+              </a:gdLst>
+              <a:ahLst/>
+              <a:cxnLst>
+                <a:cxn ang="0">
+                  <a:pos x="connsiteX0" y="connsiteY0"/>
+                </a:cxn>
+                <a:cxn ang="0">
+                  <a:pos x="connsiteX1" y="connsiteY1"/>
+                </a:cxn>
+                <a:cxn ang="0">
+                  <a:pos x="connsiteX2" y="connsiteY2"/>
+                </a:cxn>
+                <a:cxn ang="0">
+                  <a:pos x="connsiteX3" y="connsiteY3"/>
+                </a:cxn>
+              </a:cxnLst>
+              <a:rect l="l" t="t" r="r" b="b"/>
+              <a:pathLst>
+                <a:path w="3279913" h="1776592">
+                  <a:moveTo>
+                    <a:pt x="0" y="0"/>
+                  </a:moveTo>
+                  <a:cubicBezTo>
+                    <a:pt x="390111" y="828261"/>
+                    <a:pt x="780222" y="1656522"/>
+                    <a:pt x="1326874" y="1769165"/>
+                  </a:cubicBezTo>
+                  <a:cubicBezTo>
+                    <a:pt x="1873526" y="1881809"/>
+                    <a:pt x="3279913" y="675861"/>
+                    <a:pt x="3279913" y="675861"/>
+                  </a:cubicBezTo>
+                  <a:lnTo>
+                    <a:pt x="3279913" y="675861"/>
+                  </a:lnTo>
+                </a:path>
+              </a:pathLst>
+            </a:custGeom>
+            <a:noFill/>
+            <a:ln w="28575">
+              <a:solidFill>
+                <a:srgbClr val="E46102"/>
+              </a:solidFill>
+            </a:ln>
+          </p:spPr>
+          <p:style>
+            <a:lnRef idx="1">
+              <a:schemeClr val="accent1"/>
+            </a:lnRef>
+            <a:fillRef idx="3">
+              <a:schemeClr val="accent1"/>
+            </a:fillRef>
+            <a:effectRef idx="2">
+              <a:schemeClr val="accent1"/>
+            </a:effectRef>
+            <a:fontRef idx="minor">
+              <a:schemeClr val="lt1"/>
+            </a:fontRef>
+          </p:style>
+          <p:txBody>
+            <a:bodyPr rtlCol="0" anchor="ctr"/>
+            <a:lstStyle/>
+            <a:p>
+              <a:pPr algn="ctr"/>
+              <a:endParaRPr lang="en-US"/>
+            </a:p>
+          </p:txBody>
+        </p:sp>
+        <p:pic>
+          <p:nvPicPr>
+            <p:cNvPr id="4" name="Graphic 3" descr="Line arrow Straight">
+              <a:extLst>
+                <a:ext uri="{FF2B5EF4-FFF2-40B4-BE49-F238E27FC236}">
+                  <a16:creationId xmlns:a16="http://schemas.microsoft.com/office/drawing/2014/main" id="{47D34912-B3C9-40C2-9621-C34E75B2D23A}"/>
+                </a:ext>
+              </a:extLst>
+            </p:cNvPr>
+            <p:cNvPicPr>
+              <a:picLocks noChangeAspect="1"/>
+            </p:cNvPicPr>
+            <p:nvPr/>
+          </p:nvPicPr>
+          <p:blipFill>
+            <a:blip r:embed="rId4">
+              <a:extLst>
+                <a:ext uri="{96DAC541-7B7A-43D3-8B79-37D633B846F1}">
+                  <asvg:svgBlip xmlns:asvg="http://schemas.microsoft.com/office/drawing/2016/SVG/main" r:embed="rId5"/>
+                </a:ext>
+              </a:extLst>
+            </a:blip>
+            <a:stretch>
+              <a:fillRect/>
+            </a:stretch>
+          </p:blipFill>
+          <p:spPr>
+            <a:xfrm rot="14708482">
+              <a:off x="1325880" y="3916570"/>
+              <a:ext cx="342995" cy="399924"/>
+            </a:xfrm>
+            <a:prstGeom prst="rect">
+              <a:avLst/>
+            </a:prstGeom>
+          </p:spPr>
+        </p:pic>
+        <p:pic>
+          <p:nvPicPr>
+            <p:cNvPr id="10" name="Graphic 9" descr="Line arrow Straight">
+              <a:extLst>
+                <a:ext uri="{FF2B5EF4-FFF2-40B4-BE49-F238E27FC236}">
+                  <a16:creationId xmlns:a16="http://schemas.microsoft.com/office/drawing/2014/main" id="{A7081011-DB30-4BE3-B599-7C862DAFB9C7}"/>
+                </a:ext>
+              </a:extLst>
+            </p:cNvPr>
+            <p:cNvPicPr>
+              <a:picLocks noChangeAspect="1"/>
+            </p:cNvPicPr>
+            <p:nvPr/>
+          </p:nvPicPr>
+          <p:blipFill>
+            <a:blip r:embed="rId4">
+              <a:extLst>
+                <a:ext uri="{96DAC541-7B7A-43D3-8B79-37D633B846F1}">
+                  <asvg:svgBlip xmlns:asvg="http://schemas.microsoft.com/office/drawing/2016/SVG/main" r:embed="rId5"/>
+                </a:ext>
+              </a:extLst>
+            </a:blip>
+            <a:stretch>
+              <a:fillRect/>
+            </a:stretch>
+          </p:blipFill>
+          <p:spPr>
+            <a:xfrm rot="14708482">
+              <a:off x="1415563" y="4179526"/>
+              <a:ext cx="342995" cy="399924"/>
+            </a:xfrm>
+            <a:prstGeom prst="rect">
+              <a:avLst/>
+            </a:prstGeom>
+          </p:spPr>
+        </p:pic>
+        <p:pic>
+          <p:nvPicPr>
+            <p:cNvPr id="11" name="Graphic 10" descr="Line arrow Straight">
+              <a:extLst>
+                <a:ext uri="{FF2B5EF4-FFF2-40B4-BE49-F238E27FC236}">
+                  <a16:creationId xmlns:a16="http://schemas.microsoft.com/office/drawing/2014/main" id="{DAA63291-1807-470F-BA0E-98FEFA96D04D}"/>
+                </a:ext>
+              </a:extLst>
+            </p:cNvPr>
+            <p:cNvPicPr>
+              <a:picLocks noChangeAspect="1"/>
+            </p:cNvPicPr>
+            <p:nvPr/>
+          </p:nvPicPr>
+          <p:blipFill>
+            <a:blip r:embed="rId4">
+              <a:extLst>
+                <a:ext uri="{96DAC541-7B7A-43D3-8B79-37D633B846F1}">
+                  <asvg:svgBlip xmlns:asvg="http://schemas.microsoft.com/office/drawing/2016/SVG/main" r:embed="rId5"/>
+                </a:ext>
+              </a:extLst>
+            </a:blip>
+            <a:stretch>
+              <a:fillRect/>
+            </a:stretch>
+          </p:blipFill>
+          <p:spPr>
+            <a:xfrm rot="14708482">
+              <a:off x="1505244" y="4331925"/>
+              <a:ext cx="342995" cy="399924"/>
+            </a:xfrm>
+            <a:prstGeom prst="rect">
+              <a:avLst/>
+            </a:prstGeom>
+          </p:spPr>
+        </p:pic>
+        <p:pic>
+          <p:nvPicPr>
+            <p:cNvPr id="12" name="Graphic 11" descr="Line arrow Straight">
+              <a:extLst>
+                <a:ext uri="{FF2B5EF4-FFF2-40B4-BE49-F238E27FC236}">
+                  <a16:creationId xmlns:a16="http://schemas.microsoft.com/office/drawing/2014/main" id="{4F30B5DA-6B94-4BCA-9E45-E40CE5A75A72}"/>
+                </a:ext>
+              </a:extLst>
+            </p:cNvPr>
+            <p:cNvPicPr>
+              <a:picLocks noChangeAspect="1"/>
+            </p:cNvPicPr>
+            <p:nvPr/>
+          </p:nvPicPr>
+          <p:blipFill>
+            <a:blip r:embed="rId4">
+              <a:extLst>
+                <a:ext uri="{96DAC541-7B7A-43D3-8B79-37D633B846F1}">
+                  <asvg:svgBlip xmlns:asvg="http://schemas.microsoft.com/office/drawing/2016/SVG/main" r:embed="rId5"/>
+                </a:ext>
+              </a:extLst>
+            </a:blip>
+            <a:stretch>
+              <a:fillRect/>
+            </a:stretch>
+          </p:blipFill>
+          <p:spPr>
+            <a:xfrm rot="14708482">
+              <a:off x="1627555" y="4569719"/>
+              <a:ext cx="342995" cy="399924"/>
+            </a:xfrm>
+            <a:prstGeom prst="rect">
+              <a:avLst/>
+            </a:prstGeom>
+          </p:spPr>
+        </p:pic>
+        <p:pic>
+          <p:nvPicPr>
+            <p:cNvPr id="13" name="Graphic 12" descr="Line arrow Straight">
+              <a:extLst>
+                <a:ext uri="{FF2B5EF4-FFF2-40B4-BE49-F238E27FC236}">
+                  <a16:creationId xmlns:a16="http://schemas.microsoft.com/office/drawing/2014/main" id="{CE099CE3-8129-46CE-A1CA-8C1A916AAD30}"/>
+                </a:ext>
+              </a:extLst>
+            </p:cNvPr>
+            <p:cNvPicPr>
+              <a:picLocks noChangeAspect="1"/>
+            </p:cNvPicPr>
+            <p:nvPr/>
+          </p:nvPicPr>
+          <p:blipFill>
+            <a:blip r:embed="rId4">
+              <a:extLst>
+                <a:ext uri="{96DAC541-7B7A-43D3-8B79-37D633B846F1}">
+                  <asvg:svgBlip xmlns:asvg="http://schemas.microsoft.com/office/drawing/2016/SVG/main" r:embed="rId5"/>
+                </a:ext>
+              </a:extLst>
+            </a:blip>
+            <a:stretch>
+              <a:fillRect/>
+            </a:stretch>
+          </p:blipFill>
+          <p:spPr>
+            <a:xfrm rot="14708482">
+              <a:off x="1627392" y="4770766"/>
+              <a:ext cx="460309" cy="399924"/>
+            </a:xfrm>
+            <a:prstGeom prst="rect">
+              <a:avLst/>
+            </a:prstGeom>
+          </p:spPr>
+        </p:pic>
+        <p:pic>
+          <p:nvPicPr>
+            <p:cNvPr id="14" name="Graphic 13" descr="Line arrow Straight">
+              <a:extLst>
+                <a:ext uri="{FF2B5EF4-FFF2-40B4-BE49-F238E27FC236}">
+                  <a16:creationId xmlns:a16="http://schemas.microsoft.com/office/drawing/2014/main" id="{F56C5441-C3E1-4C97-91A1-793F577EE4C5}"/>
+                </a:ext>
+              </a:extLst>
+            </p:cNvPr>
+            <p:cNvPicPr>
+              <a:picLocks noChangeAspect="1"/>
+            </p:cNvPicPr>
+            <p:nvPr/>
+          </p:nvPicPr>
+          <p:blipFill>
+            <a:blip r:embed="rId4">
+              <a:extLst>
+                <a:ext uri="{96DAC541-7B7A-43D3-8B79-37D633B846F1}">
+                  <asvg:svgBlip xmlns:asvg="http://schemas.microsoft.com/office/drawing/2016/SVG/main" r:embed="rId5"/>
+                </a:ext>
+              </a:extLst>
+            </a:blip>
+            <a:stretch>
+              <a:fillRect/>
+            </a:stretch>
+          </p:blipFill>
+          <p:spPr>
+            <a:xfrm rot="14708482">
+              <a:off x="1891077" y="5038195"/>
+              <a:ext cx="329981" cy="399924"/>
+            </a:xfrm>
+            <a:prstGeom prst="rect">
+              <a:avLst/>
+            </a:prstGeom>
+          </p:spPr>
+        </p:pic>
+        <p:pic>
+          <p:nvPicPr>
+            <p:cNvPr id="15" name="Graphic 14" descr="Line arrow Straight">
+              <a:extLst>
+                <a:ext uri="{FF2B5EF4-FFF2-40B4-BE49-F238E27FC236}">
+                  <a16:creationId xmlns:a16="http://schemas.microsoft.com/office/drawing/2014/main" id="{8A142172-944D-457A-BE17-2573E9699859}"/>
+                </a:ext>
+              </a:extLst>
+            </p:cNvPr>
+            <p:cNvPicPr>
+              <a:picLocks noChangeAspect="1"/>
+            </p:cNvPicPr>
+            <p:nvPr/>
+          </p:nvPicPr>
+          <p:blipFill>
+            <a:blip r:embed="rId4">
+              <a:extLst>
+                <a:ext uri="{96DAC541-7B7A-43D3-8B79-37D633B846F1}">
+                  <asvg:svgBlip xmlns:asvg="http://schemas.microsoft.com/office/drawing/2016/SVG/main" r:embed="rId5"/>
+                </a:ext>
+              </a:extLst>
+            </a:blip>
+            <a:stretch>
+              <a:fillRect/>
+            </a:stretch>
+          </p:blipFill>
+          <p:spPr>
+            <a:xfrm rot="13286496">
+              <a:off x="2016747" y="5282743"/>
+              <a:ext cx="406028" cy="399924"/>
+            </a:xfrm>
+            <a:prstGeom prst="rect">
+              <a:avLst/>
+            </a:prstGeom>
+          </p:spPr>
+        </p:pic>
+        <p:pic>
+          <p:nvPicPr>
+            <p:cNvPr id="16" name="Graphic 15" descr="Line arrow Straight">
+              <a:extLst>
+                <a:ext uri="{FF2B5EF4-FFF2-40B4-BE49-F238E27FC236}">
+                  <a16:creationId xmlns:a16="http://schemas.microsoft.com/office/drawing/2014/main" id="{1984F53E-48BD-4A7B-9389-ECC38097B1D7}"/>
+                </a:ext>
+              </a:extLst>
+            </p:cNvPr>
+            <p:cNvPicPr>
+              <a:picLocks noChangeAspect="1"/>
+            </p:cNvPicPr>
+            <p:nvPr/>
+          </p:nvPicPr>
+          <p:blipFill>
+            <a:blip r:embed="rId4">
+              <a:extLst>
+                <a:ext uri="{96DAC541-7B7A-43D3-8B79-37D633B846F1}">
+                  <asvg:svgBlip xmlns:asvg="http://schemas.microsoft.com/office/drawing/2016/SVG/main" r:embed="rId5"/>
+                </a:ext>
+              </a:extLst>
+            </a:blip>
+            <a:stretch>
+              <a:fillRect/>
+            </a:stretch>
+          </p:blipFill>
+          <p:spPr>
+            <a:xfrm rot="12071600">
+              <a:off x="2348514" y="5447346"/>
+              <a:ext cx="348306" cy="399924"/>
+            </a:xfrm>
+            <a:prstGeom prst="rect">
+              <a:avLst/>
+            </a:prstGeom>
+          </p:spPr>
+        </p:pic>
+        <p:pic>
+          <p:nvPicPr>
+            <p:cNvPr id="17" name="Graphic 16" descr="Line arrow Straight">
+              <a:extLst>
+                <a:ext uri="{FF2B5EF4-FFF2-40B4-BE49-F238E27FC236}">
+                  <a16:creationId xmlns:a16="http://schemas.microsoft.com/office/drawing/2014/main" id="{29BF2F3D-1479-4EBC-8C9B-8C9537F77B19}"/>
+                </a:ext>
+              </a:extLst>
+            </p:cNvPr>
+            <p:cNvPicPr>
+              <a:picLocks noChangeAspect="1"/>
+            </p:cNvPicPr>
+            <p:nvPr/>
+          </p:nvPicPr>
+          <p:blipFill>
+            <a:blip r:embed="rId4">
+              <a:extLst>
+                <a:ext uri="{96DAC541-7B7A-43D3-8B79-37D633B846F1}">
+                  <asvg:svgBlip xmlns:asvg="http://schemas.microsoft.com/office/drawing/2016/SVG/main" r:embed="rId5"/>
+                </a:ext>
+              </a:extLst>
+            </a:blip>
+            <a:stretch>
+              <a:fillRect/>
+            </a:stretch>
+          </p:blipFill>
+          <p:spPr>
+            <a:xfrm rot="12644637">
+              <a:off x="2220065" y="5380271"/>
+              <a:ext cx="298318" cy="399924"/>
+            </a:xfrm>
+            <a:prstGeom prst="rect">
+              <a:avLst/>
+            </a:prstGeom>
+          </p:spPr>
+        </p:pic>
+        <p:sp>
+          <p:nvSpPr>
+            <p:cNvPr id="6" name="Oval 5">
+              <a:extLst>
+                <a:ext uri="{FF2B5EF4-FFF2-40B4-BE49-F238E27FC236}">
+                  <a16:creationId xmlns:a16="http://schemas.microsoft.com/office/drawing/2014/main" id="{C5DDA4D1-6B3A-4945-8389-8C0C48BE9C62}"/>
+                </a:ext>
+              </a:extLst>
+            </p:cNvPr>
+            <p:cNvSpPr/>
+            <p:nvPr/>
+          </p:nvSpPr>
+          <p:spPr>
+            <a:xfrm>
+              <a:off x="2598827" y="5506638"/>
+              <a:ext cx="167630" cy="157724"/>
+            </a:xfrm>
+            <a:prstGeom prst="ellipse">
+              <a:avLst/>
+            </a:prstGeom>
+          </p:spPr>
+          <p:style>
+            <a:lnRef idx="1">
+              <a:schemeClr val="accent1"/>
+            </a:lnRef>
+            <a:fillRef idx="3">
+              <a:schemeClr val="accent1"/>
+            </a:fillRef>
+            <a:effectRef idx="2">
+              <a:schemeClr val="accent1"/>
+            </a:effectRef>
+            <a:fontRef idx="minor">
+              <a:schemeClr val="lt1"/>
+            </a:fontRef>
+          </p:style>
+          <p:txBody>
+            <a:bodyPr rtlCol="0" anchor="ctr"/>
+            <a:lstStyle/>
+            <a:p>
+              <a:pPr algn="ctr"/>
+              <a:endParaRPr lang="en-US"/>
+            </a:p>
+          </p:txBody>
+        </p:sp>
+        <p:cxnSp>
+          <p:nvCxnSpPr>
+            <p:cNvPr id="8" name="Straight Arrow Connector 7">
+              <a:extLst>
+                <a:ext uri="{FF2B5EF4-FFF2-40B4-BE49-F238E27FC236}">
+                  <a16:creationId xmlns:a16="http://schemas.microsoft.com/office/drawing/2014/main" id="{E745B8E0-5697-4CE9-A928-E2EBF13A941B}"/>
+                </a:ext>
+              </a:extLst>
+            </p:cNvPr>
+            <p:cNvCxnSpPr>
+              <a:cxnSpLocks/>
+              <a:endCxn id="6" idx="6"/>
+            </p:cNvCxnSpPr>
+            <p:nvPr/>
+          </p:nvCxnSpPr>
+          <p:spPr>
+            <a:xfrm flipH="1" flipV="1">
+              <a:off x="2766457" y="5585500"/>
+              <a:ext cx="2126816" cy="661832"/>
+            </a:xfrm>
+            <a:prstGeom prst="straightConnector1">
+              <a:avLst/>
+            </a:prstGeom>
+            <a:ln>
+              <a:tailEnd type="triangle"/>
+            </a:ln>
+          </p:spPr>
+          <p:style>
+            <a:lnRef idx="2">
+              <a:schemeClr val="accent1"/>
+            </a:lnRef>
+            <a:fillRef idx="0">
+              <a:schemeClr val="accent1"/>
+            </a:fillRef>
+            <a:effectRef idx="1">
+              <a:schemeClr val="accent1"/>
+            </a:effectRef>
+            <a:fontRef idx="minor">
+              <a:schemeClr val="tx1"/>
+            </a:fontRef>
+          </p:style>
+        </p:cxnSp>
+        <p:sp>
+          <p:nvSpPr>
+            <p:cNvPr id="9" name="TextBox 8">
+              <a:extLst>
+                <a:ext uri="{FF2B5EF4-FFF2-40B4-BE49-F238E27FC236}">
+                  <a16:creationId xmlns:a16="http://schemas.microsoft.com/office/drawing/2014/main" id="{1E1DADE2-638B-4BEA-BD61-503C5947A27E}"/>
+                </a:ext>
+              </a:extLst>
+            </p:cNvPr>
+            <p:cNvSpPr txBox="1"/>
+            <p:nvPr/>
+          </p:nvSpPr>
+          <p:spPr>
+            <a:xfrm>
+              <a:off x="4903209" y="5970595"/>
+              <a:ext cx="1466441" cy="493479"/>
+            </a:xfrm>
+            <a:prstGeom prst="rect">
+              <a:avLst/>
+            </a:prstGeom>
+            <a:noFill/>
+          </p:spPr>
+          <p:txBody>
+            <a:bodyPr wrap="none" rtlCol="0">
+              <a:spAutoFit/>
+            </a:bodyPr>
+            <a:lstStyle/>
+            <a:p>
+              <a:r>
+                <a:rPr lang="en-US" sz="2000" dirty="0">
+                  <a:solidFill>
+                    <a:srgbClr val="E46102"/>
+                  </a:solidFill>
+                </a:rPr>
+                <a:t>minimum</a:t>
+              </a:r>
+              <a:endParaRPr lang="en-US" dirty="0">
+                <a:solidFill>
+                  <a:srgbClr val="E46102"/>
+                </a:solidFill>
+              </a:endParaRPr>
+            </a:p>
+          </p:txBody>
+        </p:sp>
+      </p:grpSp>
+      <p:sp>
+        <p:nvSpPr>
+          <p:cNvPr id="18" name="TextBox 17">
+            <a:extLst>
+              <a:ext uri="{FF2B5EF4-FFF2-40B4-BE49-F238E27FC236}">
+                <a16:creationId xmlns:a16="http://schemas.microsoft.com/office/drawing/2014/main" id="{10459321-9A3A-8F70-D245-6C8D6A050419}"/>
+              </a:ext>
+            </a:extLst>
+          </p:cNvPr>
+          <p:cNvSpPr txBox="1"/>
+          <p:nvPr/>
+        </p:nvSpPr>
+        <p:spPr>
+          <a:xfrm>
+            <a:off x="4208963" y="1749570"/>
+            <a:ext cx="7386781" cy="1569660"/>
+          </a:xfrm>
+          <a:prstGeom prst="rect">
+            <a:avLst/>
+          </a:prstGeom>
+          <a:noFill/>
+        </p:spPr>
+        <p:txBody>
+          <a:bodyPr wrap="square" rtlCol="0">
+            <a:spAutoFit/>
+          </a:bodyPr>
+          <a:lstStyle/>
+          <a:p>
+            <a:pPr marL="457200" indent="-457200">
+              <a:buFont typeface="+mj-lt"/>
+              <a:buAutoNum type="arabicPeriod"/>
+            </a:pPr>
+            <a:r>
+              <a:rPr lang="en-US" dirty="0">
+                <a:latin typeface="Calibri" panose="020F0502020204030204" pitchFamily="34" charset="0"/>
+                <a:cs typeface="Calibri" panose="020F0502020204030204" pitchFamily="34" charset="0"/>
+              </a:rPr>
+              <a:t>Generate predictions given the current weight &amp; bias</a:t>
+            </a:r>
+          </a:p>
+          <a:p>
+            <a:pPr marL="457200" indent="-457200">
+              <a:buFont typeface="+mj-lt"/>
+              <a:buAutoNum type="arabicPeriod"/>
+            </a:pPr>
+            <a:r>
+              <a:rPr lang="en-US" dirty="0">
+                <a:latin typeface="Calibri" panose="020F0502020204030204" pitchFamily="34" charset="0"/>
+                <a:cs typeface="Calibri" panose="020F0502020204030204" pitchFamily="34" charset="0"/>
+              </a:rPr>
+              <a:t>Calculate the error</a:t>
+            </a:r>
+          </a:p>
+          <a:p>
+            <a:pPr marL="457200" indent="-457200">
+              <a:buFont typeface="+mj-lt"/>
+              <a:buAutoNum type="arabicPeriod"/>
+            </a:pPr>
+            <a:r>
+              <a:rPr lang="en-US" dirty="0">
+                <a:latin typeface="Calibri" panose="020F0502020204030204" pitchFamily="34" charset="0"/>
+                <a:cs typeface="Calibri" panose="020F0502020204030204" pitchFamily="34" charset="0"/>
+              </a:rPr>
+              <a:t>Adjust the weights and bias</a:t>
+            </a:r>
+          </a:p>
+          <a:p>
+            <a:pPr marL="457200" indent="-457200">
+              <a:buFont typeface="+mj-lt"/>
+              <a:buAutoNum type="arabicPeriod"/>
+            </a:pPr>
+            <a:r>
+              <a:rPr lang="en-US" dirty="0">
+                <a:latin typeface="Calibri" panose="020F0502020204030204" pitchFamily="34" charset="0"/>
+                <a:cs typeface="Calibri" panose="020F0502020204030204" pitchFamily="34" charset="0"/>
+              </a:rPr>
+              <a:t>Repeat until convergence</a:t>
+            </a:r>
+          </a:p>
+        </p:txBody>
+      </p:sp>
+      <p:sp>
+        <p:nvSpPr>
+          <p:cNvPr id="19" name="TextBox 18">
+            <a:extLst>
+              <a:ext uri="{FF2B5EF4-FFF2-40B4-BE49-F238E27FC236}">
+                <a16:creationId xmlns:a16="http://schemas.microsoft.com/office/drawing/2014/main" id="{D40AD5F1-E785-7A33-ADA8-D63432195F45}"/>
+              </a:ext>
+            </a:extLst>
+          </p:cNvPr>
+          <p:cNvSpPr txBox="1"/>
+          <p:nvPr/>
+        </p:nvSpPr>
+        <p:spPr>
+          <a:xfrm>
+            <a:off x="4194880" y="1309419"/>
+            <a:ext cx="2895216" cy="830997"/>
+          </a:xfrm>
+          <a:prstGeom prst="rect">
+            <a:avLst/>
+          </a:prstGeom>
+          <a:noFill/>
+        </p:spPr>
+        <p:txBody>
+          <a:bodyPr wrap="none" rtlCol="0">
+            <a:spAutoFit/>
+          </a:bodyPr>
+          <a:lstStyle/>
+          <a:p>
+            <a:r>
+              <a:rPr lang="en-US" u="sng" dirty="0">
+                <a:latin typeface="Calibri" panose="020F0502020204030204" pitchFamily="34" charset="0"/>
+                <a:cs typeface="Calibri" panose="020F0502020204030204" pitchFamily="34" charset="0"/>
+              </a:rPr>
+              <a:t>Approach (in English) </a:t>
+            </a:r>
+          </a:p>
+          <a:p>
+            <a:endParaRPr lang="en-US" dirty="0"/>
+          </a:p>
+        </p:txBody>
+      </p:sp>
+      <p:sp>
+        <p:nvSpPr>
+          <p:cNvPr id="5" name="TextBox 4">
+            <a:extLst>
+              <a:ext uri="{FF2B5EF4-FFF2-40B4-BE49-F238E27FC236}">
+                <a16:creationId xmlns:a16="http://schemas.microsoft.com/office/drawing/2014/main" id="{E2B5A27E-5D1F-826B-7426-559D3CD748BE}"/>
+              </a:ext>
+            </a:extLst>
+          </p:cNvPr>
+          <p:cNvSpPr txBox="1"/>
+          <p:nvPr/>
+        </p:nvSpPr>
+        <p:spPr>
+          <a:xfrm>
+            <a:off x="2009472" y="4400148"/>
+            <a:ext cx="9162375" cy="1938992"/>
+          </a:xfrm>
+          <a:prstGeom prst="rect">
+            <a:avLst/>
+          </a:prstGeom>
+          <a:noFill/>
+        </p:spPr>
+        <p:txBody>
+          <a:bodyPr wrap="square" rtlCol="0">
+            <a:spAutoFit/>
+          </a:bodyPr>
+          <a:lstStyle/>
+          <a:p>
+            <a:pPr marL="457200" indent="-457200">
+              <a:buFont typeface="+mj-lt"/>
+              <a:buAutoNum type="arabicPeriod"/>
+            </a:pPr>
+            <a:r>
+              <a:rPr lang="en-US" dirty="0"/>
+              <a:t>GD: measures local gradient of the error function vis-à-vis </a:t>
+            </a:r>
+            <a:r>
+              <a:rPr lang="en-US" b="1" dirty="0"/>
+              <a:t>θ</a:t>
+            </a:r>
+            <a:r>
+              <a:rPr lang="en-US" dirty="0"/>
+              <a:t>,</a:t>
+            </a:r>
+          </a:p>
+          <a:p>
+            <a:pPr marL="457200" indent="-457200">
+              <a:buFont typeface="+mj-lt"/>
+              <a:buAutoNum type="arabicPeriod"/>
+            </a:pPr>
+            <a:endParaRPr lang="en-US" dirty="0"/>
+          </a:p>
+          <a:p>
+            <a:pPr marL="457200" indent="-457200">
+              <a:buFont typeface="+mj-lt"/>
+              <a:buAutoNum type="arabicPeriod"/>
+            </a:pPr>
+            <a:r>
+              <a:rPr lang="en-US" dirty="0"/>
+              <a:t>goes in the direction of descending gradient. </a:t>
+            </a:r>
+          </a:p>
+          <a:p>
+            <a:pPr marL="457200" indent="-457200">
+              <a:buFont typeface="+mj-lt"/>
+              <a:buAutoNum type="arabicPeriod"/>
+            </a:pPr>
+            <a:endParaRPr lang="en-US" dirty="0"/>
+          </a:p>
+          <a:p>
+            <a:pPr marL="457200" indent="-457200">
+              <a:buFont typeface="+mj-lt"/>
+              <a:buAutoNum type="arabicPeriod"/>
+            </a:pPr>
+            <a:r>
+              <a:rPr lang="en-US" dirty="0"/>
+              <a:t>once the gradient = 0, </a:t>
+            </a:r>
+            <a:r>
+              <a:rPr lang="en-US" b="1" dirty="0"/>
+              <a:t>θ </a:t>
+            </a:r>
+            <a:r>
+              <a:rPr lang="en-US" dirty="0"/>
+              <a:t>reached a minimum</a:t>
+            </a:r>
+          </a:p>
+        </p:txBody>
+      </p:sp>
+      <p:sp>
+        <p:nvSpPr>
+          <p:cNvPr id="20" name="TextBox 19">
+            <a:extLst>
+              <a:ext uri="{FF2B5EF4-FFF2-40B4-BE49-F238E27FC236}">
+                <a16:creationId xmlns:a16="http://schemas.microsoft.com/office/drawing/2014/main" id="{6368D8DC-BADF-81BA-CE90-6877B4F2CB80}"/>
+              </a:ext>
+            </a:extLst>
+          </p:cNvPr>
+          <p:cNvSpPr txBox="1"/>
+          <p:nvPr/>
+        </p:nvSpPr>
+        <p:spPr>
+          <a:xfrm>
+            <a:off x="4117978" y="3945410"/>
+            <a:ext cx="3640292" cy="830997"/>
+          </a:xfrm>
+          <a:prstGeom prst="rect">
+            <a:avLst/>
+          </a:prstGeom>
+          <a:noFill/>
+        </p:spPr>
+        <p:txBody>
+          <a:bodyPr wrap="none" rtlCol="0">
+            <a:spAutoFit/>
+          </a:bodyPr>
+          <a:lstStyle/>
+          <a:p>
+            <a:r>
+              <a:rPr lang="en-US" u="sng" dirty="0">
+                <a:latin typeface="Calibri" panose="020F0502020204030204" pitchFamily="34" charset="0"/>
+                <a:cs typeface="Calibri" panose="020F0502020204030204" pitchFamily="34" charset="0"/>
+              </a:rPr>
+              <a:t>Approach (mathematically) </a:t>
+            </a:r>
+          </a:p>
+          <a:p>
+            <a:endParaRPr lang="en-US" dirty="0"/>
+          </a:p>
+        </p:txBody>
+      </p:sp>
+    </p:spTree>
+    <p:extLst>
+      <p:ext uri="{BB962C8B-B14F-4D97-AF65-F5344CB8AC3E}">
+        <p14:creationId xmlns:p14="http://schemas.microsoft.com/office/powerpoint/2010/main" val="4239618851"/>
       </p:ext>
     </p:extLst>
   </p:cSld>
@@ -11553,7 +12300,7 @@
         <p:spPr>
           <a:xfrm>
             <a:off x="6096000" y="2410239"/>
-            <a:ext cx="5803040" cy="3416320"/>
+            <a:ext cx="5803040" cy="3785652"/>
           </a:xfrm>
           <a:prstGeom prst="rect">
             <a:avLst/>
@@ -11567,7 +12314,7 @@
           <a:lstStyle/>
           <a:p>
             <a:r>
-              <a:rPr lang="en-US" sz="1800" dirty="0"/>
+              <a:rPr lang="en-US" sz="2000" dirty="0"/>
               <a:t>What is an important parameters of GD?</a:t>
             </a:r>
           </a:p>
@@ -11577,15 +12324,15 @@
               <a:buChar char="•"/>
             </a:pPr>
             <a:r>
-              <a:rPr lang="en-US" sz="1800" dirty="0"/>
+              <a:rPr lang="en-US" sz="2000" dirty="0"/>
               <a:t>size of the steps, determined by the </a:t>
             </a:r>
             <a:r>
-              <a:rPr lang="en-US" sz="1800" i="1" dirty="0"/>
+              <a:rPr lang="en-US" sz="2000" i="1" dirty="0"/>
               <a:t>learning rate </a:t>
             </a:r>
             <a:r>
-              <a:rPr lang="en-US" sz="1800" dirty="0"/>
+              <a:rPr lang="en-US" sz="2000" dirty="0"/>
               <a:t>hyperparameter. </a:t>
             </a:r>
           </a:p>
@@ -11593,38 +12340,38 @@
             <a:pPr marL="342900" indent="-342900">
               <a:buAutoNum type="arabicPeriod"/>
             </a:pPr>
-            <a:endParaRPr lang="en-US" sz="1800" dirty="0"/>
-          </a:p>
-          <a:p>
-            <a:r>
-              <a:rPr lang="en-US" sz="1800" dirty="0"/>
+            <a:endParaRPr lang="en-US" sz="2000" dirty="0"/>
+          </a:p>
+          <a:p>
+            <a:r>
+              <a:rPr lang="en-US" sz="2000" dirty="0"/>
               <a:t>If too small, then ….</a:t>
             </a:r>
           </a:p>
           <a:p>
             <a:r>
-              <a:rPr lang="en-US" sz="1800" dirty="0"/>
+              <a:rPr lang="en-US" sz="2000" dirty="0"/>
               <a:t>the algorithm will have to go through many iterations to converge, which will take a long time. </a:t>
             </a:r>
           </a:p>
           <a:p>
-            <a:endParaRPr lang="en-US" sz="1800" dirty="0"/>
-          </a:p>
-          <a:p>
-            <a:r>
-              <a:rPr lang="en-US" sz="1800" dirty="0"/>
+            <a:endParaRPr lang="en-US" sz="2000" dirty="0"/>
+          </a:p>
+          <a:p>
+            <a:r>
+              <a:rPr lang="en-US" sz="2000" dirty="0"/>
               <a:t>If too big, then ….</a:t>
             </a:r>
           </a:p>
           <a:p>
-            <a:endParaRPr lang="en-US" sz="1800" dirty="0"/>
-          </a:p>
-          <a:p>
-            <a:r>
-              <a:rPr lang="en-US" sz="1800" dirty="0"/>
+            <a:endParaRPr lang="en-US" sz="2000" dirty="0"/>
+          </a:p>
+          <a:p>
+            <a:r>
+              <a:rPr lang="en-US" sz="2000" dirty="0"/>
               <a:t>the algorithm might diverge, with larger and larger values, failing to find a good solution</a:t>
             </a:r>
-            <a:endParaRPr lang="en-US" dirty="0"/>
+            <a:endParaRPr lang="en-US" sz="2800" dirty="0"/>
           </a:p>
         </p:txBody>
       </p:sp>
@@ -12139,8 +12886,8 @@
         </p:nvSpPr>
         <p:spPr>
           <a:xfrm>
-            <a:off x="500088" y="1959737"/>
-            <a:ext cx="5946180" cy="4524315"/>
+            <a:off x="320149" y="1959737"/>
+            <a:ext cx="6542821" cy="4524315"/>
           </a:xfrm>
           <a:prstGeom prst="rect">
             <a:avLst/>
@@ -12154,8 +12901,12 @@
           <a:lstStyle/>
           <a:p>
             <a:r>
+              <a:rPr lang="en-US" sz="1800" b="1" dirty="0"/>
+              <a:t>Left</a:t>
+            </a:r>
+            <a:r>
               <a:rPr lang="en-US" sz="1800" dirty="0"/>
-              <a:t>Left: GD algorithm goes straight toward minimum</a:t>
+              <a:t>: GD algorithm goes straight toward minimum</a:t>
             </a:r>
           </a:p>
           <a:p>
@@ -12169,8 +12920,12 @@
           </a:p>
           <a:p>
             <a:r>
+              <a:rPr lang="en-US" sz="1800" b="1" dirty="0"/>
+              <a:t>Right</a:t>
+            </a:r>
+            <a:r>
               <a:rPr lang="en-US" sz="1800" dirty="0"/>
-              <a:t>Right: GD first goes in a direction almost orthogonal to direction of global minimum</a:t>
+              <a:t>: GD first goes in a direction almost orthogonal to direction of global minimum</a:t>
             </a:r>
           </a:p>
           <a:p>
@@ -12193,21 +12948,22 @@
           </a:p>
           <a:p>
             <a:r>
+              <a:rPr lang="en-US" sz="1800" b="1" dirty="0"/>
+              <a:t>Note</a:t>
+            </a:r>
+            <a:r>
               <a:rPr lang="en-US" sz="1800" dirty="0"/>
-              <a:t>Note: Training a GD model means searching for a</a:t>
+              <a:t>: Training a GD model means searching for a</a:t>
             </a:r>
           </a:p>
           <a:p>
             <a:r>
               <a:rPr lang="en-US" sz="1800" dirty="0"/>
-              <a:t>combination of model parameters that minimizes a cost function (over the training</a:t>
-            </a:r>
-          </a:p>
-          <a:p>
-            <a:r>
-              <a:rPr lang="en-US" sz="1800" dirty="0"/>
-              <a:t>set). </a:t>
-            </a:r>
+              <a:t>combination of model parameters that minimizes a cost function (over the training set).</a:t>
+            </a:r>
+          </a:p>
+          <a:p>
+            <a:endParaRPr lang="en-US" sz="1800" dirty="0"/>
           </a:p>
           <a:p>
             <a:r>
@@ -13532,178 +14288,6 @@
     <p:extLst>
       <p:ext uri="{BB962C8B-B14F-4D97-AF65-F5344CB8AC3E}">
         <p14:creationId xmlns:p14="http://schemas.microsoft.com/office/powerpoint/2010/main" val="225144125"/>
-      </p:ext>
-    </p:extLst>
-  </p:cSld>
-  <p:clrMapOvr>
-    <a:masterClrMapping/>
-  </p:clrMapOvr>
-  <p:timing>
-    <p:tnLst>
-      <p:par>
-        <p:cTn id="1" dur="indefinite" restart="never" nodeType="tmRoot">
-          <p:childTnLst>
-            <p:seq concurrent="1" nextAc="seek">
-              <p:cTn id="2" dur="indefinite" nodeType="mainSeq">
-                <p:childTnLst>
-                  <p:par>
-                    <p:cTn id="3" fill="hold">
-                      <p:stCondLst>
-                        <p:cond delay="indefinite"/>
-                      </p:stCondLst>
-                      <p:childTnLst>
-                        <p:par>
-                          <p:cTn id="4" fill="hold">
-                            <p:stCondLst>
-                              <p:cond delay="0"/>
-                            </p:stCondLst>
-                            <p:childTnLst>
-                              <p:par>
-                                <p:cTn id="5" presetID="1" presetClass="entr" presetSubtype="0" fill="hold" grpId="0" nodeType="clickEffect">
-                                  <p:stCondLst>
-                                    <p:cond delay="0"/>
-                                  </p:stCondLst>
-                                  <p:childTnLst>
-                                    <p:set>
-                                      <p:cBhvr>
-                                        <p:cTn id="6" dur="1" fill="hold">
-                                          <p:stCondLst>
-                                            <p:cond delay="0"/>
-                                          </p:stCondLst>
-                                        </p:cTn>
-                                        <p:tgtEl>
-                                          <p:spTgt spid="96"/>
-                                        </p:tgtEl>
-                                        <p:attrNameLst>
-                                          <p:attrName>style.visibility</p:attrName>
-                                        </p:attrNameLst>
-                                      </p:cBhvr>
-                                      <p:to>
-                                        <p:strVal val="visible"/>
-                                      </p:to>
-                                    </p:set>
-                                  </p:childTnLst>
-                                </p:cTn>
-                              </p:par>
-                            </p:childTnLst>
-                          </p:cTn>
-                        </p:par>
-                      </p:childTnLst>
-                    </p:cTn>
-                  </p:par>
-                </p:childTnLst>
-              </p:cTn>
-              <p:prevCondLst>
-                <p:cond evt="onPrev" delay="0">
-                  <p:tgtEl>
-                    <p:sldTgt/>
-                  </p:tgtEl>
-                </p:cond>
-              </p:prevCondLst>
-              <p:nextCondLst>
-                <p:cond evt="onNext" delay="0">
-                  <p:tgtEl>
-                    <p:sldTgt/>
-                  </p:tgtEl>
-                </p:cond>
-              </p:nextCondLst>
-            </p:seq>
-          </p:childTnLst>
-        </p:cTn>
-      </p:par>
-    </p:tnLst>
-    <p:bldLst>
-      <p:bldP spid="96" grpId="0"/>
-    </p:bldLst>
-  </p:timing>
-</p:sld>
-</file>
-
-<file path=ppt/slides/slide25.xml><?xml version="1.0" encoding="utf-8"?>
-<p:sld xmlns:a="http://schemas.openxmlformats.org/drawingml/2006/main" xmlns:r="http://schemas.openxmlformats.org/officeDocument/2006/relationships" xmlns:p="http://schemas.openxmlformats.org/presentationml/2006/main">
-  <p:cSld>
-    <p:spTree>
-      <p:nvGrpSpPr>
-        <p:cNvPr id="1" name="Shape 94"/>
-        <p:cNvGrpSpPr/>
-        <p:nvPr/>
-      </p:nvGrpSpPr>
-      <p:grpSpPr>
-        <a:xfrm>
-          <a:off x="0" y="0"/>
-          <a:ext cx="0" cy="0"/>
-          <a:chOff x="0" y="0"/>
-          <a:chExt cx="0" cy="0"/>
-        </a:xfrm>
-      </p:grpSpPr>
-      <p:sp>
-        <p:nvSpPr>
-          <p:cNvPr id="96" name="Google Shape;96;p14"/>
-          <p:cNvSpPr txBox="1"/>
-          <p:nvPr/>
-        </p:nvSpPr>
-        <p:spPr>
-          <a:xfrm>
-            <a:off x="521776" y="1382233"/>
-            <a:ext cx="11277600" cy="4176000"/>
-          </a:xfrm>
-          <a:prstGeom prst="rect">
-            <a:avLst/>
-          </a:prstGeom>
-          <a:noFill/>
-          <a:ln>
-            <a:noFill/>
-          </a:ln>
-        </p:spPr>
-        <p:txBody>
-          <a:bodyPr spcFirstLastPara="1" wrap="square" lIns="121900" tIns="121900" rIns="121900" bIns="121900" anchor="t" anchorCtr="0">
-            <a:noAutofit/>
-          </a:bodyPr>
-          <a:lstStyle/>
-          <a:p>
-            <a:pPr algn="ctr"/>
-            <a:r>
-              <a:rPr lang="en-US" dirty="0"/>
-              <a:t>How will a straight line pass through this data?</a:t>
-            </a:r>
-            <a:endParaRPr dirty="0"/>
-          </a:p>
-        </p:txBody>
-      </p:sp>
-      <p:pic>
-        <p:nvPicPr>
-          <p:cNvPr id="3" name="Picture 2">
-            <a:extLst>
-              <a:ext uri="{FF2B5EF4-FFF2-40B4-BE49-F238E27FC236}">
-                <a16:creationId xmlns:a16="http://schemas.microsoft.com/office/drawing/2014/main" id="{5CD22F8B-1B34-4F8E-9078-87247F47C096}"/>
-              </a:ext>
-            </a:extLst>
-          </p:cNvPr>
-          <p:cNvPicPr>
-            <a:picLocks noChangeAspect="1"/>
-          </p:cNvPicPr>
-          <p:nvPr/>
-        </p:nvPicPr>
-        <p:blipFill>
-          <a:blip r:embed="rId3"/>
-          <a:stretch>
-            <a:fillRect/>
-          </a:stretch>
-        </p:blipFill>
-        <p:spPr>
-          <a:xfrm>
-            <a:off x="3112793" y="2370011"/>
-            <a:ext cx="5201101" cy="3231160"/>
-          </a:xfrm>
-          <a:prstGeom prst="rect">
-            <a:avLst/>
-          </a:prstGeom>
-        </p:spPr>
-      </p:pic>
-    </p:spTree>
-    <p:extLst>
-      <p:ext uri="{BB962C8B-B14F-4D97-AF65-F5344CB8AC3E}">
-        <p14:creationId xmlns:p14="http://schemas.microsoft.com/office/powerpoint/2010/main" val="1592426577"/>
       </p:ext>
     </p:extLst>
   </p:cSld>
@@ -16124,6 +16708,314 @@
                   <a:srgbClr val="E46102"/>
                 </a:solidFill>
               </a:rPr>
+              <a:t>Linear regression training</a:t>
+            </a:r>
+            <a:endParaRPr sz="4000" b="1" dirty="0">
+              <a:solidFill>
+                <a:srgbClr val="E46102"/>
+              </a:solidFill>
+            </a:endParaRPr>
+          </a:p>
+        </p:txBody>
+      </p:sp>
+      <p:sp>
+        <p:nvSpPr>
+          <p:cNvPr id="96" name="Google Shape;96;p14"/>
+          <p:cNvSpPr txBox="1"/>
+          <p:nvPr/>
+        </p:nvSpPr>
+        <p:spPr>
+          <a:xfrm>
+            <a:off x="521776" y="1382233"/>
+            <a:ext cx="11277600" cy="4176000"/>
+          </a:xfrm>
+          <a:prstGeom prst="rect">
+            <a:avLst/>
+          </a:prstGeom>
+          <a:noFill/>
+          <a:ln>
+            <a:noFill/>
+          </a:ln>
+        </p:spPr>
+        <p:txBody>
+          <a:bodyPr spcFirstLastPara="1" wrap="square" lIns="121900" tIns="121900" rIns="121900" bIns="121900" anchor="t" anchorCtr="0">
+            <a:noAutofit/>
+          </a:bodyPr>
+          <a:lstStyle/>
+          <a:p>
+            <a:pPr marL="457200" indent="-457200">
+              <a:buFont typeface="Arial" panose="020B0604020202020204" pitchFamily="34" charset="0"/>
+              <a:buChar char="•"/>
+            </a:pPr>
+            <a:r>
+              <a:rPr lang="en-US" dirty="0"/>
+              <a:t>GOAL: Training a model means setting its parameters so that the model BEST fits the training set. </a:t>
+            </a:r>
+          </a:p>
+          <a:p>
+            <a:pPr marL="457200" indent="-457200">
+              <a:buFont typeface="Arial" panose="020B0604020202020204" pitchFamily="34" charset="0"/>
+              <a:buChar char="•"/>
+            </a:pPr>
+            <a:endParaRPr lang="en-US" dirty="0"/>
+          </a:p>
+          <a:p>
+            <a:pPr marL="457200" indent="-457200">
+              <a:buFont typeface="Arial" panose="020B0604020202020204" pitchFamily="34" charset="0"/>
+              <a:buChar char="•"/>
+            </a:pPr>
+            <a:r>
+              <a:rPr lang="en-US" dirty="0"/>
+              <a:t>Q</a:t>
+            </a:r>
+            <a:r>
+              <a:rPr lang="en-US" i="1" dirty="0"/>
+              <a:t>uality</a:t>
+            </a:r>
+            <a:r>
+              <a:rPr lang="en-US" dirty="0"/>
+              <a:t> : how well predictions match up against actual values</a:t>
+            </a:r>
+          </a:p>
+          <a:p>
+            <a:pPr marL="457200" indent="-457200">
+              <a:buFont typeface="Arial" panose="020B0604020202020204" pitchFamily="34" charset="0"/>
+              <a:buChar char="•"/>
+            </a:pPr>
+            <a:endParaRPr lang="en-US" dirty="0"/>
+          </a:p>
+          <a:p>
+            <a:pPr marL="457200" indent="-457200">
+              <a:buFont typeface="Arial" panose="020B0604020202020204" pitchFamily="34" charset="0"/>
+              <a:buChar char="•"/>
+            </a:pPr>
+            <a:r>
+              <a:rPr lang="en-US" dirty="0"/>
+              <a:t>Graphically, find a line that minimizes the prediction error of all the data points</a:t>
+            </a:r>
+          </a:p>
+          <a:p>
+            <a:pPr marL="457200" indent="-457200">
+              <a:buFont typeface="Arial" panose="020B0604020202020204" pitchFamily="34" charset="0"/>
+              <a:buChar char="•"/>
+            </a:pPr>
+            <a:endParaRPr lang="en-US" dirty="0"/>
+          </a:p>
+        </p:txBody>
+      </p:sp>
+      <p:pic>
+        <p:nvPicPr>
+          <p:cNvPr id="1026" name="Picture 2" descr="https://qph.fs.quoracdn.net/main-qimg-bb8279567778d3e87812d66b60dd0656">
+            <a:extLst>
+              <a:ext uri="{FF2B5EF4-FFF2-40B4-BE49-F238E27FC236}">
+                <a16:creationId xmlns:a16="http://schemas.microsoft.com/office/drawing/2014/main" id="{0E298701-4860-4DAF-A001-86C26FABEE3A}"/>
+              </a:ext>
+            </a:extLst>
+          </p:cNvPr>
+          <p:cNvPicPr>
+            <a:picLocks noChangeAspect="1" noChangeArrowheads="1"/>
+          </p:cNvPicPr>
+          <p:nvPr/>
+        </p:nvPicPr>
+        <p:blipFill>
+          <a:blip r:embed="rId3">
+            <a:extLst>
+              <a:ext uri="{28A0092B-C50C-407E-A947-70E740481C1C}">
+                <a14:useLocalDpi xmlns:a14="http://schemas.microsoft.com/office/drawing/2010/main" val="0"/>
+              </a:ext>
+            </a:extLst>
+          </a:blip>
+          <a:srcRect/>
+          <a:stretch>
+            <a:fillRect/>
+          </a:stretch>
+        </p:blipFill>
+        <p:spPr bwMode="auto">
+          <a:xfrm>
+            <a:off x="4071548" y="3842950"/>
+            <a:ext cx="2977988" cy="2690854"/>
+          </a:xfrm>
+          <a:prstGeom prst="rect">
+            <a:avLst/>
+          </a:prstGeom>
+          <a:noFill/>
+          <a:extLst>
+            <a:ext uri="{909E8E84-426E-40DD-AFC4-6F175D3DCCD1}">
+              <a14:hiddenFill xmlns:a14="http://schemas.microsoft.com/office/drawing/2010/main">
+                <a:solidFill>
+                  <a:srgbClr val="FFFFFF"/>
+                </a:solidFill>
+              </a14:hiddenFill>
+            </a:ext>
+          </a:extLst>
+        </p:spPr>
+      </p:pic>
+    </p:spTree>
+    <p:extLst>
+      <p:ext uri="{BB962C8B-B14F-4D97-AF65-F5344CB8AC3E}">
+        <p14:creationId xmlns:p14="http://schemas.microsoft.com/office/powerpoint/2010/main" val="871376942"/>
+      </p:ext>
+    </p:extLst>
+  </p:cSld>
+  <p:clrMapOvr>
+    <a:masterClrMapping/>
+  </p:clrMapOvr>
+  <p:timing>
+    <p:tnLst>
+      <p:par>
+        <p:cTn id="1" dur="indefinite" restart="never" nodeType="tmRoot">
+          <p:childTnLst>
+            <p:seq concurrent="1" nextAc="seek">
+              <p:cTn id="2" dur="indefinite" nodeType="mainSeq">
+                <p:childTnLst>
+                  <p:par>
+                    <p:cTn id="3" fill="hold">
+                      <p:stCondLst>
+                        <p:cond delay="indefinite"/>
+                      </p:stCondLst>
+                      <p:childTnLst>
+                        <p:par>
+                          <p:cTn id="4" fill="hold">
+                            <p:stCondLst>
+                              <p:cond delay="0"/>
+                            </p:stCondLst>
+                            <p:childTnLst>
+                              <p:par>
+                                <p:cTn id="5" presetID="1" presetClass="entr" presetSubtype="0" fill="hold" grpId="0" nodeType="clickEffect">
+                                  <p:stCondLst>
+                                    <p:cond delay="0"/>
+                                  </p:stCondLst>
+                                  <p:childTnLst>
+                                    <p:set>
+                                      <p:cBhvr>
+                                        <p:cTn id="6" dur="1" fill="hold">
+                                          <p:stCondLst>
+                                            <p:cond delay="0"/>
+                                          </p:stCondLst>
+                                        </p:cTn>
+                                        <p:tgtEl>
+                                          <p:spTgt spid="96"/>
+                                        </p:tgtEl>
+                                        <p:attrNameLst>
+                                          <p:attrName>style.visibility</p:attrName>
+                                        </p:attrNameLst>
+                                      </p:cBhvr>
+                                      <p:to>
+                                        <p:strVal val="visible"/>
+                                      </p:to>
+                                    </p:set>
+                                  </p:childTnLst>
+                                </p:cTn>
+                              </p:par>
+                              <p:par>
+                                <p:cTn id="7" presetID="1" presetClass="entr" presetSubtype="0" fill="hold" nodeType="withEffect">
+                                  <p:stCondLst>
+                                    <p:cond delay="0"/>
+                                  </p:stCondLst>
+                                  <p:childTnLst>
+                                    <p:set>
+                                      <p:cBhvr>
+                                        <p:cTn id="8" dur="1" fill="hold">
+                                          <p:stCondLst>
+                                            <p:cond delay="0"/>
+                                          </p:stCondLst>
+                                        </p:cTn>
+                                        <p:tgtEl>
+                                          <p:spTgt spid="1026"/>
+                                        </p:tgtEl>
+                                        <p:attrNameLst>
+                                          <p:attrName>style.visibility</p:attrName>
+                                        </p:attrNameLst>
+                                      </p:cBhvr>
+                                      <p:to>
+                                        <p:strVal val="visible"/>
+                                      </p:to>
+                                    </p:set>
+                                  </p:childTnLst>
+                                </p:cTn>
+                              </p:par>
+                            </p:childTnLst>
+                          </p:cTn>
+                        </p:par>
+                      </p:childTnLst>
+                    </p:cTn>
+                  </p:par>
+                </p:childTnLst>
+              </p:cTn>
+              <p:prevCondLst>
+                <p:cond evt="onPrev" delay="0">
+                  <p:tgtEl>
+                    <p:sldTgt/>
+                  </p:tgtEl>
+                </p:cond>
+              </p:prevCondLst>
+              <p:nextCondLst>
+                <p:cond evt="onNext" delay="0">
+                  <p:tgtEl>
+                    <p:sldTgt/>
+                  </p:tgtEl>
+                </p:cond>
+              </p:nextCondLst>
+            </p:seq>
+          </p:childTnLst>
+        </p:cTn>
+      </p:par>
+    </p:tnLst>
+    <p:bldLst>
+      <p:bldP spid="96" grpId="0"/>
+    </p:bldLst>
+  </p:timing>
+</p:sld>
+</file>
+
+<file path=ppt/slides/slide8.xml><?xml version="1.0" encoding="utf-8"?>
+<p:sld xmlns:a="http://schemas.openxmlformats.org/drawingml/2006/main" xmlns:r="http://schemas.openxmlformats.org/officeDocument/2006/relationships" xmlns:p="http://schemas.openxmlformats.org/presentationml/2006/main">
+  <p:cSld>
+    <p:spTree>
+      <p:nvGrpSpPr>
+        <p:cNvPr id="1" name="Shape 94"/>
+        <p:cNvGrpSpPr/>
+        <p:nvPr/>
+      </p:nvGrpSpPr>
+      <p:grpSpPr>
+        <a:xfrm>
+          <a:off x="0" y="0"/>
+          <a:ext cx="0" cy="0"/>
+          <a:chOff x="0" y="0"/>
+          <a:chExt cx="0" cy="0"/>
+        </a:xfrm>
+      </p:grpSpPr>
+      <p:sp>
+        <p:nvSpPr>
+          <p:cNvPr id="95" name="Google Shape;95;p14"/>
+          <p:cNvSpPr txBox="1">
+            <a:spLocks noGrp="1"/>
+          </p:cNvSpPr>
+          <p:nvPr>
+            <p:ph type="title" idx="4294967295"/>
+          </p:nvPr>
+        </p:nvSpPr>
+        <p:spPr>
+          <a:xfrm>
+            <a:off x="717173" y="696913"/>
+            <a:ext cx="10972800" cy="506789"/>
+          </a:xfrm>
+          <a:prstGeom prst="rect">
+            <a:avLst/>
+          </a:prstGeom>
+        </p:spPr>
+        <p:txBody>
+          <a:bodyPr spcFirstLastPara="1" wrap="square" lIns="121900" tIns="121900" rIns="121900" bIns="121900" anchor="ctr" anchorCtr="0">
+            <a:noAutofit/>
+          </a:bodyPr>
+          <a:lstStyle/>
+          <a:p>
+            <a:r>
+              <a:rPr lang="en-US" sz="4000" b="1" dirty="0">
+                <a:solidFill>
+                  <a:srgbClr val="E46102"/>
+                </a:solidFill>
+              </a:rPr>
               <a:t>Linear Regression </a:t>
             </a:r>
             <a:r>
@@ -16424,10 +17316,10 @@
         </p:nvGrpSpPr>
         <p:grpSpPr>
           <a:xfrm>
-            <a:off x="1039803" y="3742710"/>
-            <a:ext cx="10001250" cy="2899810"/>
-            <a:chOff x="1039803" y="3742710"/>
-            <a:chExt cx="10001250" cy="2899810"/>
+            <a:off x="1777635" y="4581246"/>
+            <a:ext cx="8171433" cy="2128588"/>
+            <a:chOff x="1760273" y="4692420"/>
+            <a:chExt cx="7979137" cy="2013783"/>
           </a:xfrm>
         </p:grpSpPr>
         <p:pic>
@@ -16478,8 +17370,8 @@
           </p:blipFill>
           <p:spPr bwMode="auto">
             <a:xfrm>
-              <a:off x="1039803" y="3930553"/>
-              <a:ext cx="10001250" cy="2524125"/>
+              <a:off x="1760273" y="4692420"/>
+              <a:ext cx="7979137" cy="2013783"/>
             </a:xfrm>
             <a:prstGeom prst="rect">
               <a:avLst/>
@@ -16510,8 +17402,8 @@
           </p:nvSpPr>
           <p:spPr>
             <a:xfrm>
-              <a:off x="5056985" y="3742710"/>
-              <a:ext cx="954815" cy="2899810"/>
+              <a:off x="5030724" y="4760002"/>
+              <a:ext cx="600519" cy="1857074"/>
             </a:xfrm>
             <a:prstGeom prst="roundRect">
               <a:avLst/>
@@ -16906,7 +17798,7 @@
 </p:sld>
 </file>
 
-<file path=ppt/slides/slide8.xml><?xml version="1.0" encoding="utf-8"?>
+<file path=ppt/slides/slide9.xml><?xml version="1.0" encoding="utf-8"?>
 <p:sld xmlns:a="http://schemas.openxmlformats.org/drawingml/2006/main" xmlns:r="http://schemas.openxmlformats.org/officeDocument/2006/relationships" xmlns:p="http://schemas.openxmlformats.org/presentationml/2006/main">
   <p:cSld>
     <p:spTree>
@@ -18391,287 +19283,6 @@
       <p:bldP spid="15" grpId="0"/>
       <p:bldP spid="16" grpId="0" animBg="1"/>
     </p:bldLst>
-  </p:timing>
-</p:sld>
-</file>
-
-<file path=ppt/slides/slide9.xml><?xml version="1.0" encoding="utf-8"?>
-<p:sld xmlns:a="http://schemas.openxmlformats.org/drawingml/2006/main" xmlns:r="http://schemas.openxmlformats.org/officeDocument/2006/relationships" xmlns:p="http://schemas.openxmlformats.org/presentationml/2006/main">
-  <p:cSld>
-    <p:spTree>
-      <p:nvGrpSpPr>
-        <p:cNvPr id="1" name="Shape 94"/>
-        <p:cNvGrpSpPr/>
-        <p:nvPr/>
-      </p:nvGrpSpPr>
-      <p:grpSpPr>
-        <a:xfrm>
-          <a:off x="0" y="0"/>
-          <a:ext cx="0" cy="0"/>
-          <a:chOff x="0" y="0"/>
-          <a:chExt cx="0" cy="0"/>
-        </a:xfrm>
-      </p:grpSpPr>
-      <p:sp>
-        <p:nvSpPr>
-          <p:cNvPr id="95" name="Google Shape;95;p14"/>
-          <p:cNvSpPr txBox="1">
-            <a:spLocks noGrp="1"/>
-          </p:cNvSpPr>
-          <p:nvPr>
-            <p:ph type="title" idx="4294967295"/>
-          </p:nvPr>
-        </p:nvSpPr>
-        <p:spPr>
-          <a:xfrm>
-            <a:off x="717173" y="696913"/>
-            <a:ext cx="10972800" cy="506789"/>
-          </a:xfrm>
-          <a:prstGeom prst="rect">
-            <a:avLst/>
-          </a:prstGeom>
-        </p:spPr>
-        <p:txBody>
-          <a:bodyPr spcFirstLastPara="1" wrap="square" lIns="121900" tIns="121900" rIns="121900" bIns="121900" anchor="ctr" anchorCtr="0">
-            <a:noAutofit/>
-          </a:bodyPr>
-          <a:lstStyle/>
-          <a:p>
-            <a:r>
-              <a:rPr lang="en-US" sz="4000" b="1" dirty="0">
-                <a:solidFill>
-                  <a:srgbClr val="E46102"/>
-                </a:solidFill>
-              </a:rPr>
-              <a:t>Linear Regression </a:t>
-            </a:r>
-            <a:r>
-              <a:rPr lang="en-US" sz="4000" b="1" dirty="0" err="1">
-                <a:solidFill>
-                  <a:srgbClr val="E46102"/>
-                </a:solidFill>
-              </a:rPr>
-              <a:t>contd</a:t>
-            </a:r>
-            <a:r>
-              <a:rPr lang="en-US" sz="4000" b="1" dirty="0">
-                <a:solidFill>
-                  <a:srgbClr val="E46102"/>
-                </a:solidFill>
-              </a:rPr>
-              <a:t>…</a:t>
-            </a:r>
-            <a:endParaRPr sz="4000" b="1" dirty="0">
-              <a:solidFill>
-                <a:srgbClr val="E46102"/>
-              </a:solidFill>
-            </a:endParaRPr>
-          </a:p>
-        </p:txBody>
-      </p:sp>
-      <p:pic>
-        <p:nvPicPr>
-          <p:cNvPr id="13" name="Picture 12">
-            <a:extLst>
-              <a:ext uri="{FF2B5EF4-FFF2-40B4-BE49-F238E27FC236}">
-                <a16:creationId xmlns:a16="http://schemas.microsoft.com/office/drawing/2014/main" id="{EC563D6C-29B7-4D7E-AA19-2A4FCE0B6552}"/>
-              </a:ext>
-            </a:extLst>
-          </p:cNvPr>
-          <p:cNvPicPr>
-            <a:picLocks noChangeAspect="1"/>
-          </p:cNvPicPr>
-          <p:nvPr/>
-        </p:nvPicPr>
-        <p:blipFill>
-          <a:blip r:embed="rId3"/>
-          <a:stretch>
-            <a:fillRect/>
-          </a:stretch>
-        </p:blipFill>
-        <p:spPr>
-          <a:xfrm>
-            <a:off x="4205042" y="1704104"/>
-            <a:ext cx="3781916" cy="1043289"/>
-          </a:xfrm>
-          <a:prstGeom prst="rect">
-            <a:avLst/>
-          </a:prstGeom>
-          <a:ln w="9525" cap="sq">
-            <a:solidFill>
-              <a:srgbClr val="000000"/>
-            </a:solidFill>
-            <a:prstDash val="solid"/>
-            <a:miter lim="800000"/>
-          </a:ln>
-          <a:effectLst>
-            <a:outerShdw blurRad="50800" dist="38100" dir="2700000" algn="tl" rotWithShape="0">
-              <a:srgbClr val="000000">
-                <a:alpha val="43000"/>
-              </a:srgbClr>
-            </a:outerShdw>
-          </a:effectLst>
-        </p:spPr>
-      </p:pic>
-      <p:pic>
-        <p:nvPicPr>
-          <p:cNvPr id="3" name="Picture 2">
-            <a:extLst>
-              <a:ext uri="{FF2B5EF4-FFF2-40B4-BE49-F238E27FC236}">
-                <a16:creationId xmlns:a16="http://schemas.microsoft.com/office/drawing/2014/main" id="{0E2A11C5-D884-4A29-ADC1-3956F0DF1B0F}"/>
-              </a:ext>
-            </a:extLst>
-          </p:cNvPr>
-          <p:cNvPicPr>
-            <a:picLocks noChangeAspect="1"/>
-          </p:cNvPicPr>
-          <p:nvPr/>
-        </p:nvPicPr>
-        <p:blipFill>
-          <a:blip r:embed="rId4"/>
-          <a:stretch>
-            <a:fillRect/>
-          </a:stretch>
-        </p:blipFill>
-        <p:spPr>
-          <a:xfrm>
-            <a:off x="1333500" y="3157340"/>
-            <a:ext cx="10327983" cy="2938660"/>
-          </a:xfrm>
-          <a:prstGeom prst="rect">
-            <a:avLst/>
-          </a:prstGeom>
-        </p:spPr>
-      </p:pic>
-    </p:spTree>
-    <p:extLst>
-      <p:ext uri="{BB962C8B-B14F-4D97-AF65-F5344CB8AC3E}">
-        <p14:creationId xmlns:p14="http://schemas.microsoft.com/office/powerpoint/2010/main" val="850183354"/>
-      </p:ext>
-    </p:extLst>
-  </p:cSld>
-  <p:clrMapOvr>
-    <a:masterClrMapping/>
-  </p:clrMapOvr>
-  <p:timing>
-    <p:tnLst>
-      <p:par>
-        <p:cTn id="1" dur="indefinite" restart="never" nodeType="tmRoot">
-          <p:childTnLst>
-            <p:seq concurrent="1" nextAc="seek">
-              <p:cTn id="2" dur="indefinite" nodeType="mainSeq">
-                <p:childTnLst>
-                  <p:par>
-                    <p:cTn id="3" fill="hold">
-                      <p:stCondLst>
-                        <p:cond delay="indefinite"/>
-                      </p:stCondLst>
-                      <p:childTnLst>
-                        <p:par>
-                          <p:cTn id="4" fill="hold">
-                            <p:stCondLst>
-                              <p:cond delay="0"/>
-                            </p:stCondLst>
-                            <p:childTnLst>
-                              <p:par>
-                                <p:cTn id="5" presetID="1" presetClass="entr" presetSubtype="0" fill="hold" nodeType="clickEffect">
-                                  <p:stCondLst>
-                                    <p:cond delay="0"/>
-                                  </p:stCondLst>
-                                  <p:childTnLst>
-                                    <p:set>
-                                      <p:cBhvr>
-                                        <p:cTn id="6" dur="1" fill="hold">
-                                          <p:stCondLst>
-                                            <p:cond delay="0"/>
-                                          </p:stCondLst>
-                                        </p:cTn>
-                                        <p:tgtEl>
-                                          <p:spTgt spid="13"/>
-                                        </p:tgtEl>
-                                        <p:attrNameLst>
-                                          <p:attrName>style.visibility</p:attrName>
-                                        </p:attrNameLst>
-                                      </p:cBhvr>
-                                      <p:to>
-                                        <p:strVal val="visible"/>
-                                      </p:to>
-                                    </p:set>
-                                  </p:childTnLst>
-                                </p:cTn>
-                              </p:par>
-                            </p:childTnLst>
-                          </p:cTn>
-                        </p:par>
-                      </p:childTnLst>
-                    </p:cTn>
-                  </p:par>
-                  <p:par>
-                    <p:cTn id="7" fill="hold">
-                      <p:stCondLst>
-                        <p:cond delay="indefinite"/>
-                      </p:stCondLst>
-                      <p:childTnLst>
-                        <p:par>
-                          <p:cTn id="8" fill="hold">
-                            <p:stCondLst>
-                              <p:cond delay="0"/>
-                            </p:stCondLst>
-                            <p:childTnLst>
-                              <p:par>
-                                <p:cTn id="9" presetID="1" presetClass="entr" presetSubtype="0" fill="hold" nodeType="clickEffect">
-                                  <p:stCondLst>
-                                    <p:cond delay="0"/>
-                                  </p:stCondLst>
-                                  <p:childTnLst>
-                                    <p:set>
-                                      <p:cBhvr>
-                                        <p:cTn id="10" dur="1" fill="hold">
-                                          <p:stCondLst>
-                                            <p:cond delay="0"/>
-                                          </p:stCondLst>
-                                        </p:cTn>
-                                        <p:tgtEl>
-                                          <p:spTgt spid="3"/>
-                                        </p:tgtEl>
-                                        <p:attrNameLst>
-                                          <p:attrName>style.visibility</p:attrName>
-                                        </p:attrNameLst>
-                                      </p:cBhvr>
-                                      <p:to>
-                                        <p:strVal val="visible"/>
-                                      </p:to>
-                                    </p:set>
-                                  </p:childTnLst>
-                                </p:cTn>
-                              </p:par>
-                            </p:childTnLst>
-                          </p:cTn>
-                        </p:par>
-                      </p:childTnLst>
-                    </p:cTn>
-                  </p:par>
-                </p:childTnLst>
-              </p:cTn>
-              <p:prevCondLst>
-                <p:cond evt="onPrev" delay="0">
-                  <p:tgtEl>
-                    <p:sldTgt/>
-                  </p:tgtEl>
-                </p:cond>
-              </p:prevCondLst>
-              <p:nextCondLst>
-                <p:cond evt="onNext" delay="0">
-                  <p:tgtEl>
-                    <p:sldTgt/>
-                  </p:tgtEl>
-                </p:cond>
-              </p:nextCondLst>
-            </p:seq>
-          </p:childTnLst>
-        </p:cTn>
-      </p:par>
-    </p:tnLst>
   </p:timing>
 </p:sld>
 </file>
